--- a/design.pptx
+++ b/design.pptx
@@ -4,6 +4,9 @@
   <p:sldMasterIdLst>
     <p:sldMasterId id="2147483648" r:id="rId1"/>
   </p:sldMasterIdLst>
+  <p:notesMasterIdLst>
+    <p:notesMasterId r:id="rId10"/>
+  </p:notesMasterIdLst>
   <p:sldIdLst>
     <p:sldId id="256" r:id="rId2"/>
     <p:sldId id="257" r:id="rId3"/>
@@ -11,6 +14,8 @@
     <p:sldId id="259" r:id="rId5"/>
     <p:sldId id="260" r:id="rId6"/>
     <p:sldId id="261" r:id="rId7"/>
+    <p:sldId id="262" r:id="rId8"/>
+    <p:sldId id="263" r:id="rId9"/>
   </p:sldIdLst>
   <p:sldSz cx="12192000" cy="6858000"/>
   <p:notesSz cx="6858000" cy="9144000"/>
@@ -115,6 +120,439 @@
     </p:ext>
   </p:extLst>
 </p:presentation>
+</file>
+
+<file path=ppt/notesMasters/notesMaster1.xml><?xml version="1.0" encoding="utf-8"?>
+<p:notesMaster xmlns:a="http://schemas.openxmlformats.org/drawingml/2006/main" xmlns:r="http://schemas.openxmlformats.org/officeDocument/2006/relationships" xmlns:p="http://schemas.openxmlformats.org/presentationml/2006/main">
+  <p:cSld>
+    <p:bg>
+      <p:bgRef idx="1001">
+        <a:schemeClr val="bg1"/>
+      </p:bgRef>
+    </p:bg>
+    <p:spTree>
+      <p:nvGrpSpPr>
+        <p:cNvPr id="1" name=""/>
+        <p:cNvGrpSpPr/>
+        <p:nvPr/>
+      </p:nvGrpSpPr>
+      <p:grpSpPr>
+        <a:xfrm>
+          <a:off x="0" y="0"/>
+          <a:ext cx="0" cy="0"/>
+          <a:chOff x="0" y="0"/>
+          <a:chExt cx="0" cy="0"/>
+        </a:xfrm>
+      </p:grpSpPr>
+      <p:sp>
+        <p:nvSpPr>
+          <p:cNvPr id="2" name="머리글 개체 틀 1"/>
+          <p:cNvSpPr>
+            <a:spLocks noGrp="1"/>
+          </p:cNvSpPr>
+          <p:nvPr>
+            <p:ph type="hdr" sz="quarter"/>
+          </p:nvPr>
+        </p:nvSpPr>
+        <p:spPr>
+          <a:xfrm>
+            <a:off x="0" y="0"/>
+            <a:ext cx="2971800" cy="458788"/>
+          </a:xfrm>
+          <a:prstGeom prst="rect">
+            <a:avLst/>
+          </a:prstGeom>
+        </p:spPr>
+        <p:txBody>
+          <a:bodyPr vert="horz" lIns="91440" tIns="45720" rIns="91440" bIns="45720" rtlCol="0"/>
+          <a:lstStyle>
+            <a:lvl1pPr algn="l">
+              <a:defRPr sz="1200"/>
+            </a:lvl1pPr>
+          </a:lstStyle>
+          <a:p>
+            <a:endParaRPr lang="ko-KR" altLang="en-US"/>
+          </a:p>
+        </p:txBody>
+      </p:sp>
+      <p:sp>
+        <p:nvSpPr>
+          <p:cNvPr id="3" name="날짜 개체 틀 2"/>
+          <p:cNvSpPr>
+            <a:spLocks noGrp="1"/>
+          </p:cNvSpPr>
+          <p:nvPr>
+            <p:ph type="dt" idx="1"/>
+          </p:nvPr>
+        </p:nvSpPr>
+        <p:spPr>
+          <a:xfrm>
+            <a:off x="3884613" y="0"/>
+            <a:ext cx="2971800" cy="458788"/>
+          </a:xfrm>
+          <a:prstGeom prst="rect">
+            <a:avLst/>
+          </a:prstGeom>
+        </p:spPr>
+        <p:txBody>
+          <a:bodyPr vert="horz" lIns="91440" tIns="45720" rIns="91440" bIns="45720" rtlCol="0"/>
+          <a:lstStyle>
+            <a:lvl1pPr algn="r">
+              <a:defRPr sz="1200"/>
+            </a:lvl1pPr>
+          </a:lstStyle>
+          <a:p>
+            <a:fld id="{E320DB31-11D0-446C-BFEE-E28358D81546}" type="datetimeFigureOut">
+              <a:rPr lang="ko-KR" altLang="en-US" smtClean="0"/>
+              <a:t>2020-08-30</a:t>
+            </a:fld>
+            <a:endParaRPr lang="ko-KR" altLang="en-US"/>
+          </a:p>
+        </p:txBody>
+      </p:sp>
+      <p:sp>
+        <p:nvSpPr>
+          <p:cNvPr id="4" name="슬라이드 이미지 개체 틀 3"/>
+          <p:cNvSpPr>
+            <a:spLocks noGrp="1" noRot="1" noChangeAspect="1"/>
+          </p:cNvSpPr>
+          <p:nvPr>
+            <p:ph type="sldImg" idx="2"/>
+          </p:nvPr>
+        </p:nvSpPr>
+        <p:spPr>
+          <a:xfrm>
+            <a:off x="685800" y="1143000"/>
+            <a:ext cx="5486400" cy="3086100"/>
+          </a:xfrm>
+          <a:prstGeom prst="rect">
+            <a:avLst/>
+          </a:prstGeom>
+          <a:noFill/>
+          <a:ln w="12700">
+            <a:solidFill>
+              <a:prstClr val="black"/>
+            </a:solidFill>
+          </a:ln>
+        </p:spPr>
+        <p:txBody>
+          <a:bodyPr vert="horz" lIns="91440" tIns="45720" rIns="91440" bIns="45720" rtlCol="0" anchor="ctr"/>
+          <a:lstStyle/>
+          <a:p>
+            <a:endParaRPr lang="ko-KR" altLang="en-US"/>
+          </a:p>
+        </p:txBody>
+      </p:sp>
+      <p:sp>
+        <p:nvSpPr>
+          <p:cNvPr id="5" name="슬라이드 노트 개체 틀 4"/>
+          <p:cNvSpPr>
+            <a:spLocks noGrp="1"/>
+          </p:cNvSpPr>
+          <p:nvPr>
+            <p:ph type="body" sz="quarter" idx="3"/>
+          </p:nvPr>
+        </p:nvSpPr>
+        <p:spPr>
+          <a:xfrm>
+            <a:off x="685800" y="4400550"/>
+            <a:ext cx="5486400" cy="3600450"/>
+          </a:xfrm>
+          <a:prstGeom prst="rect">
+            <a:avLst/>
+          </a:prstGeom>
+        </p:spPr>
+        <p:txBody>
+          <a:bodyPr vert="horz" lIns="91440" tIns="45720" rIns="91440" bIns="45720" rtlCol="0"/>
+          <a:lstStyle/>
+          <a:p>
+            <a:pPr lvl="0"/>
+            <a:r>
+              <a:rPr lang="ko-KR" altLang="en-US"/>
+              <a:t>마스터 텍스트 스타일을 편집하려면 클릭</a:t>
+            </a:r>
+          </a:p>
+          <a:p>
+            <a:pPr lvl="1"/>
+            <a:r>
+              <a:rPr lang="ko-KR" altLang="en-US"/>
+              <a:t>두 번째 수준</a:t>
+            </a:r>
+          </a:p>
+          <a:p>
+            <a:pPr lvl="2"/>
+            <a:r>
+              <a:rPr lang="ko-KR" altLang="en-US"/>
+              <a:t>세 번째 수준</a:t>
+            </a:r>
+          </a:p>
+          <a:p>
+            <a:pPr lvl="3"/>
+            <a:r>
+              <a:rPr lang="ko-KR" altLang="en-US"/>
+              <a:t>네 번째 수준</a:t>
+            </a:r>
+          </a:p>
+          <a:p>
+            <a:pPr lvl="4"/>
+            <a:r>
+              <a:rPr lang="ko-KR" altLang="en-US"/>
+              <a:t>다섯 번째 수준</a:t>
+            </a:r>
+          </a:p>
+        </p:txBody>
+      </p:sp>
+      <p:sp>
+        <p:nvSpPr>
+          <p:cNvPr id="6" name="바닥글 개체 틀 5"/>
+          <p:cNvSpPr>
+            <a:spLocks noGrp="1"/>
+          </p:cNvSpPr>
+          <p:nvPr>
+            <p:ph type="ftr" sz="quarter" idx="4"/>
+          </p:nvPr>
+        </p:nvSpPr>
+        <p:spPr>
+          <a:xfrm>
+            <a:off x="0" y="8685213"/>
+            <a:ext cx="2971800" cy="458787"/>
+          </a:xfrm>
+          <a:prstGeom prst="rect">
+            <a:avLst/>
+          </a:prstGeom>
+        </p:spPr>
+        <p:txBody>
+          <a:bodyPr vert="horz" lIns="91440" tIns="45720" rIns="91440" bIns="45720" rtlCol="0" anchor="b"/>
+          <a:lstStyle>
+            <a:lvl1pPr algn="l">
+              <a:defRPr sz="1200"/>
+            </a:lvl1pPr>
+          </a:lstStyle>
+          <a:p>
+            <a:endParaRPr lang="ko-KR" altLang="en-US"/>
+          </a:p>
+        </p:txBody>
+      </p:sp>
+      <p:sp>
+        <p:nvSpPr>
+          <p:cNvPr id="7" name="슬라이드 번호 개체 틀 6"/>
+          <p:cNvSpPr>
+            <a:spLocks noGrp="1"/>
+          </p:cNvSpPr>
+          <p:nvPr>
+            <p:ph type="sldNum" sz="quarter" idx="5"/>
+          </p:nvPr>
+        </p:nvSpPr>
+        <p:spPr>
+          <a:xfrm>
+            <a:off x="3884613" y="8685213"/>
+            <a:ext cx="2971800" cy="458787"/>
+          </a:xfrm>
+          <a:prstGeom prst="rect">
+            <a:avLst/>
+          </a:prstGeom>
+        </p:spPr>
+        <p:txBody>
+          <a:bodyPr vert="horz" lIns="91440" tIns="45720" rIns="91440" bIns="45720" rtlCol="0" anchor="b"/>
+          <a:lstStyle>
+            <a:lvl1pPr algn="r">
+              <a:defRPr sz="1200"/>
+            </a:lvl1pPr>
+          </a:lstStyle>
+          <a:p>
+            <a:fld id="{7CD88C85-0A7A-40EE-B07E-C38724670BCA}" type="slidenum">
+              <a:rPr lang="ko-KR" altLang="en-US" smtClean="0"/>
+              <a:t>‹#›</a:t>
+            </a:fld>
+            <a:endParaRPr lang="ko-KR" altLang="en-US"/>
+          </a:p>
+        </p:txBody>
+      </p:sp>
+    </p:spTree>
+    <p:extLst>
+      <p:ext uri="{BB962C8B-B14F-4D97-AF65-F5344CB8AC3E}">
+        <p14:creationId xmlns:p14="http://schemas.microsoft.com/office/powerpoint/2010/main" val="1523846615"/>
+      </p:ext>
+    </p:extLst>
+  </p:cSld>
+  <p:clrMap bg1="lt1" tx1="dk1" bg2="lt2" tx2="dk2" accent1="accent1" accent2="accent2" accent3="accent3" accent4="accent4" accent5="accent5" accent6="accent6" hlink="hlink" folHlink="folHlink"/>
+  <p:notesStyle>
+    <a:lvl1pPr marL="0" algn="l" defTabSz="914400" rtl="0" eaLnBrk="1" latinLnBrk="1" hangingPunct="1">
+      <a:defRPr sz="1200" kern="1200">
+        <a:solidFill>
+          <a:schemeClr val="tx1"/>
+        </a:solidFill>
+        <a:latin typeface="+mn-lt"/>
+        <a:ea typeface="+mn-ea"/>
+        <a:cs typeface="+mn-cs"/>
+      </a:defRPr>
+    </a:lvl1pPr>
+    <a:lvl2pPr marL="457200" algn="l" defTabSz="914400" rtl="0" eaLnBrk="1" latinLnBrk="1" hangingPunct="1">
+      <a:defRPr sz="1200" kern="1200">
+        <a:solidFill>
+          <a:schemeClr val="tx1"/>
+        </a:solidFill>
+        <a:latin typeface="+mn-lt"/>
+        <a:ea typeface="+mn-ea"/>
+        <a:cs typeface="+mn-cs"/>
+      </a:defRPr>
+    </a:lvl2pPr>
+    <a:lvl3pPr marL="914400" algn="l" defTabSz="914400" rtl="0" eaLnBrk="1" latinLnBrk="1" hangingPunct="1">
+      <a:defRPr sz="1200" kern="1200">
+        <a:solidFill>
+          <a:schemeClr val="tx1"/>
+        </a:solidFill>
+        <a:latin typeface="+mn-lt"/>
+        <a:ea typeface="+mn-ea"/>
+        <a:cs typeface="+mn-cs"/>
+      </a:defRPr>
+    </a:lvl3pPr>
+    <a:lvl4pPr marL="1371600" algn="l" defTabSz="914400" rtl="0" eaLnBrk="1" latinLnBrk="1" hangingPunct="1">
+      <a:defRPr sz="1200" kern="1200">
+        <a:solidFill>
+          <a:schemeClr val="tx1"/>
+        </a:solidFill>
+        <a:latin typeface="+mn-lt"/>
+        <a:ea typeface="+mn-ea"/>
+        <a:cs typeface="+mn-cs"/>
+      </a:defRPr>
+    </a:lvl4pPr>
+    <a:lvl5pPr marL="1828800" algn="l" defTabSz="914400" rtl="0" eaLnBrk="1" latinLnBrk="1" hangingPunct="1">
+      <a:defRPr sz="1200" kern="1200">
+        <a:solidFill>
+          <a:schemeClr val="tx1"/>
+        </a:solidFill>
+        <a:latin typeface="+mn-lt"/>
+        <a:ea typeface="+mn-ea"/>
+        <a:cs typeface="+mn-cs"/>
+      </a:defRPr>
+    </a:lvl5pPr>
+    <a:lvl6pPr marL="2286000" algn="l" defTabSz="914400" rtl="0" eaLnBrk="1" latinLnBrk="1" hangingPunct="1">
+      <a:defRPr sz="1200" kern="1200">
+        <a:solidFill>
+          <a:schemeClr val="tx1"/>
+        </a:solidFill>
+        <a:latin typeface="+mn-lt"/>
+        <a:ea typeface="+mn-ea"/>
+        <a:cs typeface="+mn-cs"/>
+      </a:defRPr>
+    </a:lvl6pPr>
+    <a:lvl7pPr marL="2743200" algn="l" defTabSz="914400" rtl="0" eaLnBrk="1" latinLnBrk="1" hangingPunct="1">
+      <a:defRPr sz="1200" kern="1200">
+        <a:solidFill>
+          <a:schemeClr val="tx1"/>
+        </a:solidFill>
+        <a:latin typeface="+mn-lt"/>
+        <a:ea typeface="+mn-ea"/>
+        <a:cs typeface="+mn-cs"/>
+      </a:defRPr>
+    </a:lvl7pPr>
+    <a:lvl8pPr marL="3200400" algn="l" defTabSz="914400" rtl="0" eaLnBrk="1" latinLnBrk="1" hangingPunct="1">
+      <a:defRPr sz="1200" kern="1200">
+        <a:solidFill>
+          <a:schemeClr val="tx1"/>
+        </a:solidFill>
+        <a:latin typeface="+mn-lt"/>
+        <a:ea typeface="+mn-ea"/>
+        <a:cs typeface="+mn-cs"/>
+      </a:defRPr>
+    </a:lvl8pPr>
+    <a:lvl9pPr marL="3657600" algn="l" defTabSz="914400" rtl="0" eaLnBrk="1" latinLnBrk="1" hangingPunct="1">
+      <a:defRPr sz="1200" kern="1200">
+        <a:solidFill>
+          <a:schemeClr val="tx1"/>
+        </a:solidFill>
+        <a:latin typeface="+mn-lt"/>
+        <a:ea typeface="+mn-ea"/>
+        <a:cs typeface="+mn-cs"/>
+      </a:defRPr>
+    </a:lvl9pPr>
+  </p:notesStyle>
+</p:notesMaster>
+</file>
+
+<file path=ppt/notesSlides/notesSlide1.xml><?xml version="1.0" encoding="utf-8"?>
+<p:notes xmlns:a="http://schemas.openxmlformats.org/drawingml/2006/main" xmlns:r="http://schemas.openxmlformats.org/officeDocument/2006/relationships" xmlns:p="http://schemas.openxmlformats.org/presentationml/2006/main">
+  <p:cSld>
+    <p:spTree>
+      <p:nvGrpSpPr>
+        <p:cNvPr id="1" name=""/>
+        <p:cNvGrpSpPr/>
+        <p:nvPr/>
+      </p:nvGrpSpPr>
+      <p:grpSpPr>
+        <a:xfrm>
+          <a:off x="0" y="0"/>
+          <a:ext cx="0" cy="0"/>
+          <a:chOff x="0" y="0"/>
+          <a:chExt cx="0" cy="0"/>
+        </a:xfrm>
+      </p:grpSpPr>
+      <p:sp>
+        <p:nvSpPr>
+          <p:cNvPr id="2" name="슬라이드 이미지 개체 틀 1"/>
+          <p:cNvSpPr>
+            <a:spLocks noGrp="1" noRot="1" noChangeAspect="1"/>
+          </p:cNvSpPr>
+          <p:nvPr>
+            <p:ph type="sldImg"/>
+          </p:nvPr>
+        </p:nvSpPr>
+        <p:spPr/>
+      </p:sp>
+      <p:sp>
+        <p:nvSpPr>
+          <p:cNvPr id="3" name="슬라이드 노트 개체 틀 2"/>
+          <p:cNvSpPr>
+            <a:spLocks noGrp="1"/>
+          </p:cNvSpPr>
+          <p:nvPr>
+            <p:ph type="body" idx="1"/>
+          </p:nvPr>
+        </p:nvSpPr>
+        <p:spPr/>
+        <p:txBody>
+          <a:bodyPr/>
+          <a:lstStyle/>
+          <a:p>
+            <a:endParaRPr lang="ko-KR" altLang="en-US" dirty="0"/>
+          </a:p>
+        </p:txBody>
+      </p:sp>
+      <p:sp>
+        <p:nvSpPr>
+          <p:cNvPr id="4" name="슬라이드 번호 개체 틀 3"/>
+          <p:cNvSpPr>
+            <a:spLocks noGrp="1"/>
+          </p:cNvSpPr>
+          <p:nvPr>
+            <p:ph type="sldNum" sz="quarter" idx="5"/>
+          </p:nvPr>
+        </p:nvSpPr>
+        <p:spPr/>
+        <p:txBody>
+          <a:bodyPr/>
+          <a:lstStyle/>
+          <a:p>
+            <a:fld id="{7CD88C85-0A7A-40EE-B07E-C38724670BCA}" type="slidenum">
+              <a:rPr lang="ko-KR" altLang="en-US" smtClean="0"/>
+              <a:t>7</a:t>
+            </a:fld>
+            <a:endParaRPr lang="ko-KR" altLang="en-US"/>
+          </a:p>
+        </p:txBody>
+      </p:sp>
+    </p:spTree>
+    <p:extLst>
+      <p:ext uri="{BB962C8B-B14F-4D97-AF65-F5344CB8AC3E}">
+        <p14:creationId xmlns:p14="http://schemas.microsoft.com/office/powerpoint/2010/main" val="2315806063"/>
+      </p:ext>
+    </p:extLst>
+  </p:cSld>
+  <p:clrMapOvr>
+    <a:masterClrMapping/>
+  </p:clrMapOvr>
+</p:notes>
 </file>
 
 <file path=ppt/slideLayouts/slideLayout1.xml><?xml version="1.0" encoding="utf-8"?>
@@ -264,7 +702,7 @@
           <a:p>
             <a:fld id="{AD4F2799-6174-4E26-AC7B-352FAFD0B5FF}" type="datetimeFigureOut">
               <a:rPr lang="ko-KR" altLang="en-US" smtClean="0"/>
-              <a:t>2020-08-28</a:t>
+              <a:t>2020-08-30</a:t>
             </a:fld>
             <a:endParaRPr lang="ko-KR" altLang="en-US"/>
           </a:p>
@@ -462,7 +900,7 @@
           <a:p>
             <a:fld id="{AD4F2799-6174-4E26-AC7B-352FAFD0B5FF}" type="datetimeFigureOut">
               <a:rPr lang="ko-KR" altLang="en-US" smtClean="0"/>
-              <a:t>2020-08-28</a:t>
+              <a:t>2020-08-30</a:t>
             </a:fld>
             <a:endParaRPr lang="ko-KR" altLang="en-US"/>
           </a:p>
@@ -670,7 +1108,7 @@
           <a:p>
             <a:fld id="{AD4F2799-6174-4E26-AC7B-352FAFD0B5FF}" type="datetimeFigureOut">
               <a:rPr lang="ko-KR" altLang="en-US" smtClean="0"/>
-              <a:t>2020-08-28</a:t>
+              <a:t>2020-08-30</a:t>
             </a:fld>
             <a:endParaRPr lang="ko-KR" altLang="en-US"/>
           </a:p>
@@ -868,7 +1306,7 @@
           <a:p>
             <a:fld id="{AD4F2799-6174-4E26-AC7B-352FAFD0B5FF}" type="datetimeFigureOut">
               <a:rPr lang="ko-KR" altLang="en-US" smtClean="0"/>
-              <a:t>2020-08-28</a:t>
+              <a:t>2020-08-30</a:t>
             </a:fld>
             <a:endParaRPr lang="ko-KR" altLang="en-US"/>
           </a:p>
@@ -1143,7 +1581,7 @@
           <a:p>
             <a:fld id="{AD4F2799-6174-4E26-AC7B-352FAFD0B5FF}" type="datetimeFigureOut">
               <a:rPr lang="ko-KR" altLang="en-US" smtClean="0"/>
-              <a:t>2020-08-28</a:t>
+              <a:t>2020-08-30</a:t>
             </a:fld>
             <a:endParaRPr lang="ko-KR" altLang="en-US"/>
           </a:p>
@@ -1408,7 +1846,7 @@
           <a:p>
             <a:fld id="{AD4F2799-6174-4E26-AC7B-352FAFD0B5FF}" type="datetimeFigureOut">
               <a:rPr lang="ko-KR" altLang="en-US" smtClean="0"/>
-              <a:t>2020-08-28</a:t>
+              <a:t>2020-08-30</a:t>
             </a:fld>
             <a:endParaRPr lang="ko-KR" altLang="en-US"/>
           </a:p>
@@ -1820,7 +2258,7 @@
           <a:p>
             <a:fld id="{AD4F2799-6174-4E26-AC7B-352FAFD0B5FF}" type="datetimeFigureOut">
               <a:rPr lang="ko-KR" altLang="en-US" smtClean="0"/>
-              <a:t>2020-08-28</a:t>
+              <a:t>2020-08-30</a:t>
             </a:fld>
             <a:endParaRPr lang="ko-KR" altLang="en-US"/>
           </a:p>
@@ -1961,7 +2399,7 @@
           <a:p>
             <a:fld id="{AD4F2799-6174-4E26-AC7B-352FAFD0B5FF}" type="datetimeFigureOut">
               <a:rPr lang="ko-KR" altLang="en-US" smtClean="0"/>
-              <a:t>2020-08-28</a:t>
+              <a:t>2020-08-30</a:t>
             </a:fld>
             <a:endParaRPr lang="ko-KR" altLang="en-US"/>
           </a:p>
@@ -2074,7 +2512,7 @@
           <a:p>
             <a:fld id="{AD4F2799-6174-4E26-AC7B-352FAFD0B5FF}" type="datetimeFigureOut">
               <a:rPr lang="ko-KR" altLang="en-US" smtClean="0"/>
-              <a:t>2020-08-28</a:t>
+              <a:t>2020-08-30</a:t>
             </a:fld>
             <a:endParaRPr lang="ko-KR" altLang="en-US"/>
           </a:p>
@@ -2385,7 +2823,7 @@
           <a:p>
             <a:fld id="{AD4F2799-6174-4E26-AC7B-352FAFD0B5FF}" type="datetimeFigureOut">
               <a:rPr lang="ko-KR" altLang="en-US" smtClean="0"/>
-              <a:t>2020-08-28</a:t>
+              <a:t>2020-08-30</a:t>
             </a:fld>
             <a:endParaRPr lang="ko-KR" altLang="en-US"/>
           </a:p>
@@ -2673,7 +3111,7 @@
           <a:p>
             <a:fld id="{AD4F2799-6174-4E26-AC7B-352FAFD0B5FF}" type="datetimeFigureOut">
               <a:rPr lang="ko-KR" altLang="en-US" smtClean="0"/>
-              <a:t>2020-08-28</a:t>
+              <a:t>2020-08-30</a:t>
             </a:fld>
             <a:endParaRPr lang="ko-KR" altLang="en-US"/>
           </a:p>
@@ -2914,7 +3352,7 @@
           <a:p>
             <a:fld id="{AD4F2799-6174-4E26-AC7B-352FAFD0B5FF}" type="datetimeFigureOut">
               <a:rPr lang="ko-KR" altLang="en-US" smtClean="0"/>
-              <a:t>2020-08-28</a:t>
+              <a:t>2020-08-30</a:t>
             </a:fld>
             <a:endParaRPr lang="ko-KR" altLang="en-US"/>
           </a:p>
@@ -28987,6 +29425,7043 @@
 </p:sld>
 </file>
 
+<file path=ppt/slides/slide7.xml><?xml version="1.0" encoding="utf-8"?>
+<p:sld xmlns:a="http://schemas.openxmlformats.org/drawingml/2006/main" xmlns:r="http://schemas.openxmlformats.org/officeDocument/2006/relationships" xmlns:p="http://schemas.openxmlformats.org/presentationml/2006/main">
+  <p:cSld>
+    <p:spTree>
+      <p:nvGrpSpPr>
+        <p:cNvPr id="1" name=""/>
+        <p:cNvGrpSpPr/>
+        <p:nvPr/>
+      </p:nvGrpSpPr>
+      <p:grpSpPr>
+        <a:xfrm>
+          <a:off x="0" y="0"/>
+          <a:ext cx="0" cy="0"/>
+          <a:chOff x="0" y="0"/>
+          <a:chExt cx="0" cy="0"/>
+        </a:xfrm>
+      </p:grpSpPr>
+      <p:sp>
+        <p:nvSpPr>
+          <p:cNvPr id="31" name="자유형: 도형 30">
+            <a:extLst>
+              <a:ext uri="{FF2B5EF4-FFF2-40B4-BE49-F238E27FC236}">
+                <a16:creationId xmlns:a16="http://schemas.microsoft.com/office/drawing/2014/main" id="{101180AF-386E-4FFF-87EF-16936507B8D8}"/>
+              </a:ext>
+            </a:extLst>
+          </p:cNvPr>
+          <p:cNvSpPr/>
+          <p:nvPr/>
+        </p:nvSpPr>
+        <p:spPr>
+          <a:xfrm>
+            <a:off x="5942111" y="809347"/>
+            <a:ext cx="1219965" cy="2115439"/>
+          </a:xfrm>
+          <a:custGeom>
+            <a:avLst/>
+            <a:gdLst/>
+            <a:ahLst/>
+            <a:cxnLst/>
+            <a:rect l="l" t="t" r="r" b="b"/>
+            <a:pathLst>
+              <a:path w="482715" h="837037">
+                <a:moveTo>
+                  <a:pt x="242850" y="0"/>
+                </a:moveTo>
+                <a:cubicBezTo>
+                  <a:pt x="299250" y="0"/>
+                  <a:pt x="345531" y="9123"/>
+                  <a:pt x="381693" y="27370"/>
+                </a:cubicBezTo>
+                <a:cubicBezTo>
+                  <a:pt x="417855" y="45617"/>
+                  <a:pt x="443733" y="71329"/>
+                  <a:pt x="459325" y="104505"/>
+                </a:cubicBezTo>
+                <a:cubicBezTo>
+                  <a:pt x="474918" y="137681"/>
+                  <a:pt x="482715" y="179483"/>
+                  <a:pt x="482715" y="229911"/>
+                </a:cubicBezTo>
+                <a:lnTo>
+                  <a:pt x="281667" y="229911"/>
+                </a:lnTo>
+                <a:cubicBezTo>
+                  <a:pt x="281667" y="192422"/>
+                  <a:pt x="281252" y="168784"/>
+                  <a:pt x="280422" y="158997"/>
+                </a:cubicBezTo>
+                <a:cubicBezTo>
+                  <a:pt x="279593" y="149210"/>
+                  <a:pt x="275612" y="140999"/>
+                  <a:pt x="268479" y="134364"/>
+                </a:cubicBezTo>
+                <a:cubicBezTo>
+                  <a:pt x="261346" y="127728"/>
+                  <a:pt x="251642" y="124411"/>
+                  <a:pt x="239367" y="124411"/>
+                </a:cubicBezTo>
+                <a:cubicBezTo>
+                  <a:pt x="229082" y="124411"/>
+                  <a:pt x="220622" y="127563"/>
+                  <a:pt x="213987" y="133866"/>
+                </a:cubicBezTo>
+                <a:cubicBezTo>
+                  <a:pt x="207352" y="140170"/>
+                  <a:pt x="203536" y="148298"/>
+                  <a:pt x="202541" y="158251"/>
+                </a:cubicBezTo>
+                <a:cubicBezTo>
+                  <a:pt x="201546" y="168204"/>
+                  <a:pt x="201048" y="188275"/>
+                  <a:pt x="201048" y="218466"/>
+                </a:cubicBezTo>
+                <a:lnTo>
+                  <a:pt x="201048" y="346858"/>
+                </a:lnTo>
+                <a:cubicBezTo>
+                  <a:pt x="211333" y="325293"/>
+                  <a:pt x="226428" y="309120"/>
+                  <a:pt x="246334" y="298337"/>
+                </a:cubicBezTo>
+                <a:cubicBezTo>
+                  <a:pt x="266239" y="287555"/>
+                  <a:pt x="290790" y="282164"/>
+                  <a:pt x="319985" y="282164"/>
+                </a:cubicBezTo>
+                <a:cubicBezTo>
+                  <a:pt x="356811" y="282164"/>
+                  <a:pt x="389324" y="292117"/>
+                  <a:pt x="417523" y="312023"/>
+                </a:cubicBezTo>
+                <a:cubicBezTo>
+                  <a:pt x="445723" y="331928"/>
+                  <a:pt x="463638" y="355815"/>
+                  <a:pt x="471269" y="383683"/>
+                </a:cubicBezTo>
+                <a:cubicBezTo>
+                  <a:pt x="478900" y="411551"/>
+                  <a:pt x="482715" y="449207"/>
+                  <a:pt x="482715" y="496649"/>
+                </a:cubicBezTo>
+                <a:lnTo>
+                  <a:pt x="482715" y="560845"/>
+                </a:lnTo>
+                <a:cubicBezTo>
+                  <a:pt x="482715" y="617244"/>
+                  <a:pt x="480558" y="659212"/>
+                  <a:pt x="476246" y="686749"/>
+                </a:cubicBezTo>
+                <a:cubicBezTo>
+                  <a:pt x="471932" y="714285"/>
+                  <a:pt x="460404" y="739748"/>
+                  <a:pt x="441659" y="763137"/>
+                </a:cubicBezTo>
+                <a:cubicBezTo>
+                  <a:pt x="422914" y="786526"/>
+                  <a:pt x="397203" y="804690"/>
+                  <a:pt x="364524" y="817629"/>
+                </a:cubicBezTo>
+                <a:cubicBezTo>
+                  <a:pt x="331846" y="830568"/>
+                  <a:pt x="293776" y="837037"/>
+                  <a:pt x="250315" y="837037"/>
+                </a:cubicBezTo>
+                <a:cubicBezTo>
+                  <a:pt x="196238" y="837037"/>
+                  <a:pt x="151947" y="829573"/>
+                  <a:pt x="117444" y="814643"/>
+                </a:cubicBezTo>
+                <a:cubicBezTo>
+                  <a:pt x="82941" y="799714"/>
+                  <a:pt x="56317" y="778232"/>
+                  <a:pt x="37572" y="750198"/>
+                </a:cubicBezTo>
+                <a:cubicBezTo>
+                  <a:pt x="18828" y="722164"/>
+                  <a:pt x="7879" y="692720"/>
+                  <a:pt x="4728" y="661866"/>
+                </a:cubicBezTo>
+                <a:cubicBezTo>
+                  <a:pt x="1576" y="631013"/>
+                  <a:pt x="0" y="571129"/>
+                  <a:pt x="0" y="482217"/>
+                </a:cubicBezTo>
+                <a:lnTo>
+                  <a:pt x="0" y="370745"/>
+                </a:lnTo>
+                <a:cubicBezTo>
+                  <a:pt x="0" y="274865"/>
+                  <a:pt x="1410" y="210752"/>
+                  <a:pt x="4230" y="178405"/>
+                </a:cubicBezTo>
+                <a:cubicBezTo>
+                  <a:pt x="7050" y="146058"/>
+                  <a:pt x="18579" y="115453"/>
+                  <a:pt x="38816" y="86590"/>
+                </a:cubicBezTo>
+                <a:cubicBezTo>
+                  <a:pt x="59054" y="57727"/>
+                  <a:pt x="86673" y="36079"/>
+                  <a:pt x="121674" y="21647"/>
+                </a:cubicBezTo>
+                <a:cubicBezTo>
+                  <a:pt x="156675" y="7216"/>
+                  <a:pt x="197067" y="0"/>
+                  <a:pt x="242850" y="0"/>
+                </a:cubicBezTo>
+                <a:close/>
+                <a:moveTo>
+                  <a:pt x="241358" y="406575"/>
+                </a:moveTo>
+                <a:cubicBezTo>
+                  <a:pt x="227424" y="406575"/>
+                  <a:pt x="217222" y="411634"/>
+                  <a:pt x="210752" y="421753"/>
+                </a:cubicBezTo>
+                <a:cubicBezTo>
+                  <a:pt x="204283" y="431872"/>
+                  <a:pt x="201048" y="451695"/>
+                  <a:pt x="201048" y="481222"/>
+                </a:cubicBezTo>
+                <a:lnTo>
+                  <a:pt x="201048" y="627031"/>
+                </a:lnTo>
+                <a:cubicBezTo>
+                  <a:pt x="201048" y="662530"/>
+                  <a:pt x="204117" y="685753"/>
+                  <a:pt x="210254" y="696701"/>
+                </a:cubicBezTo>
+                <a:cubicBezTo>
+                  <a:pt x="216392" y="707650"/>
+                  <a:pt x="226594" y="713124"/>
+                  <a:pt x="240860" y="713124"/>
+                </a:cubicBezTo>
+                <a:cubicBezTo>
+                  <a:pt x="249486" y="713124"/>
+                  <a:pt x="258443" y="708894"/>
+                  <a:pt x="267732" y="700434"/>
+                </a:cubicBezTo>
+                <a:cubicBezTo>
+                  <a:pt x="277022" y="691974"/>
+                  <a:pt x="281667" y="669165"/>
+                  <a:pt x="281667" y="632008"/>
+                </a:cubicBezTo>
+                <a:lnTo>
+                  <a:pt x="281667" y="481222"/>
+                </a:lnTo>
+                <a:cubicBezTo>
+                  <a:pt x="281667" y="452690"/>
+                  <a:pt x="278515" y="433116"/>
+                  <a:pt x="272211" y="422500"/>
+                </a:cubicBezTo>
+                <a:cubicBezTo>
+                  <a:pt x="265908" y="411883"/>
+                  <a:pt x="255623" y="406575"/>
+                  <a:pt x="241358" y="406575"/>
+                </a:cubicBezTo>
+                <a:close/>
+              </a:path>
+            </a:pathLst>
+          </a:custGeom>
+          <a:noFill/>
+          <a:ln w="19050">
+            <a:solidFill>
+              <a:schemeClr val="bg1">
+                <a:lumMod val="85000"/>
+              </a:schemeClr>
+            </a:solidFill>
+          </a:ln>
+        </p:spPr>
+        <p:style>
+          <a:lnRef idx="2">
+            <a:schemeClr val="accent1">
+              <a:shade val="50000"/>
+            </a:schemeClr>
+          </a:lnRef>
+          <a:fillRef idx="1">
+            <a:schemeClr val="accent1"/>
+          </a:fillRef>
+          <a:effectRef idx="0">
+            <a:schemeClr val="accent1"/>
+          </a:effectRef>
+          <a:fontRef idx="minor">
+            <a:schemeClr val="lt1"/>
+          </a:fontRef>
+        </p:style>
+        <p:txBody>
+          <a:bodyPr wrap="square" rtlCol="0" anchor="ctr">
+            <a:noAutofit/>
+          </a:bodyPr>
+          <a:lstStyle/>
+          <a:p>
+            <a:pPr algn="ctr"/>
+            <a:endParaRPr lang="ko-KR" altLang="en-US"/>
+          </a:p>
+        </p:txBody>
+      </p:sp>
+      <p:sp>
+        <p:nvSpPr>
+          <p:cNvPr id="32" name="자유형: 도형 31">
+            <a:extLst>
+              <a:ext uri="{FF2B5EF4-FFF2-40B4-BE49-F238E27FC236}">
+                <a16:creationId xmlns:a16="http://schemas.microsoft.com/office/drawing/2014/main" id="{F74432D0-784D-4D05-8B4F-737D7FA5D53A}"/>
+              </a:ext>
+            </a:extLst>
+          </p:cNvPr>
+          <p:cNvSpPr/>
+          <p:nvPr/>
+        </p:nvSpPr>
+        <p:spPr>
+          <a:xfrm>
+            <a:off x="2485922" y="3667956"/>
+            <a:ext cx="1198585" cy="2116698"/>
+          </a:xfrm>
+          <a:custGeom>
+            <a:avLst/>
+            <a:gdLst/>
+            <a:ahLst/>
+            <a:cxnLst/>
+            <a:rect l="l" t="t" r="r" b="b"/>
+            <a:pathLst>
+              <a:path w="474255" h="837535">
+                <a:moveTo>
+                  <a:pt x="220456" y="0"/>
+                </a:moveTo>
+                <a:cubicBezTo>
+                  <a:pt x="316336" y="0"/>
+                  <a:pt x="381362" y="18731"/>
+                  <a:pt x="415533" y="56195"/>
+                </a:cubicBezTo>
+                <a:cubicBezTo>
+                  <a:pt x="449705" y="93658"/>
+                  <a:pt x="466790" y="145708"/>
+                  <a:pt x="466790" y="212346"/>
+                </a:cubicBezTo>
+                <a:cubicBezTo>
+                  <a:pt x="466790" y="257435"/>
+                  <a:pt x="460653" y="290008"/>
+                  <a:pt x="448378" y="310067"/>
+                </a:cubicBezTo>
+                <a:cubicBezTo>
+                  <a:pt x="436102" y="330126"/>
+                  <a:pt x="414538" y="348444"/>
+                  <a:pt x="383684" y="365022"/>
+                </a:cubicBezTo>
+                <a:cubicBezTo>
+                  <a:pt x="414206" y="375312"/>
+                  <a:pt x="436932" y="392158"/>
+                  <a:pt x="451861" y="415560"/>
+                </a:cubicBezTo>
+                <a:cubicBezTo>
+                  <a:pt x="466790" y="438962"/>
+                  <a:pt x="474255" y="493816"/>
+                  <a:pt x="474255" y="580121"/>
+                </a:cubicBezTo>
+                <a:cubicBezTo>
+                  <a:pt x="474255" y="644182"/>
+                  <a:pt x="466956" y="693888"/>
+                  <a:pt x="452359" y="729239"/>
+                </a:cubicBezTo>
+                <a:cubicBezTo>
+                  <a:pt x="437761" y="764590"/>
+                  <a:pt x="412547" y="791477"/>
+                  <a:pt x="376717" y="809900"/>
+                </a:cubicBezTo>
+                <a:cubicBezTo>
+                  <a:pt x="340886" y="828323"/>
+                  <a:pt x="294937" y="837535"/>
+                  <a:pt x="238869" y="837535"/>
+                </a:cubicBezTo>
+                <a:cubicBezTo>
+                  <a:pt x="175171" y="837535"/>
+                  <a:pt x="125158" y="826835"/>
+                  <a:pt x="88830" y="805437"/>
+                </a:cubicBezTo>
+                <a:cubicBezTo>
+                  <a:pt x="52502" y="784038"/>
+                  <a:pt x="28615" y="757829"/>
+                  <a:pt x="17169" y="726809"/>
+                </a:cubicBezTo>
+                <a:cubicBezTo>
+                  <a:pt x="5723" y="695789"/>
+                  <a:pt x="0" y="641961"/>
+                  <a:pt x="0" y="565324"/>
+                </a:cubicBezTo>
+                <a:lnTo>
+                  <a:pt x="0" y="501625"/>
+                </a:lnTo>
+                <a:lnTo>
+                  <a:pt x="201048" y="501625"/>
+                </a:lnTo>
+                <a:lnTo>
+                  <a:pt x="201048" y="632505"/>
+                </a:lnTo>
+                <a:cubicBezTo>
+                  <a:pt x="201048" y="667341"/>
+                  <a:pt x="203122" y="689486"/>
+                  <a:pt x="207269" y="698941"/>
+                </a:cubicBezTo>
+                <a:cubicBezTo>
+                  <a:pt x="211416" y="708396"/>
+                  <a:pt x="220622" y="713124"/>
+                  <a:pt x="234888" y="713124"/>
+                </a:cubicBezTo>
+                <a:cubicBezTo>
+                  <a:pt x="250481" y="713124"/>
+                  <a:pt x="260766" y="707152"/>
+                  <a:pt x="265742" y="695209"/>
+                </a:cubicBezTo>
+                <a:cubicBezTo>
+                  <a:pt x="270719" y="683265"/>
+                  <a:pt x="273207" y="652079"/>
+                  <a:pt x="273207" y="601652"/>
+                </a:cubicBezTo>
+                <a:lnTo>
+                  <a:pt x="273207" y="545915"/>
+                </a:lnTo>
+                <a:cubicBezTo>
+                  <a:pt x="273207" y="515061"/>
+                  <a:pt x="269723" y="492502"/>
+                  <a:pt x="262756" y="478236"/>
+                </a:cubicBezTo>
+                <a:cubicBezTo>
+                  <a:pt x="255789" y="463970"/>
+                  <a:pt x="245505" y="454598"/>
+                  <a:pt x="231902" y="450119"/>
+                </a:cubicBezTo>
+                <a:cubicBezTo>
+                  <a:pt x="218300" y="445640"/>
+                  <a:pt x="191925" y="443069"/>
+                  <a:pt x="152777" y="442405"/>
+                </a:cubicBezTo>
+                <a:lnTo>
+                  <a:pt x="152777" y="325459"/>
+                </a:lnTo>
+                <a:cubicBezTo>
+                  <a:pt x="200551" y="325459"/>
+                  <a:pt x="230078" y="323634"/>
+                  <a:pt x="241358" y="319985"/>
+                </a:cubicBezTo>
+                <a:cubicBezTo>
+                  <a:pt x="252638" y="316336"/>
+                  <a:pt x="260766" y="308373"/>
+                  <a:pt x="265742" y="296098"/>
+                </a:cubicBezTo>
+                <a:cubicBezTo>
+                  <a:pt x="270719" y="283823"/>
+                  <a:pt x="273207" y="264581"/>
+                  <a:pt x="273207" y="238371"/>
+                </a:cubicBezTo>
+                <a:lnTo>
+                  <a:pt x="273207" y="193583"/>
+                </a:lnTo>
+                <a:cubicBezTo>
+                  <a:pt x="273207" y="165384"/>
+                  <a:pt x="270304" y="146805"/>
+                  <a:pt x="264498" y="137847"/>
+                </a:cubicBezTo>
+                <a:cubicBezTo>
+                  <a:pt x="258692" y="128890"/>
+                  <a:pt x="249652" y="124411"/>
+                  <a:pt x="237376" y="124411"/>
+                </a:cubicBezTo>
+                <a:cubicBezTo>
+                  <a:pt x="223442" y="124411"/>
+                  <a:pt x="213904" y="129138"/>
+                  <a:pt x="208762" y="138594"/>
+                </a:cubicBezTo>
+                <a:cubicBezTo>
+                  <a:pt x="203620" y="148049"/>
+                  <a:pt x="201048" y="168204"/>
+                  <a:pt x="201048" y="199057"/>
+                </a:cubicBezTo>
+                <a:lnTo>
+                  <a:pt x="201048" y="265244"/>
+                </a:lnTo>
+                <a:lnTo>
+                  <a:pt x="0" y="265244"/>
+                </a:lnTo>
+                <a:lnTo>
+                  <a:pt x="0" y="196569"/>
+                </a:lnTo>
+                <a:cubicBezTo>
+                  <a:pt x="0" y="119600"/>
+                  <a:pt x="17584" y="67596"/>
+                  <a:pt x="52750" y="40558"/>
+                </a:cubicBezTo>
+                <a:cubicBezTo>
+                  <a:pt x="87917" y="13519"/>
+                  <a:pt x="143819" y="0"/>
+                  <a:pt x="220456" y="0"/>
+                </a:cubicBezTo>
+                <a:close/>
+              </a:path>
+            </a:pathLst>
+          </a:custGeom>
+          <a:noFill/>
+          <a:ln w="19050">
+            <a:solidFill>
+              <a:schemeClr val="bg1">
+                <a:lumMod val="85000"/>
+              </a:schemeClr>
+            </a:solidFill>
+          </a:ln>
+        </p:spPr>
+        <p:style>
+          <a:lnRef idx="2">
+            <a:schemeClr val="accent1">
+              <a:shade val="50000"/>
+            </a:schemeClr>
+          </a:lnRef>
+          <a:fillRef idx="1">
+            <a:schemeClr val="accent1"/>
+          </a:fillRef>
+          <a:effectRef idx="0">
+            <a:schemeClr val="accent1"/>
+          </a:effectRef>
+          <a:fontRef idx="minor">
+            <a:schemeClr val="lt1"/>
+          </a:fontRef>
+        </p:style>
+        <p:txBody>
+          <a:bodyPr wrap="square" rtlCol="0" anchor="ctr">
+            <a:noAutofit/>
+          </a:bodyPr>
+          <a:lstStyle/>
+          <a:p>
+            <a:pPr algn="ctr"/>
+            <a:endParaRPr lang="ko-KR" altLang="en-US"/>
+          </a:p>
+        </p:txBody>
+      </p:sp>
+      <p:sp>
+        <p:nvSpPr>
+          <p:cNvPr id="33" name="자유형: 도형 32">
+            <a:extLst>
+              <a:ext uri="{FF2B5EF4-FFF2-40B4-BE49-F238E27FC236}">
+                <a16:creationId xmlns:a16="http://schemas.microsoft.com/office/drawing/2014/main" id="{5740F02F-EE07-4D83-8268-0C30377984C9}"/>
+              </a:ext>
+            </a:extLst>
+          </p:cNvPr>
+          <p:cNvSpPr/>
+          <p:nvPr/>
+        </p:nvSpPr>
+        <p:spPr>
+          <a:xfrm>
+            <a:off x="822198" y="810601"/>
+            <a:ext cx="1219965" cy="2115441"/>
+          </a:xfrm>
+          <a:custGeom>
+            <a:avLst/>
+            <a:gdLst/>
+            <a:ahLst/>
+            <a:cxnLst/>
+            <a:rect l="l" t="t" r="r" b="b"/>
+            <a:pathLst>
+              <a:path w="482715" h="837038">
+                <a:moveTo>
+                  <a:pt x="232898" y="0"/>
+                </a:moveTo>
+                <a:cubicBezTo>
+                  <a:pt x="286643" y="0"/>
+                  <a:pt x="330768" y="7465"/>
+                  <a:pt x="365271" y="22394"/>
+                </a:cubicBezTo>
+                <a:cubicBezTo>
+                  <a:pt x="399774" y="37324"/>
+                  <a:pt x="426481" y="58805"/>
+                  <a:pt x="445392" y="86839"/>
+                </a:cubicBezTo>
+                <a:cubicBezTo>
+                  <a:pt x="464302" y="114873"/>
+                  <a:pt x="475250" y="144317"/>
+                  <a:pt x="478236" y="175171"/>
+                </a:cubicBezTo>
+                <a:cubicBezTo>
+                  <a:pt x="481222" y="206025"/>
+                  <a:pt x="482715" y="265742"/>
+                  <a:pt x="482715" y="354323"/>
+                </a:cubicBezTo>
+                <a:lnTo>
+                  <a:pt x="482715" y="466293"/>
+                </a:lnTo>
+                <a:cubicBezTo>
+                  <a:pt x="482715" y="562172"/>
+                  <a:pt x="481388" y="626286"/>
+                  <a:pt x="478734" y="658632"/>
+                </a:cubicBezTo>
+                <a:cubicBezTo>
+                  <a:pt x="476080" y="690979"/>
+                  <a:pt x="464551" y="721584"/>
+                  <a:pt x="444147" y="750448"/>
+                </a:cubicBezTo>
+                <a:cubicBezTo>
+                  <a:pt x="423744" y="779311"/>
+                  <a:pt x="396125" y="800959"/>
+                  <a:pt x="361290" y="815390"/>
+                </a:cubicBezTo>
+                <a:cubicBezTo>
+                  <a:pt x="326455" y="829822"/>
+                  <a:pt x="286145" y="837038"/>
+                  <a:pt x="240362" y="837038"/>
+                </a:cubicBezTo>
+                <a:cubicBezTo>
+                  <a:pt x="183631" y="837038"/>
+                  <a:pt x="137267" y="827914"/>
+                  <a:pt x="101271" y="809667"/>
+                </a:cubicBezTo>
+                <a:cubicBezTo>
+                  <a:pt x="65274" y="791420"/>
+                  <a:pt x="39397" y="765709"/>
+                  <a:pt x="23638" y="732532"/>
+                </a:cubicBezTo>
+                <a:cubicBezTo>
+                  <a:pt x="7879" y="699356"/>
+                  <a:pt x="0" y="657554"/>
+                  <a:pt x="0" y="607126"/>
+                </a:cubicBezTo>
+                <a:lnTo>
+                  <a:pt x="201048" y="607126"/>
+                </a:lnTo>
+                <a:cubicBezTo>
+                  <a:pt x="201048" y="644615"/>
+                  <a:pt x="201546" y="668253"/>
+                  <a:pt x="202541" y="678040"/>
+                </a:cubicBezTo>
+                <a:cubicBezTo>
+                  <a:pt x="203536" y="687827"/>
+                  <a:pt x="207601" y="696039"/>
+                  <a:pt x="214734" y="702674"/>
+                </a:cubicBezTo>
+                <a:cubicBezTo>
+                  <a:pt x="221866" y="709309"/>
+                  <a:pt x="231570" y="712627"/>
+                  <a:pt x="243846" y="712627"/>
+                </a:cubicBezTo>
+                <a:cubicBezTo>
+                  <a:pt x="254130" y="712627"/>
+                  <a:pt x="262590" y="709475"/>
+                  <a:pt x="269225" y="703172"/>
+                </a:cubicBezTo>
+                <a:cubicBezTo>
+                  <a:pt x="275861" y="696868"/>
+                  <a:pt x="279593" y="688740"/>
+                  <a:pt x="280423" y="678787"/>
+                </a:cubicBezTo>
+                <a:cubicBezTo>
+                  <a:pt x="281252" y="668834"/>
+                  <a:pt x="281667" y="648762"/>
+                  <a:pt x="281667" y="618572"/>
+                </a:cubicBezTo>
+                <a:lnTo>
+                  <a:pt x="281667" y="490180"/>
+                </a:lnTo>
+                <a:cubicBezTo>
+                  <a:pt x="271714" y="511744"/>
+                  <a:pt x="256784" y="527918"/>
+                  <a:pt x="236879" y="538700"/>
+                </a:cubicBezTo>
+                <a:cubicBezTo>
+                  <a:pt x="216973" y="549482"/>
+                  <a:pt x="192257" y="554874"/>
+                  <a:pt x="162730" y="554874"/>
+                </a:cubicBezTo>
+                <a:cubicBezTo>
+                  <a:pt x="125904" y="554874"/>
+                  <a:pt x="93391" y="544921"/>
+                  <a:pt x="65191" y="525015"/>
+                </a:cubicBezTo>
+                <a:cubicBezTo>
+                  <a:pt x="36992" y="505109"/>
+                  <a:pt x="19076" y="481222"/>
+                  <a:pt x="11446" y="453354"/>
+                </a:cubicBezTo>
+                <a:cubicBezTo>
+                  <a:pt x="3815" y="425486"/>
+                  <a:pt x="0" y="387831"/>
+                  <a:pt x="0" y="340389"/>
+                </a:cubicBezTo>
+                <a:lnTo>
+                  <a:pt x="0" y="276193"/>
+                </a:lnTo>
+                <a:cubicBezTo>
+                  <a:pt x="0" y="219793"/>
+                  <a:pt x="2239" y="177825"/>
+                  <a:pt x="6718" y="150289"/>
+                </a:cubicBezTo>
+                <a:cubicBezTo>
+                  <a:pt x="11197" y="122753"/>
+                  <a:pt x="22726" y="97290"/>
+                  <a:pt x="41305" y="73901"/>
+                </a:cubicBezTo>
+                <a:cubicBezTo>
+                  <a:pt x="59883" y="50511"/>
+                  <a:pt x="85595" y="32347"/>
+                  <a:pt x="118439" y="19409"/>
+                </a:cubicBezTo>
+                <a:cubicBezTo>
+                  <a:pt x="151284" y="6470"/>
+                  <a:pt x="189437" y="0"/>
+                  <a:pt x="232898" y="0"/>
+                </a:cubicBezTo>
+                <a:close/>
+                <a:moveTo>
+                  <a:pt x="241855" y="123914"/>
+                </a:moveTo>
+                <a:cubicBezTo>
+                  <a:pt x="233229" y="123914"/>
+                  <a:pt x="224272" y="128144"/>
+                  <a:pt x="214982" y="136604"/>
+                </a:cubicBezTo>
+                <a:cubicBezTo>
+                  <a:pt x="205693" y="145064"/>
+                  <a:pt x="201048" y="167872"/>
+                  <a:pt x="201048" y="205030"/>
+                </a:cubicBezTo>
+                <a:lnTo>
+                  <a:pt x="201048" y="355816"/>
+                </a:lnTo>
+                <a:cubicBezTo>
+                  <a:pt x="201048" y="389656"/>
+                  <a:pt x="205444" y="410557"/>
+                  <a:pt x="214236" y="418519"/>
+                </a:cubicBezTo>
+                <a:cubicBezTo>
+                  <a:pt x="223028" y="426481"/>
+                  <a:pt x="232068" y="430463"/>
+                  <a:pt x="241357" y="430463"/>
+                </a:cubicBezTo>
+                <a:cubicBezTo>
+                  <a:pt x="255291" y="430463"/>
+                  <a:pt x="265493" y="425403"/>
+                  <a:pt x="271963" y="415284"/>
+                </a:cubicBezTo>
+                <a:cubicBezTo>
+                  <a:pt x="278432" y="405166"/>
+                  <a:pt x="281667" y="385343"/>
+                  <a:pt x="281667" y="355816"/>
+                </a:cubicBezTo>
+                <a:lnTo>
+                  <a:pt x="281667" y="210006"/>
+                </a:lnTo>
+                <a:cubicBezTo>
+                  <a:pt x="281667" y="174508"/>
+                  <a:pt x="278598" y="151284"/>
+                  <a:pt x="272460" y="140336"/>
+                </a:cubicBezTo>
+                <a:cubicBezTo>
+                  <a:pt x="266323" y="129388"/>
+                  <a:pt x="256121" y="123914"/>
+                  <a:pt x="241855" y="123914"/>
+                </a:cubicBezTo>
+                <a:close/>
+              </a:path>
+            </a:pathLst>
+          </a:custGeom>
+          <a:solidFill>
+            <a:schemeClr val="bg1"/>
+          </a:solidFill>
+          <a:ln w="19050">
+            <a:solidFill>
+              <a:schemeClr val="bg1">
+                <a:lumMod val="85000"/>
+              </a:schemeClr>
+            </a:solidFill>
+          </a:ln>
+        </p:spPr>
+        <p:style>
+          <a:lnRef idx="2">
+            <a:schemeClr val="accent1">
+              <a:shade val="50000"/>
+            </a:schemeClr>
+          </a:lnRef>
+          <a:fillRef idx="1">
+            <a:schemeClr val="accent1"/>
+          </a:fillRef>
+          <a:effectRef idx="0">
+            <a:schemeClr val="accent1"/>
+          </a:effectRef>
+          <a:fontRef idx="minor">
+            <a:schemeClr val="lt1"/>
+          </a:fontRef>
+        </p:style>
+        <p:txBody>
+          <a:bodyPr wrap="square" rtlCol="0" anchor="ctr">
+            <a:noAutofit/>
+          </a:bodyPr>
+          <a:lstStyle/>
+          <a:p>
+            <a:pPr algn="ctr"/>
+            <a:endParaRPr lang="ko-KR" altLang="en-US"/>
+          </a:p>
+        </p:txBody>
+      </p:sp>
+      <p:sp>
+        <p:nvSpPr>
+          <p:cNvPr id="34" name="자유형: 도형 33">
+            <a:extLst>
+              <a:ext uri="{FF2B5EF4-FFF2-40B4-BE49-F238E27FC236}">
+                <a16:creationId xmlns:a16="http://schemas.microsoft.com/office/drawing/2014/main" id="{26EF0CF3-DE10-4302-9119-565C80DEB831}"/>
+              </a:ext>
+            </a:extLst>
+          </p:cNvPr>
+          <p:cNvSpPr/>
+          <p:nvPr/>
+        </p:nvSpPr>
+        <p:spPr>
+          <a:xfrm>
+            <a:off x="2574840" y="810602"/>
+            <a:ext cx="1209905" cy="2114182"/>
+          </a:xfrm>
+          <a:custGeom>
+            <a:avLst/>
+            <a:gdLst/>
+            <a:ahLst/>
+            <a:cxnLst/>
+            <a:rect l="l" t="t" r="r" b="b"/>
+            <a:pathLst>
+              <a:path w="478734" h="836540">
+                <a:moveTo>
+                  <a:pt x="237376" y="0"/>
+                </a:moveTo>
+                <a:cubicBezTo>
+                  <a:pt x="325957" y="0"/>
+                  <a:pt x="387167" y="18400"/>
+                  <a:pt x="421007" y="55200"/>
+                </a:cubicBezTo>
+                <a:cubicBezTo>
+                  <a:pt x="454847" y="92000"/>
+                  <a:pt x="471767" y="144548"/>
+                  <a:pt x="471767" y="212844"/>
+                </a:cubicBezTo>
+                <a:cubicBezTo>
+                  <a:pt x="471767" y="256279"/>
+                  <a:pt x="466210" y="287610"/>
+                  <a:pt x="455096" y="306837"/>
+                </a:cubicBezTo>
+                <a:cubicBezTo>
+                  <a:pt x="443982" y="326064"/>
+                  <a:pt x="421173" y="345127"/>
+                  <a:pt x="386670" y="364027"/>
+                </a:cubicBezTo>
+                <a:cubicBezTo>
+                  <a:pt x="416196" y="375976"/>
+                  <a:pt x="438922" y="393817"/>
+                  <a:pt x="454847" y="417551"/>
+                </a:cubicBezTo>
+                <a:cubicBezTo>
+                  <a:pt x="470771" y="441285"/>
+                  <a:pt x="478734" y="497797"/>
+                  <a:pt x="478734" y="587088"/>
+                </a:cubicBezTo>
+                <a:cubicBezTo>
+                  <a:pt x="478734" y="652150"/>
+                  <a:pt x="472430" y="700116"/>
+                  <a:pt x="459823" y="730985"/>
+                </a:cubicBezTo>
+                <a:cubicBezTo>
+                  <a:pt x="447216" y="761855"/>
+                  <a:pt x="422666" y="787165"/>
+                  <a:pt x="386172" y="806915"/>
+                </a:cubicBezTo>
+                <a:cubicBezTo>
+                  <a:pt x="349678" y="826665"/>
+                  <a:pt x="300743" y="836540"/>
+                  <a:pt x="239367" y="836540"/>
+                </a:cubicBezTo>
+                <a:cubicBezTo>
+                  <a:pt x="179650" y="836540"/>
+                  <a:pt x="132374" y="827080"/>
+                  <a:pt x="97538" y="808159"/>
+                </a:cubicBezTo>
+                <a:cubicBezTo>
+                  <a:pt x="62703" y="789238"/>
+                  <a:pt x="37738" y="764177"/>
+                  <a:pt x="22643" y="732976"/>
+                </a:cubicBezTo>
+                <a:cubicBezTo>
+                  <a:pt x="7548" y="701774"/>
+                  <a:pt x="0" y="649825"/>
+                  <a:pt x="0" y="577128"/>
+                </a:cubicBezTo>
+                <a:cubicBezTo>
+                  <a:pt x="0" y="528333"/>
+                  <a:pt x="3733" y="486011"/>
+                  <a:pt x="11197" y="450162"/>
+                </a:cubicBezTo>
+                <a:cubicBezTo>
+                  <a:pt x="18662" y="414314"/>
+                  <a:pt x="42134" y="385602"/>
+                  <a:pt x="81614" y="364027"/>
+                </a:cubicBezTo>
+                <a:cubicBezTo>
+                  <a:pt x="56732" y="352094"/>
+                  <a:pt x="38070" y="333114"/>
+                  <a:pt x="25629" y="307086"/>
+                </a:cubicBezTo>
+                <a:cubicBezTo>
+                  <a:pt x="13188" y="281058"/>
+                  <a:pt x="6967" y="247988"/>
+                  <a:pt x="6967" y="207876"/>
+                </a:cubicBezTo>
+                <a:cubicBezTo>
+                  <a:pt x="6967" y="138584"/>
+                  <a:pt x="26210" y="86615"/>
+                  <a:pt x="64694" y="51969"/>
+                </a:cubicBezTo>
+                <a:cubicBezTo>
+                  <a:pt x="103179" y="17323"/>
+                  <a:pt x="160739" y="0"/>
+                  <a:pt x="237376" y="0"/>
+                </a:cubicBezTo>
+                <a:close/>
+                <a:moveTo>
+                  <a:pt x="238869" y="123914"/>
+                </a:moveTo>
+                <a:cubicBezTo>
+                  <a:pt x="225599" y="123914"/>
+                  <a:pt x="216641" y="128641"/>
+                  <a:pt x="211997" y="138097"/>
+                </a:cubicBezTo>
+                <a:cubicBezTo>
+                  <a:pt x="207352" y="147552"/>
+                  <a:pt x="205030" y="165218"/>
+                  <a:pt x="205030" y="191096"/>
+                </a:cubicBezTo>
+                <a:lnTo>
+                  <a:pt x="205030" y="252306"/>
+                </a:lnTo>
+                <a:cubicBezTo>
+                  <a:pt x="205030" y="276525"/>
+                  <a:pt x="207684" y="293279"/>
+                  <a:pt x="212992" y="302568"/>
+                </a:cubicBezTo>
+                <a:cubicBezTo>
+                  <a:pt x="218300" y="311857"/>
+                  <a:pt x="227258" y="316502"/>
+                  <a:pt x="239865" y="316502"/>
+                </a:cubicBezTo>
+                <a:cubicBezTo>
+                  <a:pt x="253135" y="316502"/>
+                  <a:pt x="262093" y="311940"/>
+                  <a:pt x="266737" y="302817"/>
+                </a:cubicBezTo>
+                <a:cubicBezTo>
+                  <a:pt x="271382" y="293693"/>
+                  <a:pt x="273704" y="274866"/>
+                  <a:pt x="273704" y="246334"/>
+                </a:cubicBezTo>
+                <a:lnTo>
+                  <a:pt x="273704" y="191096"/>
+                </a:lnTo>
+                <a:cubicBezTo>
+                  <a:pt x="273704" y="163891"/>
+                  <a:pt x="271299" y="145893"/>
+                  <a:pt x="266489" y="137101"/>
+                </a:cubicBezTo>
+                <a:cubicBezTo>
+                  <a:pt x="261678" y="128310"/>
+                  <a:pt x="252472" y="123914"/>
+                  <a:pt x="238869" y="123914"/>
+                </a:cubicBezTo>
+                <a:close/>
+                <a:moveTo>
+                  <a:pt x="238372" y="449373"/>
+                </a:moveTo>
+                <a:cubicBezTo>
+                  <a:pt x="225101" y="449373"/>
+                  <a:pt x="215563" y="454267"/>
+                  <a:pt x="209757" y="464054"/>
+                </a:cubicBezTo>
+                <a:cubicBezTo>
+                  <a:pt x="203951" y="473841"/>
+                  <a:pt x="201048" y="494493"/>
+                  <a:pt x="201048" y="526010"/>
+                </a:cubicBezTo>
+                <a:lnTo>
+                  <a:pt x="201048" y="630516"/>
+                </a:lnTo>
+                <a:cubicBezTo>
+                  <a:pt x="201048" y="665351"/>
+                  <a:pt x="204283" y="687745"/>
+                  <a:pt x="210752" y="697697"/>
+                </a:cubicBezTo>
+                <a:cubicBezTo>
+                  <a:pt x="217222" y="707650"/>
+                  <a:pt x="227424" y="712627"/>
+                  <a:pt x="241358" y="712627"/>
+                </a:cubicBezTo>
+                <a:cubicBezTo>
+                  <a:pt x="255623" y="712627"/>
+                  <a:pt x="265245" y="707567"/>
+                  <a:pt x="270221" y="697449"/>
+                </a:cubicBezTo>
+                <a:cubicBezTo>
+                  <a:pt x="275197" y="687330"/>
+                  <a:pt x="277686" y="664521"/>
+                  <a:pt x="277686" y="629023"/>
+                </a:cubicBezTo>
+                <a:lnTo>
+                  <a:pt x="277686" y="526010"/>
+                </a:lnTo>
+                <a:cubicBezTo>
+                  <a:pt x="277686" y="495156"/>
+                  <a:pt x="274534" y="474670"/>
+                  <a:pt x="268230" y="464551"/>
+                </a:cubicBezTo>
+                <a:cubicBezTo>
+                  <a:pt x="261927" y="454432"/>
+                  <a:pt x="251974" y="449373"/>
+                  <a:pt x="238372" y="449373"/>
+                </a:cubicBezTo>
+                <a:close/>
+              </a:path>
+            </a:pathLst>
+          </a:custGeom>
+          <a:noFill/>
+          <a:ln w="19050">
+            <a:solidFill>
+              <a:schemeClr val="bg1">
+                <a:lumMod val="85000"/>
+              </a:schemeClr>
+            </a:solidFill>
+          </a:ln>
+        </p:spPr>
+        <p:style>
+          <a:lnRef idx="2">
+            <a:schemeClr val="accent1">
+              <a:shade val="50000"/>
+            </a:schemeClr>
+          </a:lnRef>
+          <a:fillRef idx="1">
+            <a:schemeClr val="accent1"/>
+          </a:fillRef>
+          <a:effectRef idx="0">
+            <a:schemeClr val="accent1"/>
+          </a:effectRef>
+          <a:fontRef idx="minor">
+            <a:schemeClr val="lt1"/>
+          </a:fontRef>
+        </p:style>
+        <p:txBody>
+          <a:bodyPr wrap="square" rtlCol="0" anchor="ctr">
+            <a:noAutofit/>
+          </a:bodyPr>
+          <a:lstStyle/>
+          <a:p>
+            <a:pPr algn="ctr"/>
+            <a:endParaRPr lang="ko-KR" altLang="en-US"/>
+          </a:p>
+        </p:txBody>
+      </p:sp>
+      <p:sp>
+        <p:nvSpPr>
+          <p:cNvPr id="35" name="자유형: 도형 34">
+            <a:extLst>
+              <a:ext uri="{FF2B5EF4-FFF2-40B4-BE49-F238E27FC236}">
+                <a16:creationId xmlns:a16="http://schemas.microsoft.com/office/drawing/2014/main" id="{EA5234E4-D4ED-4367-A42A-1016F5CEB2EF}"/>
+              </a:ext>
+            </a:extLst>
+          </p:cNvPr>
+          <p:cNvSpPr/>
+          <p:nvPr/>
+        </p:nvSpPr>
+        <p:spPr>
+          <a:xfrm>
+            <a:off x="4365413" y="3669214"/>
+            <a:ext cx="1163369" cy="2075194"/>
+          </a:xfrm>
+          <a:custGeom>
+            <a:avLst/>
+            <a:gdLst/>
+            <a:ahLst/>
+            <a:cxnLst/>
+            <a:rect l="l" t="t" r="r" b="b"/>
+            <a:pathLst>
+              <a:path w="460321" h="821113">
+                <a:moveTo>
+                  <a:pt x="217471" y="0"/>
+                </a:moveTo>
+                <a:cubicBezTo>
+                  <a:pt x="297426" y="0"/>
+                  <a:pt x="357890" y="19823"/>
+                  <a:pt x="398862" y="59469"/>
+                </a:cubicBezTo>
+                <a:cubicBezTo>
+                  <a:pt x="439835" y="99115"/>
+                  <a:pt x="460321" y="149294"/>
+                  <a:pt x="460321" y="210006"/>
+                </a:cubicBezTo>
+                <a:cubicBezTo>
+                  <a:pt x="460321" y="256121"/>
+                  <a:pt x="448791" y="304890"/>
+                  <a:pt x="425731" y="356314"/>
+                </a:cubicBezTo>
+                <a:cubicBezTo>
+                  <a:pt x="402671" y="407737"/>
+                  <a:pt x="334739" y="516887"/>
+                  <a:pt x="221934" y="683763"/>
+                </a:cubicBezTo>
+                <a:lnTo>
+                  <a:pt x="442406" y="683763"/>
+                </a:lnTo>
+                <a:lnTo>
+                  <a:pt x="442406" y="821113"/>
+                </a:lnTo>
+                <a:lnTo>
+                  <a:pt x="0" y="821113"/>
+                </a:lnTo>
+                <a:lnTo>
+                  <a:pt x="125" y="706157"/>
+                </a:lnTo>
+                <a:cubicBezTo>
+                  <a:pt x="131171" y="491839"/>
+                  <a:pt x="209052" y="359217"/>
+                  <a:pt x="233769" y="308291"/>
+                </a:cubicBezTo>
+                <a:cubicBezTo>
+                  <a:pt x="258485" y="257365"/>
+                  <a:pt x="270843" y="217637"/>
+                  <a:pt x="270843" y="189105"/>
+                </a:cubicBezTo>
+                <a:cubicBezTo>
+                  <a:pt x="270843" y="167209"/>
+                  <a:pt x="267106" y="150870"/>
+                  <a:pt x="259631" y="140087"/>
+                </a:cubicBezTo>
+                <a:cubicBezTo>
+                  <a:pt x="252156" y="129305"/>
+                  <a:pt x="240777" y="123914"/>
+                  <a:pt x="225495" y="123914"/>
+                </a:cubicBezTo>
+                <a:cubicBezTo>
+                  <a:pt x="210214" y="123914"/>
+                  <a:pt x="198835" y="129886"/>
+                  <a:pt x="191360" y="141829"/>
+                </a:cubicBezTo>
+                <a:cubicBezTo>
+                  <a:pt x="183885" y="153772"/>
+                  <a:pt x="180148" y="177493"/>
+                  <a:pt x="180148" y="212992"/>
+                </a:cubicBezTo>
+                <a:lnTo>
+                  <a:pt x="180148" y="289629"/>
+                </a:lnTo>
+                <a:lnTo>
+                  <a:pt x="0" y="289629"/>
+                </a:lnTo>
+                <a:lnTo>
+                  <a:pt x="0" y="260268"/>
+                </a:lnTo>
+                <a:cubicBezTo>
+                  <a:pt x="0" y="215149"/>
+                  <a:pt x="2323" y="179567"/>
+                  <a:pt x="6967" y="153524"/>
+                </a:cubicBezTo>
+                <a:cubicBezTo>
+                  <a:pt x="11612" y="127480"/>
+                  <a:pt x="23058" y="101852"/>
+                  <a:pt x="41305" y="76638"/>
+                </a:cubicBezTo>
+                <a:cubicBezTo>
+                  <a:pt x="59552" y="51424"/>
+                  <a:pt x="83273" y="32347"/>
+                  <a:pt x="112468" y="19409"/>
+                </a:cubicBezTo>
+                <a:cubicBezTo>
+                  <a:pt x="141663" y="6470"/>
+                  <a:pt x="176664" y="0"/>
+                  <a:pt x="217471" y="0"/>
+                </a:cubicBezTo>
+                <a:close/>
+              </a:path>
+            </a:pathLst>
+          </a:custGeom>
+          <a:noFill/>
+          <a:ln w="19050">
+            <a:solidFill>
+              <a:schemeClr val="bg1">
+                <a:lumMod val="85000"/>
+              </a:schemeClr>
+            </a:solidFill>
+          </a:ln>
+        </p:spPr>
+        <p:style>
+          <a:lnRef idx="2">
+            <a:schemeClr val="accent1">
+              <a:shade val="50000"/>
+            </a:schemeClr>
+          </a:lnRef>
+          <a:fillRef idx="1">
+            <a:schemeClr val="accent1"/>
+          </a:fillRef>
+          <a:effectRef idx="0">
+            <a:schemeClr val="accent1"/>
+          </a:effectRef>
+          <a:fontRef idx="minor">
+            <a:schemeClr val="lt1"/>
+          </a:fontRef>
+        </p:style>
+        <p:txBody>
+          <a:bodyPr wrap="square" rtlCol="0" anchor="ctr">
+            <a:noAutofit/>
+          </a:bodyPr>
+          <a:lstStyle/>
+          <a:p>
+            <a:pPr algn="ctr"/>
+            <a:endParaRPr lang="ko-KR" altLang="en-US"/>
+          </a:p>
+        </p:txBody>
+      </p:sp>
+      <p:sp>
+        <p:nvSpPr>
+          <p:cNvPr id="36" name="자유형: 도형 35">
+            <a:extLst>
+              <a:ext uri="{FF2B5EF4-FFF2-40B4-BE49-F238E27FC236}">
+                <a16:creationId xmlns:a16="http://schemas.microsoft.com/office/drawing/2014/main" id="{2CE4BB98-9845-4FB8-B467-ECF82BDCF91C}"/>
+              </a:ext>
+            </a:extLst>
+          </p:cNvPr>
+          <p:cNvSpPr/>
+          <p:nvPr/>
+        </p:nvSpPr>
+        <p:spPr>
+          <a:xfrm>
+            <a:off x="4393967" y="849589"/>
+            <a:ext cx="970942" cy="2036206"/>
+          </a:xfrm>
+          <a:custGeom>
+            <a:avLst/>
+            <a:gdLst/>
+            <a:ahLst/>
+            <a:cxnLst/>
+            <a:rect l="l" t="t" r="r" b="b"/>
+            <a:pathLst>
+              <a:path w="384181" h="805686">
+                <a:moveTo>
+                  <a:pt x="0" y="0"/>
+                </a:moveTo>
+                <a:lnTo>
+                  <a:pt x="384181" y="0"/>
+                </a:lnTo>
+                <a:lnTo>
+                  <a:pt x="384181" y="175544"/>
+                </a:lnTo>
+                <a:lnTo>
+                  <a:pt x="255788" y="805686"/>
+                </a:lnTo>
+                <a:lnTo>
+                  <a:pt x="55736" y="805686"/>
+                </a:lnTo>
+                <a:lnTo>
+                  <a:pt x="198808" y="144815"/>
+                </a:lnTo>
+                <a:lnTo>
+                  <a:pt x="0" y="144815"/>
+                </a:lnTo>
+                <a:lnTo>
+                  <a:pt x="0" y="0"/>
+                </a:lnTo>
+                <a:close/>
+              </a:path>
+            </a:pathLst>
+          </a:custGeom>
+          <a:noFill/>
+          <a:ln w="19050">
+            <a:solidFill>
+              <a:schemeClr val="bg1">
+                <a:lumMod val="85000"/>
+              </a:schemeClr>
+            </a:solidFill>
+          </a:ln>
+        </p:spPr>
+        <p:style>
+          <a:lnRef idx="2">
+            <a:schemeClr val="accent1">
+              <a:shade val="50000"/>
+            </a:schemeClr>
+          </a:lnRef>
+          <a:fillRef idx="1">
+            <a:schemeClr val="accent1"/>
+          </a:fillRef>
+          <a:effectRef idx="0">
+            <a:schemeClr val="accent1"/>
+          </a:effectRef>
+          <a:fontRef idx="minor">
+            <a:schemeClr val="lt1"/>
+          </a:fontRef>
+        </p:style>
+        <p:txBody>
+          <a:bodyPr wrap="square" rtlCol="0" anchor="ctr">
+            <a:noAutofit/>
+          </a:bodyPr>
+          <a:lstStyle/>
+          <a:p>
+            <a:pPr algn="ctr"/>
+            <a:endParaRPr lang="ko-KR" altLang="en-US"/>
+          </a:p>
+        </p:txBody>
+      </p:sp>
+      <p:sp>
+        <p:nvSpPr>
+          <p:cNvPr id="37" name="자유형: 도형 36">
+            <a:extLst>
+              <a:ext uri="{FF2B5EF4-FFF2-40B4-BE49-F238E27FC236}">
+                <a16:creationId xmlns:a16="http://schemas.microsoft.com/office/drawing/2014/main" id="{A3DCBC59-0265-4AA0-8B50-7951B32473A1}"/>
+              </a:ext>
+            </a:extLst>
+          </p:cNvPr>
+          <p:cNvSpPr/>
+          <p:nvPr/>
+        </p:nvSpPr>
+        <p:spPr>
+          <a:xfrm>
+            <a:off x="7650366" y="849593"/>
+            <a:ext cx="1216193" cy="2075194"/>
+          </a:xfrm>
+          <a:custGeom>
+            <a:avLst/>
+            <a:gdLst/>
+            <a:ahLst/>
+            <a:cxnLst/>
+            <a:rect l="l" t="t" r="r" b="b"/>
+            <a:pathLst>
+              <a:path w="481222" h="821113">
+                <a:moveTo>
+                  <a:pt x="10451" y="0"/>
+                </a:moveTo>
+                <a:lnTo>
+                  <a:pt x="441908" y="0"/>
+                </a:lnTo>
+                <a:lnTo>
+                  <a:pt x="441908" y="128890"/>
+                </a:lnTo>
+                <a:lnTo>
+                  <a:pt x="192588" y="128890"/>
+                </a:lnTo>
+                <a:lnTo>
+                  <a:pt x="192588" y="265742"/>
+                </a:lnTo>
+                <a:cubicBezTo>
+                  <a:pt x="223774" y="228917"/>
+                  <a:pt x="263917" y="210504"/>
+                  <a:pt x="313018" y="210504"/>
+                </a:cubicBezTo>
+                <a:cubicBezTo>
+                  <a:pt x="368423" y="210504"/>
+                  <a:pt x="410308" y="226014"/>
+                  <a:pt x="438673" y="257034"/>
+                </a:cubicBezTo>
+                <a:cubicBezTo>
+                  <a:pt x="467039" y="288053"/>
+                  <a:pt x="481222" y="347688"/>
+                  <a:pt x="481222" y="435937"/>
+                </a:cubicBezTo>
+                <a:lnTo>
+                  <a:pt x="481222" y="550892"/>
+                </a:lnTo>
+                <a:cubicBezTo>
+                  <a:pt x="481222" y="607956"/>
+                  <a:pt x="478485" y="649841"/>
+                  <a:pt x="473011" y="676548"/>
+                </a:cubicBezTo>
+                <a:cubicBezTo>
+                  <a:pt x="467537" y="703254"/>
+                  <a:pt x="455842" y="727971"/>
+                  <a:pt x="437927" y="750697"/>
+                </a:cubicBezTo>
+                <a:cubicBezTo>
+                  <a:pt x="420012" y="773422"/>
+                  <a:pt x="395047" y="790840"/>
+                  <a:pt x="363031" y="802949"/>
+                </a:cubicBezTo>
+                <a:cubicBezTo>
+                  <a:pt x="331016" y="815058"/>
+                  <a:pt x="291951" y="821113"/>
+                  <a:pt x="245836" y="821113"/>
+                </a:cubicBezTo>
+                <a:cubicBezTo>
+                  <a:pt x="194081" y="821113"/>
+                  <a:pt x="148464" y="812073"/>
+                  <a:pt x="108984" y="793992"/>
+                </a:cubicBezTo>
+                <a:cubicBezTo>
+                  <a:pt x="69504" y="775910"/>
+                  <a:pt x="41470" y="748955"/>
+                  <a:pt x="24882" y="713124"/>
+                </a:cubicBezTo>
+                <a:cubicBezTo>
+                  <a:pt x="8294" y="677294"/>
+                  <a:pt x="0" y="621890"/>
+                  <a:pt x="0" y="546911"/>
+                </a:cubicBezTo>
+                <a:lnTo>
+                  <a:pt x="0" y="503119"/>
+                </a:lnTo>
+                <a:lnTo>
+                  <a:pt x="201048" y="503119"/>
+                </a:lnTo>
+                <a:lnTo>
+                  <a:pt x="201048" y="553381"/>
+                </a:lnTo>
+                <a:cubicBezTo>
+                  <a:pt x="201048" y="605467"/>
+                  <a:pt x="202873" y="642459"/>
+                  <a:pt x="206522" y="664355"/>
+                </a:cubicBezTo>
+                <a:cubicBezTo>
+                  <a:pt x="210172" y="686252"/>
+                  <a:pt x="222779" y="697200"/>
+                  <a:pt x="244343" y="697200"/>
+                </a:cubicBezTo>
+                <a:cubicBezTo>
+                  <a:pt x="254296" y="697200"/>
+                  <a:pt x="262341" y="694048"/>
+                  <a:pt x="268479" y="687745"/>
+                </a:cubicBezTo>
+                <a:cubicBezTo>
+                  <a:pt x="274617" y="681441"/>
+                  <a:pt x="277934" y="674640"/>
+                  <a:pt x="278432" y="667341"/>
+                </a:cubicBezTo>
+                <a:cubicBezTo>
+                  <a:pt x="278930" y="660042"/>
+                  <a:pt x="279510" y="628359"/>
+                  <a:pt x="280174" y="572291"/>
+                </a:cubicBezTo>
+                <a:lnTo>
+                  <a:pt x="280174" y="412547"/>
+                </a:lnTo>
+                <a:cubicBezTo>
+                  <a:pt x="280174" y="382357"/>
+                  <a:pt x="277022" y="361788"/>
+                  <a:pt x="270718" y="350839"/>
+                </a:cubicBezTo>
+                <a:cubicBezTo>
+                  <a:pt x="264415" y="339891"/>
+                  <a:pt x="253964" y="334417"/>
+                  <a:pt x="239367" y="334417"/>
+                </a:cubicBezTo>
+                <a:cubicBezTo>
+                  <a:pt x="230078" y="334417"/>
+                  <a:pt x="222281" y="337237"/>
+                  <a:pt x="215978" y="342877"/>
+                </a:cubicBezTo>
+                <a:cubicBezTo>
+                  <a:pt x="209674" y="348517"/>
+                  <a:pt x="205610" y="354572"/>
+                  <a:pt x="203785" y="361041"/>
+                </a:cubicBezTo>
+                <a:cubicBezTo>
+                  <a:pt x="201961" y="367511"/>
+                  <a:pt x="201048" y="382523"/>
+                  <a:pt x="201048" y="406078"/>
+                </a:cubicBezTo>
+                <a:lnTo>
+                  <a:pt x="1991" y="406078"/>
+                </a:lnTo>
+                <a:lnTo>
+                  <a:pt x="10451" y="0"/>
+                </a:lnTo>
+                <a:close/>
+              </a:path>
+            </a:pathLst>
+          </a:custGeom>
+          <a:noFill/>
+          <a:ln w="19050">
+            <a:solidFill>
+              <a:schemeClr val="bg1">
+                <a:lumMod val="85000"/>
+              </a:schemeClr>
+            </a:solidFill>
+          </a:ln>
+        </p:spPr>
+        <p:style>
+          <a:lnRef idx="2">
+            <a:schemeClr val="accent1">
+              <a:shade val="50000"/>
+            </a:schemeClr>
+          </a:lnRef>
+          <a:fillRef idx="1">
+            <a:schemeClr val="accent1"/>
+          </a:fillRef>
+          <a:effectRef idx="0">
+            <a:schemeClr val="accent1"/>
+          </a:effectRef>
+          <a:fontRef idx="minor">
+            <a:schemeClr val="lt1"/>
+          </a:fontRef>
+        </p:style>
+        <p:txBody>
+          <a:bodyPr wrap="square" rtlCol="0" anchor="ctr">
+            <a:noAutofit/>
+          </a:bodyPr>
+          <a:lstStyle/>
+          <a:p>
+            <a:pPr algn="ctr"/>
+            <a:endParaRPr lang="ko-KR" altLang="en-US"/>
+          </a:p>
+        </p:txBody>
+      </p:sp>
+      <p:sp>
+        <p:nvSpPr>
+          <p:cNvPr id="38" name="자유형: 도형 37">
+            <a:extLst>
+              <a:ext uri="{FF2B5EF4-FFF2-40B4-BE49-F238E27FC236}">
+                <a16:creationId xmlns:a16="http://schemas.microsoft.com/office/drawing/2014/main" id="{7E49D7BD-9447-4FEE-B4D3-8E332EA6151C}"/>
+              </a:ext>
+            </a:extLst>
+          </p:cNvPr>
+          <p:cNvSpPr/>
+          <p:nvPr/>
+        </p:nvSpPr>
+        <p:spPr>
+          <a:xfrm>
+            <a:off x="785723" y="3708198"/>
+            <a:ext cx="1256440" cy="2036206"/>
+          </a:xfrm>
+          <a:custGeom>
+            <a:avLst/>
+            <a:gdLst/>
+            <a:ahLst/>
+            <a:cxnLst/>
+            <a:rect l="l" t="t" r="r" b="b"/>
+            <a:pathLst>
+              <a:path w="497147" h="805686">
+                <a:moveTo>
+                  <a:pt x="173678" y="0"/>
+                </a:moveTo>
+                <a:lnTo>
+                  <a:pt x="439918" y="0"/>
+                </a:lnTo>
+                <a:lnTo>
+                  <a:pt x="439918" y="526508"/>
+                </a:lnTo>
+                <a:lnTo>
+                  <a:pt x="497147" y="526508"/>
+                </a:lnTo>
+                <a:lnTo>
+                  <a:pt x="497147" y="663858"/>
+                </a:lnTo>
+                <a:lnTo>
+                  <a:pt x="439918" y="663858"/>
+                </a:lnTo>
+                <a:lnTo>
+                  <a:pt x="439918" y="805686"/>
+                </a:lnTo>
+                <a:lnTo>
+                  <a:pt x="238869" y="805686"/>
+                </a:lnTo>
+                <a:lnTo>
+                  <a:pt x="238869" y="663858"/>
+                </a:lnTo>
+                <a:lnTo>
+                  <a:pt x="0" y="663858"/>
+                </a:lnTo>
+                <a:lnTo>
+                  <a:pt x="0" y="526508"/>
+                </a:lnTo>
+                <a:lnTo>
+                  <a:pt x="173678" y="0"/>
+                </a:lnTo>
+                <a:close/>
+                <a:moveTo>
+                  <a:pt x="238869" y="183631"/>
+                </a:moveTo>
+                <a:lnTo>
+                  <a:pt x="150040" y="526508"/>
+                </a:lnTo>
+                <a:lnTo>
+                  <a:pt x="238869" y="526508"/>
+                </a:lnTo>
+                <a:lnTo>
+                  <a:pt x="238869" y="183631"/>
+                </a:lnTo>
+                <a:close/>
+              </a:path>
+            </a:pathLst>
+          </a:custGeom>
+          <a:noFill/>
+          <a:ln w="19050">
+            <a:solidFill>
+              <a:schemeClr val="bg1">
+                <a:lumMod val="85000"/>
+              </a:schemeClr>
+            </a:solidFill>
+          </a:ln>
+        </p:spPr>
+        <p:style>
+          <a:lnRef idx="2">
+            <a:schemeClr val="accent1">
+              <a:shade val="50000"/>
+            </a:schemeClr>
+          </a:lnRef>
+          <a:fillRef idx="1">
+            <a:schemeClr val="accent1"/>
+          </a:fillRef>
+          <a:effectRef idx="0">
+            <a:schemeClr val="accent1"/>
+          </a:effectRef>
+          <a:fontRef idx="minor">
+            <a:schemeClr val="lt1"/>
+          </a:fontRef>
+        </p:style>
+        <p:txBody>
+          <a:bodyPr wrap="square" rtlCol="0" anchor="ctr">
+            <a:noAutofit/>
+          </a:bodyPr>
+          <a:lstStyle/>
+          <a:p>
+            <a:pPr algn="ctr"/>
+            <a:endParaRPr lang="ko-KR" altLang="en-US"/>
+          </a:p>
+        </p:txBody>
+      </p:sp>
+      <p:sp>
+        <p:nvSpPr>
+          <p:cNvPr id="39" name="자유형: 도형 38">
+            <a:extLst>
+              <a:ext uri="{FF2B5EF4-FFF2-40B4-BE49-F238E27FC236}">
+                <a16:creationId xmlns:a16="http://schemas.microsoft.com/office/drawing/2014/main" id="{56740FCD-40F9-4CC5-BDF7-EA9CC0641A42}"/>
+              </a:ext>
+            </a:extLst>
+          </p:cNvPr>
+          <p:cNvSpPr/>
+          <p:nvPr/>
+        </p:nvSpPr>
+        <p:spPr>
+          <a:xfrm>
+            <a:off x="6074145" y="3708198"/>
+            <a:ext cx="859006" cy="2036206"/>
+          </a:xfrm>
+          <a:custGeom>
+            <a:avLst/>
+            <a:gdLst/>
+            <a:ahLst/>
+            <a:cxnLst/>
+            <a:rect l="l" t="t" r="r" b="b"/>
+            <a:pathLst>
+              <a:path w="339891" h="805686">
+                <a:moveTo>
+                  <a:pt x="221452" y="0"/>
+                </a:moveTo>
+                <a:lnTo>
+                  <a:pt x="339891" y="0"/>
+                </a:lnTo>
+                <a:lnTo>
+                  <a:pt x="339891" y="805686"/>
+                </a:lnTo>
+                <a:lnTo>
+                  <a:pt x="138843" y="805686"/>
+                </a:lnTo>
+                <a:lnTo>
+                  <a:pt x="138843" y="373731"/>
+                </a:lnTo>
+                <a:cubicBezTo>
+                  <a:pt x="138843" y="311360"/>
+                  <a:pt x="137350" y="273871"/>
+                  <a:pt x="134364" y="261264"/>
+                </a:cubicBezTo>
+                <a:cubicBezTo>
+                  <a:pt x="131378" y="248657"/>
+                  <a:pt x="123167" y="239118"/>
+                  <a:pt x="109731" y="232649"/>
+                </a:cubicBezTo>
+                <a:cubicBezTo>
+                  <a:pt x="96294" y="226180"/>
+                  <a:pt x="66353" y="222945"/>
+                  <a:pt x="19906" y="222945"/>
+                </a:cubicBezTo>
+                <a:lnTo>
+                  <a:pt x="0" y="222945"/>
+                </a:lnTo>
+                <a:lnTo>
+                  <a:pt x="0" y="129015"/>
+                </a:lnTo>
+                <a:cubicBezTo>
+                  <a:pt x="97207" y="108093"/>
+                  <a:pt x="171024" y="65088"/>
+                  <a:pt x="221452" y="0"/>
+                </a:cubicBezTo>
+                <a:close/>
+              </a:path>
+            </a:pathLst>
+          </a:custGeom>
+          <a:noFill/>
+          <a:ln w="19050">
+            <a:solidFill>
+              <a:schemeClr val="bg1">
+                <a:lumMod val="85000"/>
+              </a:schemeClr>
+            </a:solidFill>
+          </a:ln>
+        </p:spPr>
+        <p:style>
+          <a:lnRef idx="2">
+            <a:schemeClr val="accent1">
+              <a:shade val="50000"/>
+            </a:schemeClr>
+          </a:lnRef>
+          <a:fillRef idx="1">
+            <a:schemeClr val="accent1"/>
+          </a:fillRef>
+          <a:effectRef idx="0">
+            <a:schemeClr val="accent1"/>
+          </a:effectRef>
+          <a:fontRef idx="minor">
+            <a:schemeClr val="lt1"/>
+          </a:fontRef>
+        </p:style>
+        <p:txBody>
+          <a:bodyPr wrap="square" rtlCol="0" anchor="ctr">
+            <a:noAutofit/>
+          </a:bodyPr>
+          <a:lstStyle/>
+          <a:p>
+            <a:pPr algn="ctr"/>
+            <a:endParaRPr lang="ko-KR" altLang="en-US"/>
+          </a:p>
+        </p:txBody>
+      </p:sp>
+      <p:sp>
+        <p:nvSpPr>
+          <p:cNvPr id="12" name="자유형: 도형 11">
+            <a:extLst>
+              <a:ext uri="{FF2B5EF4-FFF2-40B4-BE49-F238E27FC236}">
+                <a16:creationId xmlns:a16="http://schemas.microsoft.com/office/drawing/2014/main" id="{CAB09372-47A8-43B3-8B64-54709BEAA208}"/>
+              </a:ext>
+            </a:extLst>
+          </p:cNvPr>
+          <p:cNvSpPr/>
+          <p:nvPr/>
+        </p:nvSpPr>
+        <p:spPr>
+          <a:xfrm>
+            <a:off x="5805553" y="701336"/>
+            <a:ext cx="1219965" cy="2115439"/>
+          </a:xfrm>
+          <a:custGeom>
+            <a:avLst/>
+            <a:gdLst/>
+            <a:ahLst/>
+            <a:cxnLst/>
+            <a:rect l="l" t="t" r="r" b="b"/>
+            <a:pathLst>
+              <a:path w="482715" h="837037">
+                <a:moveTo>
+                  <a:pt x="242850" y="0"/>
+                </a:moveTo>
+                <a:cubicBezTo>
+                  <a:pt x="299250" y="0"/>
+                  <a:pt x="345531" y="9123"/>
+                  <a:pt x="381693" y="27370"/>
+                </a:cubicBezTo>
+                <a:cubicBezTo>
+                  <a:pt x="417855" y="45617"/>
+                  <a:pt x="443733" y="71329"/>
+                  <a:pt x="459325" y="104505"/>
+                </a:cubicBezTo>
+                <a:cubicBezTo>
+                  <a:pt x="474918" y="137681"/>
+                  <a:pt x="482715" y="179483"/>
+                  <a:pt x="482715" y="229911"/>
+                </a:cubicBezTo>
+                <a:lnTo>
+                  <a:pt x="281667" y="229911"/>
+                </a:lnTo>
+                <a:cubicBezTo>
+                  <a:pt x="281667" y="192422"/>
+                  <a:pt x="281252" y="168784"/>
+                  <a:pt x="280422" y="158997"/>
+                </a:cubicBezTo>
+                <a:cubicBezTo>
+                  <a:pt x="279593" y="149210"/>
+                  <a:pt x="275612" y="140999"/>
+                  <a:pt x="268479" y="134364"/>
+                </a:cubicBezTo>
+                <a:cubicBezTo>
+                  <a:pt x="261346" y="127728"/>
+                  <a:pt x="251642" y="124411"/>
+                  <a:pt x="239367" y="124411"/>
+                </a:cubicBezTo>
+                <a:cubicBezTo>
+                  <a:pt x="229082" y="124411"/>
+                  <a:pt x="220622" y="127563"/>
+                  <a:pt x="213987" y="133866"/>
+                </a:cubicBezTo>
+                <a:cubicBezTo>
+                  <a:pt x="207352" y="140170"/>
+                  <a:pt x="203536" y="148298"/>
+                  <a:pt x="202541" y="158251"/>
+                </a:cubicBezTo>
+                <a:cubicBezTo>
+                  <a:pt x="201546" y="168204"/>
+                  <a:pt x="201048" y="188275"/>
+                  <a:pt x="201048" y="218466"/>
+                </a:cubicBezTo>
+                <a:lnTo>
+                  <a:pt x="201048" y="346858"/>
+                </a:lnTo>
+                <a:cubicBezTo>
+                  <a:pt x="211333" y="325293"/>
+                  <a:pt x="226428" y="309120"/>
+                  <a:pt x="246334" y="298337"/>
+                </a:cubicBezTo>
+                <a:cubicBezTo>
+                  <a:pt x="266239" y="287555"/>
+                  <a:pt x="290790" y="282164"/>
+                  <a:pt x="319985" y="282164"/>
+                </a:cubicBezTo>
+                <a:cubicBezTo>
+                  <a:pt x="356811" y="282164"/>
+                  <a:pt x="389324" y="292117"/>
+                  <a:pt x="417523" y="312023"/>
+                </a:cubicBezTo>
+                <a:cubicBezTo>
+                  <a:pt x="445723" y="331928"/>
+                  <a:pt x="463638" y="355815"/>
+                  <a:pt x="471269" y="383683"/>
+                </a:cubicBezTo>
+                <a:cubicBezTo>
+                  <a:pt x="478900" y="411551"/>
+                  <a:pt x="482715" y="449207"/>
+                  <a:pt x="482715" y="496649"/>
+                </a:cubicBezTo>
+                <a:lnTo>
+                  <a:pt x="482715" y="560845"/>
+                </a:lnTo>
+                <a:cubicBezTo>
+                  <a:pt x="482715" y="617244"/>
+                  <a:pt x="480558" y="659212"/>
+                  <a:pt x="476246" y="686749"/>
+                </a:cubicBezTo>
+                <a:cubicBezTo>
+                  <a:pt x="471932" y="714285"/>
+                  <a:pt x="460404" y="739748"/>
+                  <a:pt x="441659" y="763137"/>
+                </a:cubicBezTo>
+                <a:cubicBezTo>
+                  <a:pt x="422914" y="786526"/>
+                  <a:pt x="397203" y="804690"/>
+                  <a:pt x="364524" y="817629"/>
+                </a:cubicBezTo>
+                <a:cubicBezTo>
+                  <a:pt x="331846" y="830568"/>
+                  <a:pt x="293776" y="837037"/>
+                  <a:pt x="250315" y="837037"/>
+                </a:cubicBezTo>
+                <a:cubicBezTo>
+                  <a:pt x="196238" y="837037"/>
+                  <a:pt x="151947" y="829573"/>
+                  <a:pt x="117444" y="814643"/>
+                </a:cubicBezTo>
+                <a:cubicBezTo>
+                  <a:pt x="82941" y="799714"/>
+                  <a:pt x="56317" y="778232"/>
+                  <a:pt x="37572" y="750198"/>
+                </a:cubicBezTo>
+                <a:cubicBezTo>
+                  <a:pt x="18828" y="722164"/>
+                  <a:pt x="7879" y="692720"/>
+                  <a:pt x="4728" y="661866"/>
+                </a:cubicBezTo>
+                <a:cubicBezTo>
+                  <a:pt x="1576" y="631013"/>
+                  <a:pt x="0" y="571129"/>
+                  <a:pt x="0" y="482217"/>
+                </a:cubicBezTo>
+                <a:lnTo>
+                  <a:pt x="0" y="370745"/>
+                </a:lnTo>
+                <a:cubicBezTo>
+                  <a:pt x="0" y="274865"/>
+                  <a:pt x="1410" y="210752"/>
+                  <a:pt x="4230" y="178405"/>
+                </a:cubicBezTo>
+                <a:cubicBezTo>
+                  <a:pt x="7050" y="146058"/>
+                  <a:pt x="18579" y="115453"/>
+                  <a:pt x="38816" y="86590"/>
+                </a:cubicBezTo>
+                <a:cubicBezTo>
+                  <a:pt x="59054" y="57727"/>
+                  <a:pt x="86673" y="36079"/>
+                  <a:pt x="121674" y="21647"/>
+                </a:cubicBezTo>
+                <a:cubicBezTo>
+                  <a:pt x="156675" y="7216"/>
+                  <a:pt x="197067" y="0"/>
+                  <a:pt x="242850" y="0"/>
+                </a:cubicBezTo>
+                <a:close/>
+                <a:moveTo>
+                  <a:pt x="241358" y="406575"/>
+                </a:moveTo>
+                <a:cubicBezTo>
+                  <a:pt x="227424" y="406575"/>
+                  <a:pt x="217222" y="411634"/>
+                  <a:pt x="210752" y="421753"/>
+                </a:cubicBezTo>
+                <a:cubicBezTo>
+                  <a:pt x="204283" y="431872"/>
+                  <a:pt x="201048" y="451695"/>
+                  <a:pt x="201048" y="481222"/>
+                </a:cubicBezTo>
+                <a:lnTo>
+                  <a:pt x="201048" y="627031"/>
+                </a:lnTo>
+                <a:cubicBezTo>
+                  <a:pt x="201048" y="662530"/>
+                  <a:pt x="204117" y="685753"/>
+                  <a:pt x="210254" y="696701"/>
+                </a:cubicBezTo>
+                <a:cubicBezTo>
+                  <a:pt x="216392" y="707650"/>
+                  <a:pt x="226594" y="713124"/>
+                  <a:pt x="240860" y="713124"/>
+                </a:cubicBezTo>
+                <a:cubicBezTo>
+                  <a:pt x="249486" y="713124"/>
+                  <a:pt x="258443" y="708894"/>
+                  <a:pt x="267732" y="700434"/>
+                </a:cubicBezTo>
+                <a:cubicBezTo>
+                  <a:pt x="277022" y="691974"/>
+                  <a:pt x="281667" y="669165"/>
+                  <a:pt x="281667" y="632008"/>
+                </a:cubicBezTo>
+                <a:lnTo>
+                  <a:pt x="281667" y="481222"/>
+                </a:lnTo>
+                <a:cubicBezTo>
+                  <a:pt x="281667" y="452690"/>
+                  <a:pt x="278515" y="433116"/>
+                  <a:pt x="272211" y="422500"/>
+                </a:cubicBezTo>
+                <a:cubicBezTo>
+                  <a:pt x="265908" y="411883"/>
+                  <a:pt x="255623" y="406575"/>
+                  <a:pt x="241358" y="406575"/>
+                </a:cubicBezTo>
+                <a:close/>
+              </a:path>
+            </a:pathLst>
+          </a:custGeom>
+          <a:solidFill>
+            <a:schemeClr val="bg1"/>
+          </a:solidFill>
+          <a:ln w="19050">
+            <a:solidFill>
+              <a:schemeClr val="tx1"/>
+            </a:solidFill>
+          </a:ln>
+        </p:spPr>
+        <p:style>
+          <a:lnRef idx="2">
+            <a:schemeClr val="accent1">
+              <a:shade val="50000"/>
+            </a:schemeClr>
+          </a:lnRef>
+          <a:fillRef idx="1">
+            <a:schemeClr val="accent1"/>
+          </a:fillRef>
+          <a:effectRef idx="0">
+            <a:schemeClr val="accent1"/>
+          </a:effectRef>
+          <a:fontRef idx="minor">
+            <a:schemeClr val="lt1"/>
+          </a:fontRef>
+        </p:style>
+        <p:txBody>
+          <a:bodyPr wrap="square" rtlCol="0" anchor="ctr">
+            <a:noAutofit/>
+          </a:bodyPr>
+          <a:lstStyle/>
+          <a:p>
+            <a:pPr algn="ctr"/>
+            <a:endParaRPr lang="ko-KR" altLang="en-US"/>
+          </a:p>
+        </p:txBody>
+      </p:sp>
+      <p:sp>
+        <p:nvSpPr>
+          <p:cNvPr id="11" name="자유형: 도형 10">
+            <a:extLst>
+              <a:ext uri="{FF2B5EF4-FFF2-40B4-BE49-F238E27FC236}">
+                <a16:creationId xmlns:a16="http://schemas.microsoft.com/office/drawing/2014/main" id="{14B48D0B-DF02-49B3-9D2A-E3699512E871}"/>
+              </a:ext>
+            </a:extLst>
+          </p:cNvPr>
+          <p:cNvSpPr/>
+          <p:nvPr/>
+        </p:nvSpPr>
+        <p:spPr>
+          <a:xfrm>
+            <a:off x="2349364" y="3559945"/>
+            <a:ext cx="1198585" cy="2116698"/>
+          </a:xfrm>
+          <a:custGeom>
+            <a:avLst/>
+            <a:gdLst/>
+            <a:ahLst/>
+            <a:cxnLst/>
+            <a:rect l="l" t="t" r="r" b="b"/>
+            <a:pathLst>
+              <a:path w="474255" h="837535">
+                <a:moveTo>
+                  <a:pt x="220456" y="0"/>
+                </a:moveTo>
+                <a:cubicBezTo>
+                  <a:pt x="316336" y="0"/>
+                  <a:pt x="381362" y="18731"/>
+                  <a:pt x="415533" y="56195"/>
+                </a:cubicBezTo>
+                <a:cubicBezTo>
+                  <a:pt x="449705" y="93658"/>
+                  <a:pt x="466790" y="145708"/>
+                  <a:pt x="466790" y="212346"/>
+                </a:cubicBezTo>
+                <a:cubicBezTo>
+                  <a:pt x="466790" y="257435"/>
+                  <a:pt x="460653" y="290008"/>
+                  <a:pt x="448378" y="310067"/>
+                </a:cubicBezTo>
+                <a:cubicBezTo>
+                  <a:pt x="436102" y="330126"/>
+                  <a:pt x="414538" y="348444"/>
+                  <a:pt x="383684" y="365022"/>
+                </a:cubicBezTo>
+                <a:cubicBezTo>
+                  <a:pt x="414206" y="375312"/>
+                  <a:pt x="436932" y="392158"/>
+                  <a:pt x="451861" y="415560"/>
+                </a:cubicBezTo>
+                <a:cubicBezTo>
+                  <a:pt x="466790" y="438962"/>
+                  <a:pt x="474255" y="493816"/>
+                  <a:pt x="474255" y="580121"/>
+                </a:cubicBezTo>
+                <a:cubicBezTo>
+                  <a:pt x="474255" y="644182"/>
+                  <a:pt x="466956" y="693888"/>
+                  <a:pt x="452359" y="729239"/>
+                </a:cubicBezTo>
+                <a:cubicBezTo>
+                  <a:pt x="437761" y="764590"/>
+                  <a:pt x="412547" y="791477"/>
+                  <a:pt x="376717" y="809900"/>
+                </a:cubicBezTo>
+                <a:cubicBezTo>
+                  <a:pt x="340886" y="828323"/>
+                  <a:pt x="294937" y="837535"/>
+                  <a:pt x="238869" y="837535"/>
+                </a:cubicBezTo>
+                <a:cubicBezTo>
+                  <a:pt x="175171" y="837535"/>
+                  <a:pt x="125158" y="826835"/>
+                  <a:pt x="88830" y="805437"/>
+                </a:cubicBezTo>
+                <a:cubicBezTo>
+                  <a:pt x="52502" y="784038"/>
+                  <a:pt x="28615" y="757829"/>
+                  <a:pt x="17169" y="726809"/>
+                </a:cubicBezTo>
+                <a:cubicBezTo>
+                  <a:pt x="5723" y="695789"/>
+                  <a:pt x="0" y="641961"/>
+                  <a:pt x="0" y="565324"/>
+                </a:cubicBezTo>
+                <a:lnTo>
+                  <a:pt x="0" y="501625"/>
+                </a:lnTo>
+                <a:lnTo>
+                  <a:pt x="201048" y="501625"/>
+                </a:lnTo>
+                <a:lnTo>
+                  <a:pt x="201048" y="632505"/>
+                </a:lnTo>
+                <a:cubicBezTo>
+                  <a:pt x="201048" y="667341"/>
+                  <a:pt x="203122" y="689486"/>
+                  <a:pt x="207269" y="698941"/>
+                </a:cubicBezTo>
+                <a:cubicBezTo>
+                  <a:pt x="211416" y="708396"/>
+                  <a:pt x="220622" y="713124"/>
+                  <a:pt x="234888" y="713124"/>
+                </a:cubicBezTo>
+                <a:cubicBezTo>
+                  <a:pt x="250481" y="713124"/>
+                  <a:pt x="260766" y="707152"/>
+                  <a:pt x="265742" y="695209"/>
+                </a:cubicBezTo>
+                <a:cubicBezTo>
+                  <a:pt x="270719" y="683265"/>
+                  <a:pt x="273207" y="652079"/>
+                  <a:pt x="273207" y="601652"/>
+                </a:cubicBezTo>
+                <a:lnTo>
+                  <a:pt x="273207" y="545915"/>
+                </a:lnTo>
+                <a:cubicBezTo>
+                  <a:pt x="273207" y="515061"/>
+                  <a:pt x="269723" y="492502"/>
+                  <a:pt x="262756" y="478236"/>
+                </a:cubicBezTo>
+                <a:cubicBezTo>
+                  <a:pt x="255789" y="463970"/>
+                  <a:pt x="245505" y="454598"/>
+                  <a:pt x="231902" y="450119"/>
+                </a:cubicBezTo>
+                <a:cubicBezTo>
+                  <a:pt x="218300" y="445640"/>
+                  <a:pt x="191925" y="443069"/>
+                  <a:pt x="152777" y="442405"/>
+                </a:cubicBezTo>
+                <a:lnTo>
+                  <a:pt x="152777" y="325459"/>
+                </a:lnTo>
+                <a:cubicBezTo>
+                  <a:pt x="200551" y="325459"/>
+                  <a:pt x="230078" y="323634"/>
+                  <a:pt x="241358" y="319985"/>
+                </a:cubicBezTo>
+                <a:cubicBezTo>
+                  <a:pt x="252638" y="316336"/>
+                  <a:pt x="260766" y="308373"/>
+                  <a:pt x="265742" y="296098"/>
+                </a:cubicBezTo>
+                <a:cubicBezTo>
+                  <a:pt x="270719" y="283823"/>
+                  <a:pt x="273207" y="264581"/>
+                  <a:pt x="273207" y="238371"/>
+                </a:cubicBezTo>
+                <a:lnTo>
+                  <a:pt x="273207" y="193583"/>
+                </a:lnTo>
+                <a:cubicBezTo>
+                  <a:pt x="273207" y="165384"/>
+                  <a:pt x="270304" y="146805"/>
+                  <a:pt x="264498" y="137847"/>
+                </a:cubicBezTo>
+                <a:cubicBezTo>
+                  <a:pt x="258692" y="128890"/>
+                  <a:pt x="249652" y="124411"/>
+                  <a:pt x="237376" y="124411"/>
+                </a:cubicBezTo>
+                <a:cubicBezTo>
+                  <a:pt x="223442" y="124411"/>
+                  <a:pt x="213904" y="129138"/>
+                  <a:pt x="208762" y="138594"/>
+                </a:cubicBezTo>
+                <a:cubicBezTo>
+                  <a:pt x="203620" y="148049"/>
+                  <a:pt x="201048" y="168204"/>
+                  <a:pt x="201048" y="199057"/>
+                </a:cubicBezTo>
+                <a:lnTo>
+                  <a:pt x="201048" y="265244"/>
+                </a:lnTo>
+                <a:lnTo>
+                  <a:pt x="0" y="265244"/>
+                </a:lnTo>
+                <a:lnTo>
+                  <a:pt x="0" y="196569"/>
+                </a:lnTo>
+                <a:cubicBezTo>
+                  <a:pt x="0" y="119600"/>
+                  <a:pt x="17584" y="67596"/>
+                  <a:pt x="52750" y="40558"/>
+                </a:cubicBezTo>
+                <a:cubicBezTo>
+                  <a:pt x="87917" y="13519"/>
+                  <a:pt x="143819" y="0"/>
+                  <a:pt x="220456" y="0"/>
+                </a:cubicBezTo>
+                <a:close/>
+              </a:path>
+            </a:pathLst>
+          </a:custGeom>
+          <a:solidFill>
+            <a:schemeClr val="bg1"/>
+          </a:solidFill>
+          <a:ln w="19050">
+            <a:solidFill>
+              <a:schemeClr val="tx1"/>
+            </a:solidFill>
+          </a:ln>
+        </p:spPr>
+        <p:style>
+          <a:lnRef idx="2">
+            <a:schemeClr val="accent1">
+              <a:shade val="50000"/>
+            </a:schemeClr>
+          </a:lnRef>
+          <a:fillRef idx="1">
+            <a:schemeClr val="accent1"/>
+          </a:fillRef>
+          <a:effectRef idx="0">
+            <a:schemeClr val="accent1"/>
+          </a:effectRef>
+          <a:fontRef idx="minor">
+            <a:schemeClr val="lt1"/>
+          </a:fontRef>
+        </p:style>
+        <p:txBody>
+          <a:bodyPr wrap="square" rtlCol="0" anchor="ctr">
+            <a:noAutofit/>
+          </a:bodyPr>
+          <a:lstStyle/>
+          <a:p>
+            <a:pPr algn="ctr"/>
+            <a:endParaRPr lang="ko-KR" altLang="en-US"/>
+          </a:p>
+        </p:txBody>
+      </p:sp>
+      <p:sp>
+        <p:nvSpPr>
+          <p:cNvPr id="10" name="자유형: 도형 9">
+            <a:extLst>
+              <a:ext uri="{FF2B5EF4-FFF2-40B4-BE49-F238E27FC236}">
+                <a16:creationId xmlns:a16="http://schemas.microsoft.com/office/drawing/2014/main" id="{818338CC-F21A-4F30-96C4-D25B13E49AC9}"/>
+              </a:ext>
+            </a:extLst>
+          </p:cNvPr>
+          <p:cNvSpPr/>
+          <p:nvPr/>
+        </p:nvSpPr>
+        <p:spPr>
+          <a:xfrm>
+            <a:off x="685640" y="702590"/>
+            <a:ext cx="1219965" cy="2115441"/>
+          </a:xfrm>
+          <a:custGeom>
+            <a:avLst/>
+            <a:gdLst/>
+            <a:ahLst/>
+            <a:cxnLst/>
+            <a:rect l="l" t="t" r="r" b="b"/>
+            <a:pathLst>
+              <a:path w="482715" h="837038">
+                <a:moveTo>
+                  <a:pt x="232898" y="0"/>
+                </a:moveTo>
+                <a:cubicBezTo>
+                  <a:pt x="286643" y="0"/>
+                  <a:pt x="330768" y="7465"/>
+                  <a:pt x="365271" y="22394"/>
+                </a:cubicBezTo>
+                <a:cubicBezTo>
+                  <a:pt x="399774" y="37324"/>
+                  <a:pt x="426481" y="58805"/>
+                  <a:pt x="445392" y="86839"/>
+                </a:cubicBezTo>
+                <a:cubicBezTo>
+                  <a:pt x="464302" y="114873"/>
+                  <a:pt x="475250" y="144317"/>
+                  <a:pt x="478236" y="175171"/>
+                </a:cubicBezTo>
+                <a:cubicBezTo>
+                  <a:pt x="481222" y="206025"/>
+                  <a:pt x="482715" y="265742"/>
+                  <a:pt x="482715" y="354323"/>
+                </a:cubicBezTo>
+                <a:lnTo>
+                  <a:pt x="482715" y="466293"/>
+                </a:lnTo>
+                <a:cubicBezTo>
+                  <a:pt x="482715" y="562172"/>
+                  <a:pt x="481388" y="626286"/>
+                  <a:pt x="478734" y="658632"/>
+                </a:cubicBezTo>
+                <a:cubicBezTo>
+                  <a:pt x="476080" y="690979"/>
+                  <a:pt x="464551" y="721584"/>
+                  <a:pt x="444147" y="750448"/>
+                </a:cubicBezTo>
+                <a:cubicBezTo>
+                  <a:pt x="423744" y="779311"/>
+                  <a:pt x="396125" y="800959"/>
+                  <a:pt x="361290" y="815390"/>
+                </a:cubicBezTo>
+                <a:cubicBezTo>
+                  <a:pt x="326455" y="829822"/>
+                  <a:pt x="286145" y="837038"/>
+                  <a:pt x="240362" y="837038"/>
+                </a:cubicBezTo>
+                <a:cubicBezTo>
+                  <a:pt x="183631" y="837038"/>
+                  <a:pt x="137267" y="827914"/>
+                  <a:pt x="101271" y="809667"/>
+                </a:cubicBezTo>
+                <a:cubicBezTo>
+                  <a:pt x="65274" y="791420"/>
+                  <a:pt x="39397" y="765709"/>
+                  <a:pt x="23638" y="732532"/>
+                </a:cubicBezTo>
+                <a:cubicBezTo>
+                  <a:pt x="7879" y="699356"/>
+                  <a:pt x="0" y="657554"/>
+                  <a:pt x="0" y="607126"/>
+                </a:cubicBezTo>
+                <a:lnTo>
+                  <a:pt x="201048" y="607126"/>
+                </a:lnTo>
+                <a:cubicBezTo>
+                  <a:pt x="201048" y="644615"/>
+                  <a:pt x="201546" y="668253"/>
+                  <a:pt x="202541" y="678040"/>
+                </a:cubicBezTo>
+                <a:cubicBezTo>
+                  <a:pt x="203536" y="687827"/>
+                  <a:pt x="207601" y="696039"/>
+                  <a:pt x="214734" y="702674"/>
+                </a:cubicBezTo>
+                <a:cubicBezTo>
+                  <a:pt x="221866" y="709309"/>
+                  <a:pt x="231570" y="712627"/>
+                  <a:pt x="243846" y="712627"/>
+                </a:cubicBezTo>
+                <a:cubicBezTo>
+                  <a:pt x="254130" y="712627"/>
+                  <a:pt x="262590" y="709475"/>
+                  <a:pt x="269225" y="703172"/>
+                </a:cubicBezTo>
+                <a:cubicBezTo>
+                  <a:pt x="275861" y="696868"/>
+                  <a:pt x="279593" y="688740"/>
+                  <a:pt x="280423" y="678787"/>
+                </a:cubicBezTo>
+                <a:cubicBezTo>
+                  <a:pt x="281252" y="668834"/>
+                  <a:pt x="281667" y="648762"/>
+                  <a:pt x="281667" y="618572"/>
+                </a:cubicBezTo>
+                <a:lnTo>
+                  <a:pt x="281667" y="490180"/>
+                </a:lnTo>
+                <a:cubicBezTo>
+                  <a:pt x="271714" y="511744"/>
+                  <a:pt x="256784" y="527918"/>
+                  <a:pt x="236879" y="538700"/>
+                </a:cubicBezTo>
+                <a:cubicBezTo>
+                  <a:pt x="216973" y="549482"/>
+                  <a:pt x="192257" y="554874"/>
+                  <a:pt x="162730" y="554874"/>
+                </a:cubicBezTo>
+                <a:cubicBezTo>
+                  <a:pt x="125904" y="554874"/>
+                  <a:pt x="93391" y="544921"/>
+                  <a:pt x="65191" y="525015"/>
+                </a:cubicBezTo>
+                <a:cubicBezTo>
+                  <a:pt x="36992" y="505109"/>
+                  <a:pt x="19076" y="481222"/>
+                  <a:pt x="11446" y="453354"/>
+                </a:cubicBezTo>
+                <a:cubicBezTo>
+                  <a:pt x="3815" y="425486"/>
+                  <a:pt x="0" y="387831"/>
+                  <a:pt x="0" y="340389"/>
+                </a:cubicBezTo>
+                <a:lnTo>
+                  <a:pt x="0" y="276193"/>
+                </a:lnTo>
+                <a:cubicBezTo>
+                  <a:pt x="0" y="219793"/>
+                  <a:pt x="2239" y="177825"/>
+                  <a:pt x="6718" y="150289"/>
+                </a:cubicBezTo>
+                <a:cubicBezTo>
+                  <a:pt x="11197" y="122753"/>
+                  <a:pt x="22726" y="97290"/>
+                  <a:pt x="41305" y="73901"/>
+                </a:cubicBezTo>
+                <a:cubicBezTo>
+                  <a:pt x="59883" y="50511"/>
+                  <a:pt x="85595" y="32347"/>
+                  <a:pt x="118439" y="19409"/>
+                </a:cubicBezTo>
+                <a:cubicBezTo>
+                  <a:pt x="151284" y="6470"/>
+                  <a:pt x="189437" y="0"/>
+                  <a:pt x="232898" y="0"/>
+                </a:cubicBezTo>
+                <a:close/>
+                <a:moveTo>
+                  <a:pt x="241855" y="123914"/>
+                </a:moveTo>
+                <a:cubicBezTo>
+                  <a:pt x="233229" y="123914"/>
+                  <a:pt x="224272" y="128144"/>
+                  <a:pt x="214982" y="136604"/>
+                </a:cubicBezTo>
+                <a:cubicBezTo>
+                  <a:pt x="205693" y="145064"/>
+                  <a:pt x="201048" y="167872"/>
+                  <a:pt x="201048" y="205030"/>
+                </a:cubicBezTo>
+                <a:lnTo>
+                  <a:pt x="201048" y="355816"/>
+                </a:lnTo>
+                <a:cubicBezTo>
+                  <a:pt x="201048" y="389656"/>
+                  <a:pt x="205444" y="410557"/>
+                  <a:pt x="214236" y="418519"/>
+                </a:cubicBezTo>
+                <a:cubicBezTo>
+                  <a:pt x="223028" y="426481"/>
+                  <a:pt x="232068" y="430463"/>
+                  <a:pt x="241357" y="430463"/>
+                </a:cubicBezTo>
+                <a:cubicBezTo>
+                  <a:pt x="255291" y="430463"/>
+                  <a:pt x="265493" y="425403"/>
+                  <a:pt x="271963" y="415284"/>
+                </a:cubicBezTo>
+                <a:cubicBezTo>
+                  <a:pt x="278432" y="405166"/>
+                  <a:pt x="281667" y="385343"/>
+                  <a:pt x="281667" y="355816"/>
+                </a:cubicBezTo>
+                <a:lnTo>
+                  <a:pt x="281667" y="210006"/>
+                </a:lnTo>
+                <a:cubicBezTo>
+                  <a:pt x="281667" y="174508"/>
+                  <a:pt x="278598" y="151284"/>
+                  <a:pt x="272460" y="140336"/>
+                </a:cubicBezTo>
+                <a:cubicBezTo>
+                  <a:pt x="266323" y="129388"/>
+                  <a:pt x="256121" y="123914"/>
+                  <a:pt x="241855" y="123914"/>
+                </a:cubicBezTo>
+                <a:close/>
+              </a:path>
+            </a:pathLst>
+          </a:custGeom>
+          <a:solidFill>
+            <a:schemeClr val="bg1"/>
+          </a:solidFill>
+          <a:ln w="19050">
+            <a:solidFill>
+              <a:schemeClr val="tx1"/>
+            </a:solidFill>
+          </a:ln>
+        </p:spPr>
+        <p:style>
+          <a:lnRef idx="2">
+            <a:schemeClr val="accent1">
+              <a:shade val="50000"/>
+            </a:schemeClr>
+          </a:lnRef>
+          <a:fillRef idx="1">
+            <a:schemeClr val="accent1"/>
+          </a:fillRef>
+          <a:effectRef idx="0">
+            <a:schemeClr val="accent1"/>
+          </a:effectRef>
+          <a:fontRef idx="minor">
+            <a:schemeClr val="lt1"/>
+          </a:fontRef>
+        </p:style>
+        <p:txBody>
+          <a:bodyPr wrap="square" rtlCol="0" anchor="ctr">
+            <a:noAutofit/>
+          </a:bodyPr>
+          <a:lstStyle/>
+          <a:p>
+            <a:pPr algn="ctr"/>
+            <a:endParaRPr lang="ko-KR" altLang="en-US"/>
+          </a:p>
+        </p:txBody>
+      </p:sp>
+      <p:sp>
+        <p:nvSpPr>
+          <p:cNvPr id="9" name="자유형: 도형 8">
+            <a:extLst>
+              <a:ext uri="{FF2B5EF4-FFF2-40B4-BE49-F238E27FC236}">
+                <a16:creationId xmlns:a16="http://schemas.microsoft.com/office/drawing/2014/main" id="{9AE1DD5D-FBAC-4B91-9F66-5283A4E88B65}"/>
+              </a:ext>
+            </a:extLst>
+          </p:cNvPr>
+          <p:cNvSpPr/>
+          <p:nvPr/>
+        </p:nvSpPr>
+        <p:spPr>
+          <a:xfrm>
+            <a:off x="2438282" y="702591"/>
+            <a:ext cx="1209905" cy="2114182"/>
+          </a:xfrm>
+          <a:custGeom>
+            <a:avLst/>
+            <a:gdLst/>
+            <a:ahLst/>
+            <a:cxnLst/>
+            <a:rect l="l" t="t" r="r" b="b"/>
+            <a:pathLst>
+              <a:path w="478734" h="836540">
+                <a:moveTo>
+                  <a:pt x="237376" y="0"/>
+                </a:moveTo>
+                <a:cubicBezTo>
+                  <a:pt x="325957" y="0"/>
+                  <a:pt x="387167" y="18400"/>
+                  <a:pt x="421007" y="55200"/>
+                </a:cubicBezTo>
+                <a:cubicBezTo>
+                  <a:pt x="454847" y="92000"/>
+                  <a:pt x="471767" y="144548"/>
+                  <a:pt x="471767" y="212844"/>
+                </a:cubicBezTo>
+                <a:cubicBezTo>
+                  <a:pt x="471767" y="256279"/>
+                  <a:pt x="466210" y="287610"/>
+                  <a:pt x="455096" y="306837"/>
+                </a:cubicBezTo>
+                <a:cubicBezTo>
+                  <a:pt x="443982" y="326064"/>
+                  <a:pt x="421173" y="345127"/>
+                  <a:pt x="386670" y="364027"/>
+                </a:cubicBezTo>
+                <a:cubicBezTo>
+                  <a:pt x="416196" y="375976"/>
+                  <a:pt x="438922" y="393817"/>
+                  <a:pt x="454847" y="417551"/>
+                </a:cubicBezTo>
+                <a:cubicBezTo>
+                  <a:pt x="470771" y="441285"/>
+                  <a:pt x="478734" y="497797"/>
+                  <a:pt x="478734" y="587088"/>
+                </a:cubicBezTo>
+                <a:cubicBezTo>
+                  <a:pt x="478734" y="652150"/>
+                  <a:pt x="472430" y="700116"/>
+                  <a:pt x="459823" y="730985"/>
+                </a:cubicBezTo>
+                <a:cubicBezTo>
+                  <a:pt x="447216" y="761855"/>
+                  <a:pt x="422666" y="787165"/>
+                  <a:pt x="386172" y="806915"/>
+                </a:cubicBezTo>
+                <a:cubicBezTo>
+                  <a:pt x="349678" y="826665"/>
+                  <a:pt x="300743" y="836540"/>
+                  <a:pt x="239367" y="836540"/>
+                </a:cubicBezTo>
+                <a:cubicBezTo>
+                  <a:pt x="179650" y="836540"/>
+                  <a:pt x="132374" y="827080"/>
+                  <a:pt x="97538" y="808159"/>
+                </a:cubicBezTo>
+                <a:cubicBezTo>
+                  <a:pt x="62703" y="789238"/>
+                  <a:pt x="37738" y="764177"/>
+                  <a:pt x="22643" y="732976"/>
+                </a:cubicBezTo>
+                <a:cubicBezTo>
+                  <a:pt x="7548" y="701774"/>
+                  <a:pt x="0" y="649825"/>
+                  <a:pt x="0" y="577128"/>
+                </a:cubicBezTo>
+                <a:cubicBezTo>
+                  <a:pt x="0" y="528333"/>
+                  <a:pt x="3733" y="486011"/>
+                  <a:pt x="11197" y="450162"/>
+                </a:cubicBezTo>
+                <a:cubicBezTo>
+                  <a:pt x="18662" y="414314"/>
+                  <a:pt x="42134" y="385602"/>
+                  <a:pt x="81614" y="364027"/>
+                </a:cubicBezTo>
+                <a:cubicBezTo>
+                  <a:pt x="56732" y="352094"/>
+                  <a:pt x="38070" y="333114"/>
+                  <a:pt x="25629" y="307086"/>
+                </a:cubicBezTo>
+                <a:cubicBezTo>
+                  <a:pt x="13188" y="281058"/>
+                  <a:pt x="6967" y="247988"/>
+                  <a:pt x="6967" y="207876"/>
+                </a:cubicBezTo>
+                <a:cubicBezTo>
+                  <a:pt x="6967" y="138584"/>
+                  <a:pt x="26210" y="86615"/>
+                  <a:pt x="64694" y="51969"/>
+                </a:cubicBezTo>
+                <a:cubicBezTo>
+                  <a:pt x="103179" y="17323"/>
+                  <a:pt x="160739" y="0"/>
+                  <a:pt x="237376" y="0"/>
+                </a:cubicBezTo>
+                <a:close/>
+                <a:moveTo>
+                  <a:pt x="238869" y="123914"/>
+                </a:moveTo>
+                <a:cubicBezTo>
+                  <a:pt x="225599" y="123914"/>
+                  <a:pt x="216641" y="128641"/>
+                  <a:pt x="211997" y="138097"/>
+                </a:cubicBezTo>
+                <a:cubicBezTo>
+                  <a:pt x="207352" y="147552"/>
+                  <a:pt x="205030" y="165218"/>
+                  <a:pt x="205030" y="191096"/>
+                </a:cubicBezTo>
+                <a:lnTo>
+                  <a:pt x="205030" y="252306"/>
+                </a:lnTo>
+                <a:cubicBezTo>
+                  <a:pt x="205030" y="276525"/>
+                  <a:pt x="207684" y="293279"/>
+                  <a:pt x="212992" y="302568"/>
+                </a:cubicBezTo>
+                <a:cubicBezTo>
+                  <a:pt x="218300" y="311857"/>
+                  <a:pt x="227258" y="316502"/>
+                  <a:pt x="239865" y="316502"/>
+                </a:cubicBezTo>
+                <a:cubicBezTo>
+                  <a:pt x="253135" y="316502"/>
+                  <a:pt x="262093" y="311940"/>
+                  <a:pt x="266737" y="302817"/>
+                </a:cubicBezTo>
+                <a:cubicBezTo>
+                  <a:pt x="271382" y="293693"/>
+                  <a:pt x="273704" y="274866"/>
+                  <a:pt x="273704" y="246334"/>
+                </a:cubicBezTo>
+                <a:lnTo>
+                  <a:pt x="273704" y="191096"/>
+                </a:lnTo>
+                <a:cubicBezTo>
+                  <a:pt x="273704" y="163891"/>
+                  <a:pt x="271299" y="145893"/>
+                  <a:pt x="266489" y="137101"/>
+                </a:cubicBezTo>
+                <a:cubicBezTo>
+                  <a:pt x="261678" y="128310"/>
+                  <a:pt x="252472" y="123914"/>
+                  <a:pt x="238869" y="123914"/>
+                </a:cubicBezTo>
+                <a:close/>
+                <a:moveTo>
+                  <a:pt x="238372" y="449373"/>
+                </a:moveTo>
+                <a:cubicBezTo>
+                  <a:pt x="225101" y="449373"/>
+                  <a:pt x="215563" y="454267"/>
+                  <a:pt x="209757" y="464054"/>
+                </a:cubicBezTo>
+                <a:cubicBezTo>
+                  <a:pt x="203951" y="473841"/>
+                  <a:pt x="201048" y="494493"/>
+                  <a:pt x="201048" y="526010"/>
+                </a:cubicBezTo>
+                <a:lnTo>
+                  <a:pt x="201048" y="630516"/>
+                </a:lnTo>
+                <a:cubicBezTo>
+                  <a:pt x="201048" y="665351"/>
+                  <a:pt x="204283" y="687745"/>
+                  <a:pt x="210752" y="697697"/>
+                </a:cubicBezTo>
+                <a:cubicBezTo>
+                  <a:pt x="217222" y="707650"/>
+                  <a:pt x="227424" y="712627"/>
+                  <a:pt x="241358" y="712627"/>
+                </a:cubicBezTo>
+                <a:cubicBezTo>
+                  <a:pt x="255623" y="712627"/>
+                  <a:pt x="265245" y="707567"/>
+                  <a:pt x="270221" y="697449"/>
+                </a:cubicBezTo>
+                <a:cubicBezTo>
+                  <a:pt x="275197" y="687330"/>
+                  <a:pt x="277686" y="664521"/>
+                  <a:pt x="277686" y="629023"/>
+                </a:cubicBezTo>
+                <a:lnTo>
+                  <a:pt x="277686" y="526010"/>
+                </a:lnTo>
+                <a:cubicBezTo>
+                  <a:pt x="277686" y="495156"/>
+                  <a:pt x="274534" y="474670"/>
+                  <a:pt x="268230" y="464551"/>
+                </a:cubicBezTo>
+                <a:cubicBezTo>
+                  <a:pt x="261927" y="454432"/>
+                  <a:pt x="251974" y="449373"/>
+                  <a:pt x="238372" y="449373"/>
+                </a:cubicBezTo>
+                <a:close/>
+              </a:path>
+            </a:pathLst>
+          </a:custGeom>
+          <a:solidFill>
+            <a:schemeClr val="bg1"/>
+          </a:solidFill>
+          <a:ln w="19050">
+            <a:solidFill>
+              <a:schemeClr val="tx1"/>
+            </a:solidFill>
+          </a:ln>
+        </p:spPr>
+        <p:style>
+          <a:lnRef idx="2">
+            <a:schemeClr val="accent1">
+              <a:shade val="50000"/>
+            </a:schemeClr>
+          </a:lnRef>
+          <a:fillRef idx="1">
+            <a:schemeClr val="accent1"/>
+          </a:fillRef>
+          <a:effectRef idx="0">
+            <a:schemeClr val="accent1"/>
+          </a:effectRef>
+          <a:fontRef idx="minor">
+            <a:schemeClr val="lt1"/>
+          </a:fontRef>
+        </p:style>
+        <p:txBody>
+          <a:bodyPr wrap="square" rtlCol="0" anchor="ctr">
+            <a:noAutofit/>
+          </a:bodyPr>
+          <a:lstStyle/>
+          <a:p>
+            <a:pPr algn="ctr"/>
+            <a:endParaRPr lang="ko-KR" altLang="en-US"/>
+          </a:p>
+        </p:txBody>
+      </p:sp>
+      <p:sp>
+        <p:nvSpPr>
+          <p:cNvPr id="8" name="자유형: 도형 7">
+            <a:extLst>
+              <a:ext uri="{FF2B5EF4-FFF2-40B4-BE49-F238E27FC236}">
+                <a16:creationId xmlns:a16="http://schemas.microsoft.com/office/drawing/2014/main" id="{7EFBA6BC-F772-4ACC-8A69-4B66550A82A4}"/>
+              </a:ext>
+            </a:extLst>
+          </p:cNvPr>
+          <p:cNvSpPr/>
+          <p:nvPr/>
+        </p:nvSpPr>
+        <p:spPr>
+          <a:xfrm>
+            <a:off x="4228855" y="3561203"/>
+            <a:ext cx="1163369" cy="2075194"/>
+          </a:xfrm>
+          <a:custGeom>
+            <a:avLst/>
+            <a:gdLst/>
+            <a:ahLst/>
+            <a:cxnLst/>
+            <a:rect l="l" t="t" r="r" b="b"/>
+            <a:pathLst>
+              <a:path w="460321" h="821113">
+                <a:moveTo>
+                  <a:pt x="217471" y="0"/>
+                </a:moveTo>
+                <a:cubicBezTo>
+                  <a:pt x="297426" y="0"/>
+                  <a:pt x="357890" y="19823"/>
+                  <a:pt x="398862" y="59469"/>
+                </a:cubicBezTo>
+                <a:cubicBezTo>
+                  <a:pt x="439835" y="99115"/>
+                  <a:pt x="460321" y="149294"/>
+                  <a:pt x="460321" y="210006"/>
+                </a:cubicBezTo>
+                <a:cubicBezTo>
+                  <a:pt x="460321" y="256121"/>
+                  <a:pt x="448791" y="304890"/>
+                  <a:pt x="425731" y="356314"/>
+                </a:cubicBezTo>
+                <a:cubicBezTo>
+                  <a:pt x="402671" y="407737"/>
+                  <a:pt x="334739" y="516887"/>
+                  <a:pt x="221934" y="683763"/>
+                </a:cubicBezTo>
+                <a:lnTo>
+                  <a:pt x="442406" y="683763"/>
+                </a:lnTo>
+                <a:lnTo>
+                  <a:pt x="442406" y="821113"/>
+                </a:lnTo>
+                <a:lnTo>
+                  <a:pt x="0" y="821113"/>
+                </a:lnTo>
+                <a:lnTo>
+                  <a:pt x="125" y="706157"/>
+                </a:lnTo>
+                <a:cubicBezTo>
+                  <a:pt x="131171" y="491839"/>
+                  <a:pt x="209052" y="359217"/>
+                  <a:pt x="233769" y="308291"/>
+                </a:cubicBezTo>
+                <a:cubicBezTo>
+                  <a:pt x="258485" y="257365"/>
+                  <a:pt x="270843" y="217637"/>
+                  <a:pt x="270843" y="189105"/>
+                </a:cubicBezTo>
+                <a:cubicBezTo>
+                  <a:pt x="270843" y="167209"/>
+                  <a:pt x="267106" y="150870"/>
+                  <a:pt x="259631" y="140087"/>
+                </a:cubicBezTo>
+                <a:cubicBezTo>
+                  <a:pt x="252156" y="129305"/>
+                  <a:pt x="240777" y="123914"/>
+                  <a:pt x="225495" y="123914"/>
+                </a:cubicBezTo>
+                <a:cubicBezTo>
+                  <a:pt x="210214" y="123914"/>
+                  <a:pt x="198835" y="129886"/>
+                  <a:pt x="191360" y="141829"/>
+                </a:cubicBezTo>
+                <a:cubicBezTo>
+                  <a:pt x="183885" y="153772"/>
+                  <a:pt x="180148" y="177493"/>
+                  <a:pt x="180148" y="212992"/>
+                </a:cubicBezTo>
+                <a:lnTo>
+                  <a:pt x="180148" y="289629"/>
+                </a:lnTo>
+                <a:lnTo>
+                  <a:pt x="0" y="289629"/>
+                </a:lnTo>
+                <a:lnTo>
+                  <a:pt x="0" y="260268"/>
+                </a:lnTo>
+                <a:cubicBezTo>
+                  <a:pt x="0" y="215149"/>
+                  <a:pt x="2323" y="179567"/>
+                  <a:pt x="6967" y="153524"/>
+                </a:cubicBezTo>
+                <a:cubicBezTo>
+                  <a:pt x="11612" y="127480"/>
+                  <a:pt x="23058" y="101852"/>
+                  <a:pt x="41305" y="76638"/>
+                </a:cubicBezTo>
+                <a:cubicBezTo>
+                  <a:pt x="59552" y="51424"/>
+                  <a:pt x="83273" y="32347"/>
+                  <a:pt x="112468" y="19409"/>
+                </a:cubicBezTo>
+                <a:cubicBezTo>
+                  <a:pt x="141663" y="6470"/>
+                  <a:pt x="176664" y="0"/>
+                  <a:pt x="217471" y="0"/>
+                </a:cubicBezTo>
+                <a:close/>
+              </a:path>
+            </a:pathLst>
+          </a:custGeom>
+          <a:solidFill>
+            <a:schemeClr val="bg1"/>
+          </a:solidFill>
+          <a:ln w="19050">
+            <a:solidFill>
+              <a:schemeClr val="tx1"/>
+            </a:solidFill>
+          </a:ln>
+        </p:spPr>
+        <p:style>
+          <a:lnRef idx="2">
+            <a:schemeClr val="accent1">
+              <a:shade val="50000"/>
+            </a:schemeClr>
+          </a:lnRef>
+          <a:fillRef idx="1">
+            <a:schemeClr val="accent1"/>
+          </a:fillRef>
+          <a:effectRef idx="0">
+            <a:schemeClr val="accent1"/>
+          </a:effectRef>
+          <a:fontRef idx="minor">
+            <a:schemeClr val="lt1"/>
+          </a:fontRef>
+        </p:style>
+        <p:txBody>
+          <a:bodyPr wrap="square" rtlCol="0" anchor="ctr">
+            <a:noAutofit/>
+          </a:bodyPr>
+          <a:lstStyle/>
+          <a:p>
+            <a:pPr algn="ctr"/>
+            <a:endParaRPr lang="ko-KR" altLang="en-US"/>
+          </a:p>
+        </p:txBody>
+      </p:sp>
+      <p:sp>
+        <p:nvSpPr>
+          <p:cNvPr id="7" name="자유형: 도형 6">
+            <a:extLst>
+              <a:ext uri="{FF2B5EF4-FFF2-40B4-BE49-F238E27FC236}">
+                <a16:creationId xmlns:a16="http://schemas.microsoft.com/office/drawing/2014/main" id="{C24BCC26-30D1-48C7-ABF1-315EFFE927D9}"/>
+              </a:ext>
+            </a:extLst>
+          </p:cNvPr>
+          <p:cNvSpPr/>
+          <p:nvPr/>
+        </p:nvSpPr>
+        <p:spPr>
+          <a:xfrm>
+            <a:off x="4257409" y="741578"/>
+            <a:ext cx="970942" cy="2036206"/>
+          </a:xfrm>
+          <a:custGeom>
+            <a:avLst/>
+            <a:gdLst/>
+            <a:ahLst/>
+            <a:cxnLst/>
+            <a:rect l="l" t="t" r="r" b="b"/>
+            <a:pathLst>
+              <a:path w="384181" h="805686">
+                <a:moveTo>
+                  <a:pt x="0" y="0"/>
+                </a:moveTo>
+                <a:lnTo>
+                  <a:pt x="384181" y="0"/>
+                </a:lnTo>
+                <a:lnTo>
+                  <a:pt x="384181" y="175544"/>
+                </a:lnTo>
+                <a:lnTo>
+                  <a:pt x="255788" y="805686"/>
+                </a:lnTo>
+                <a:lnTo>
+                  <a:pt x="55736" y="805686"/>
+                </a:lnTo>
+                <a:lnTo>
+                  <a:pt x="198808" y="144815"/>
+                </a:lnTo>
+                <a:lnTo>
+                  <a:pt x="0" y="144815"/>
+                </a:lnTo>
+                <a:lnTo>
+                  <a:pt x="0" y="0"/>
+                </a:lnTo>
+                <a:close/>
+              </a:path>
+            </a:pathLst>
+          </a:custGeom>
+          <a:solidFill>
+            <a:schemeClr val="bg1"/>
+          </a:solidFill>
+          <a:ln w="19050">
+            <a:solidFill>
+              <a:schemeClr val="tx1"/>
+            </a:solidFill>
+          </a:ln>
+        </p:spPr>
+        <p:style>
+          <a:lnRef idx="2">
+            <a:schemeClr val="accent1">
+              <a:shade val="50000"/>
+            </a:schemeClr>
+          </a:lnRef>
+          <a:fillRef idx="1">
+            <a:schemeClr val="accent1"/>
+          </a:fillRef>
+          <a:effectRef idx="0">
+            <a:schemeClr val="accent1"/>
+          </a:effectRef>
+          <a:fontRef idx="minor">
+            <a:schemeClr val="lt1"/>
+          </a:fontRef>
+        </p:style>
+        <p:txBody>
+          <a:bodyPr wrap="square" rtlCol="0" anchor="ctr">
+            <a:noAutofit/>
+          </a:bodyPr>
+          <a:lstStyle/>
+          <a:p>
+            <a:pPr algn="ctr"/>
+            <a:endParaRPr lang="ko-KR" altLang="en-US"/>
+          </a:p>
+        </p:txBody>
+      </p:sp>
+      <p:sp>
+        <p:nvSpPr>
+          <p:cNvPr id="6" name="자유형: 도형 5">
+            <a:extLst>
+              <a:ext uri="{FF2B5EF4-FFF2-40B4-BE49-F238E27FC236}">
+                <a16:creationId xmlns:a16="http://schemas.microsoft.com/office/drawing/2014/main" id="{90FD4EA4-B29F-4E84-AC58-BBDF5200A092}"/>
+              </a:ext>
+            </a:extLst>
+          </p:cNvPr>
+          <p:cNvSpPr/>
+          <p:nvPr/>
+        </p:nvSpPr>
+        <p:spPr>
+          <a:xfrm>
+            <a:off x="7513808" y="741582"/>
+            <a:ext cx="1216193" cy="2075194"/>
+          </a:xfrm>
+          <a:custGeom>
+            <a:avLst/>
+            <a:gdLst/>
+            <a:ahLst/>
+            <a:cxnLst/>
+            <a:rect l="l" t="t" r="r" b="b"/>
+            <a:pathLst>
+              <a:path w="481222" h="821113">
+                <a:moveTo>
+                  <a:pt x="10451" y="0"/>
+                </a:moveTo>
+                <a:lnTo>
+                  <a:pt x="441908" y="0"/>
+                </a:lnTo>
+                <a:lnTo>
+                  <a:pt x="441908" y="128890"/>
+                </a:lnTo>
+                <a:lnTo>
+                  <a:pt x="192588" y="128890"/>
+                </a:lnTo>
+                <a:lnTo>
+                  <a:pt x="192588" y="265742"/>
+                </a:lnTo>
+                <a:cubicBezTo>
+                  <a:pt x="223774" y="228917"/>
+                  <a:pt x="263917" y="210504"/>
+                  <a:pt x="313018" y="210504"/>
+                </a:cubicBezTo>
+                <a:cubicBezTo>
+                  <a:pt x="368423" y="210504"/>
+                  <a:pt x="410308" y="226014"/>
+                  <a:pt x="438673" y="257034"/>
+                </a:cubicBezTo>
+                <a:cubicBezTo>
+                  <a:pt x="467039" y="288053"/>
+                  <a:pt x="481222" y="347688"/>
+                  <a:pt x="481222" y="435937"/>
+                </a:cubicBezTo>
+                <a:lnTo>
+                  <a:pt x="481222" y="550892"/>
+                </a:lnTo>
+                <a:cubicBezTo>
+                  <a:pt x="481222" y="607956"/>
+                  <a:pt x="478485" y="649841"/>
+                  <a:pt x="473011" y="676548"/>
+                </a:cubicBezTo>
+                <a:cubicBezTo>
+                  <a:pt x="467537" y="703254"/>
+                  <a:pt x="455842" y="727971"/>
+                  <a:pt x="437927" y="750697"/>
+                </a:cubicBezTo>
+                <a:cubicBezTo>
+                  <a:pt x="420012" y="773422"/>
+                  <a:pt x="395047" y="790840"/>
+                  <a:pt x="363031" y="802949"/>
+                </a:cubicBezTo>
+                <a:cubicBezTo>
+                  <a:pt x="331016" y="815058"/>
+                  <a:pt x="291951" y="821113"/>
+                  <a:pt x="245836" y="821113"/>
+                </a:cubicBezTo>
+                <a:cubicBezTo>
+                  <a:pt x="194081" y="821113"/>
+                  <a:pt x="148464" y="812073"/>
+                  <a:pt x="108984" y="793992"/>
+                </a:cubicBezTo>
+                <a:cubicBezTo>
+                  <a:pt x="69504" y="775910"/>
+                  <a:pt x="41470" y="748955"/>
+                  <a:pt x="24882" y="713124"/>
+                </a:cubicBezTo>
+                <a:cubicBezTo>
+                  <a:pt x="8294" y="677294"/>
+                  <a:pt x="0" y="621890"/>
+                  <a:pt x="0" y="546911"/>
+                </a:cubicBezTo>
+                <a:lnTo>
+                  <a:pt x="0" y="503119"/>
+                </a:lnTo>
+                <a:lnTo>
+                  <a:pt x="201048" y="503119"/>
+                </a:lnTo>
+                <a:lnTo>
+                  <a:pt x="201048" y="553381"/>
+                </a:lnTo>
+                <a:cubicBezTo>
+                  <a:pt x="201048" y="605467"/>
+                  <a:pt x="202873" y="642459"/>
+                  <a:pt x="206522" y="664355"/>
+                </a:cubicBezTo>
+                <a:cubicBezTo>
+                  <a:pt x="210172" y="686252"/>
+                  <a:pt x="222779" y="697200"/>
+                  <a:pt x="244343" y="697200"/>
+                </a:cubicBezTo>
+                <a:cubicBezTo>
+                  <a:pt x="254296" y="697200"/>
+                  <a:pt x="262341" y="694048"/>
+                  <a:pt x="268479" y="687745"/>
+                </a:cubicBezTo>
+                <a:cubicBezTo>
+                  <a:pt x="274617" y="681441"/>
+                  <a:pt x="277934" y="674640"/>
+                  <a:pt x="278432" y="667341"/>
+                </a:cubicBezTo>
+                <a:cubicBezTo>
+                  <a:pt x="278930" y="660042"/>
+                  <a:pt x="279510" y="628359"/>
+                  <a:pt x="280174" y="572291"/>
+                </a:cubicBezTo>
+                <a:lnTo>
+                  <a:pt x="280174" y="412547"/>
+                </a:lnTo>
+                <a:cubicBezTo>
+                  <a:pt x="280174" y="382357"/>
+                  <a:pt x="277022" y="361788"/>
+                  <a:pt x="270718" y="350839"/>
+                </a:cubicBezTo>
+                <a:cubicBezTo>
+                  <a:pt x="264415" y="339891"/>
+                  <a:pt x="253964" y="334417"/>
+                  <a:pt x="239367" y="334417"/>
+                </a:cubicBezTo>
+                <a:cubicBezTo>
+                  <a:pt x="230078" y="334417"/>
+                  <a:pt x="222281" y="337237"/>
+                  <a:pt x="215978" y="342877"/>
+                </a:cubicBezTo>
+                <a:cubicBezTo>
+                  <a:pt x="209674" y="348517"/>
+                  <a:pt x="205610" y="354572"/>
+                  <a:pt x="203785" y="361041"/>
+                </a:cubicBezTo>
+                <a:cubicBezTo>
+                  <a:pt x="201961" y="367511"/>
+                  <a:pt x="201048" y="382523"/>
+                  <a:pt x="201048" y="406078"/>
+                </a:cubicBezTo>
+                <a:lnTo>
+                  <a:pt x="1991" y="406078"/>
+                </a:lnTo>
+                <a:lnTo>
+                  <a:pt x="10451" y="0"/>
+                </a:lnTo>
+                <a:close/>
+              </a:path>
+            </a:pathLst>
+          </a:custGeom>
+          <a:solidFill>
+            <a:schemeClr val="bg1"/>
+          </a:solidFill>
+          <a:ln w="19050">
+            <a:solidFill>
+              <a:schemeClr val="tx1"/>
+            </a:solidFill>
+          </a:ln>
+        </p:spPr>
+        <p:style>
+          <a:lnRef idx="2">
+            <a:schemeClr val="accent1">
+              <a:shade val="50000"/>
+            </a:schemeClr>
+          </a:lnRef>
+          <a:fillRef idx="1">
+            <a:schemeClr val="accent1"/>
+          </a:fillRef>
+          <a:effectRef idx="0">
+            <a:schemeClr val="accent1"/>
+          </a:effectRef>
+          <a:fontRef idx="minor">
+            <a:schemeClr val="lt1"/>
+          </a:fontRef>
+        </p:style>
+        <p:txBody>
+          <a:bodyPr wrap="square" rtlCol="0" anchor="ctr">
+            <a:noAutofit/>
+          </a:bodyPr>
+          <a:lstStyle/>
+          <a:p>
+            <a:pPr algn="ctr"/>
+            <a:endParaRPr lang="ko-KR" altLang="en-US"/>
+          </a:p>
+        </p:txBody>
+      </p:sp>
+      <p:sp>
+        <p:nvSpPr>
+          <p:cNvPr id="5" name="자유형: 도형 4">
+            <a:extLst>
+              <a:ext uri="{FF2B5EF4-FFF2-40B4-BE49-F238E27FC236}">
+                <a16:creationId xmlns:a16="http://schemas.microsoft.com/office/drawing/2014/main" id="{915203A8-F6F4-4B33-B37E-C1B65C988EC4}"/>
+              </a:ext>
+            </a:extLst>
+          </p:cNvPr>
+          <p:cNvSpPr/>
+          <p:nvPr/>
+        </p:nvSpPr>
+        <p:spPr>
+          <a:xfrm>
+            <a:off x="649165" y="3600187"/>
+            <a:ext cx="1256440" cy="2036206"/>
+          </a:xfrm>
+          <a:custGeom>
+            <a:avLst/>
+            <a:gdLst/>
+            <a:ahLst/>
+            <a:cxnLst/>
+            <a:rect l="l" t="t" r="r" b="b"/>
+            <a:pathLst>
+              <a:path w="497147" h="805686">
+                <a:moveTo>
+                  <a:pt x="173678" y="0"/>
+                </a:moveTo>
+                <a:lnTo>
+                  <a:pt x="439918" y="0"/>
+                </a:lnTo>
+                <a:lnTo>
+                  <a:pt x="439918" y="526508"/>
+                </a:lnTo>
+                <a:lnTo>
+                  <a:pt x="497147" y="526508"/>
+                </a:lnTo>
+                <a:lnTo>
+                  <a:pt x="497147" y="663858"/>
+                </a:lnTo>
+                <a:lnTo>
+                  <a:pt x="439918" y="663858"/>
+                </a:lnTo>
+                <a:lnTo>
+                  <a:pt x="439918" y="805686"/>
+                </a:lnTo>
+                <a:lnTo>
+                  <a:pt x="238869" y="805686"/>
+                </a:lnTo>
+                <a:lnTo>
+                  <a:pt x="238869" y="663858"/>
+                </a:lnTo>
+                <a:lnTo>
+                  <a:pt x="0" y="663858"/>
+                </a:lnTo>
+                <a:lnTo>
+                  <a:pt x="0" y="526508"/>
+                </a:lnTo>
+                <a:lnTo>
+                  <a:pt x="173678" y="0"/>
+                </a:lnTo>
+                <a:close/>
+                <a:moveTo>
+                  <a:pt x="238869" y="183631"/>
+                </a:moveTo>
+                <a:lnTo>
+                  <a:pt x="150040" y="526508"/>
+                </a:lnTo>
+                <a:lnTo>
+                  <a:pt x="238869" y="526508"/>
+                </a:lnTo>
+                <a:lnTo>
+                  <a:pt x="238869" y="183631"/>
+                </a:lnTo>
+                <a:close/>
+              </a:path>
+            </a:pathLst>
+          </a:custGeom>
+          <a:solidFill>
+            <a:schemeClr val="bg1"/>
+          </a:solidFill>
+          <a:ln w="19050">
+            <a:solidFill>
+              <a:schemeClr val="tx1"/>
+            </a:solidFill>
+          </a:ln>
+        </p:spPr>
+        <p:style>
+          <a:lnRef idx="2">
+            <a:schemeClr val="accent1">
+              <a:shade val="50000"/>
+            </a:schemeClr>
+          </a:lnRef>
+          <a:fillRef idx="1">
+            <a:schemeClr val="accent1"/>
+          </a:fillRef>
+          <a:effectRef idx="0">
+            <a:schemeClr val="accent1"/>
+          </a:effectRef>
+          <a:fontRef idx="minor">
+            <a:schemeClr val="lt1"/>
+          </a:fontRef>
+        </p:style>
+        <p:txBody>
+          <a:bodyPr wrap="square" rtlCol="0" anchor="ctr">
+            <a:noAutofit/>
+          </a:bodyPr>
+          <a:lstStyle/>
+          <a:p>
+            <a:pPr algn="ctr"/>
+            <a:endParaRPr lang="ko-KR" altLang="en-US"/>
+          </a:p>
+        </p:txBody>
+      </p:sp>
+      <p:sp>
+        <p:nvSpPr>
+          <p:cNvPr id="4" name="자유형: 도형 3">
+            <a:extLst>
+              <a:ext uri="{FF2B5EF4-FFF2-40B4-BE49-F238E27FC236}">
+                <a16:creationId xmlns:a16="http://schemas.microsoft.com/office/drawing/2014/main" id="{7E321B6F-8E66-4406-BFE2-2913517645CD}"/>
+              </a:ext>
+            </a:extLst>
+          </p:cNvPr>
+          <p:cNvSpPr/>
+          <p:nvPr/>
+        </p:nvSpPr>
+        <p:spPr>
+          <a:xfrm>
+            <a:off x="5937587" y="3600187"/>
+            <a:ext cx="859006" cy="2036206"/>
+          </a:xfrm>
+          <a:custGeom>
+            <a:avLst/>
+            <a:gdLst/>
+            <a:ahLst/>
+            <a:cxnLst/>
+            <a:rect l="l" t="t" r="r" b="b"/>
+            <a:pathLst>
+              <a:path w="339891" h="805686">
+                <a:moveTo>
+                  <a:pt x="221452" y="0"/>
+                </a:moveTo>
+                <a:lnTo>
+                  <a:pt x="339891" y="0"/>
+                </a:lnTo>
+                <a:lnTo>
+                  <a:pt x="339891" y="805686"/>
+                </a:lnTo>
+                <a:lnTo>
+                  <a:pt x="138843" y="805686"/>
+                </a:lnTo>
+                <a:lnTo>
+                  <a:pt x="138843" y="373731"/>
+                </a:lnTo>
+                <a:cubicBezTo>
+                  <a:pt x="138843" y="311360"/>
+                  <a:pt x="137350" y="273871"/>
+                  <a:pt x="134364" y="261264"/>
+                </a:cubicBezTo>
+                <a:cubicBezTo>
+                  <a:pt x="131378" y="248657"/>
+                  <a:pt x="123167" y="239118"/>
+                  <a:pt x="109731" y="232649"/>
+                </a:cubicBezTo>
+                <a:cubicBezTo>
+                  <a:pt x="96294" y="226180"/>
+                  <a:pt x="66353" y="222945"/>
+                  <a:pt x="19906" y="222945"/>
+                </a:cubicBezTo>
+                <a:lnTo>
+                  <a:pt x="0" y="222945"/>
+                </a:lnTo>
+                <a:lnTo>
+                  <a:pt x="0" y="129015"/>
+                </a:lnTo>
+                <a:cubicBezTo>
+                  <a:pt x="97207" y="108093"/>
+                  <a:pt x="171024" y="65088"/>
+                  <a:pt x="221452" y="0"/>
+                </a:cubicBezTo>
+                <a:close/>
+              </a:path>
+            </a:pathLst>
+          </a:custGeom>
+          <a:solidFill>
+            <a:schemeClr val="bg1"/>
+          </a:solidFill>
+          <a:ln w="19050">
+            <a:solidFill>
+              <a:schemeClr val="tx1"/>
+            </a:solidFill>
+          </a:ln>
+        </p:spPr>
+        <p:style>
+          <a:lnRef idx="2">
+            <a:schemeClr val="accent1">
+              <a:shade val="50000"/>
+            </a:schemeClr>
+          </a:lnRef>
+          <a:fillRef idx="1">
+            <a:schemeClr val="accent1"/>
+          </a:fillRef>
+          <a:effectRef idx="0">
+            <a:schemeClr val="accent1"/>
+          </a:effectRef>
+          <a:fontRef idx="minor">
+            <a:schemeClr val="lt1"/>
+          </a:fontRef>
+        </p:style>
+        <p:txBody>
+          <a:bodyPr wrap="square" rtlCol="0" anchor="ctr">
+            <a:noAutofit/>
+          </a:bodyPr>
+          <a:lstStyle/>
+          <a:p>
+            <a:pPr algn="ctr"/>
+            <a:endParaRPr lang="ko-KR" altLang="en-US"/>
+          </a:p>
+        </p:txBody>
+      </p:sp>
+      <p:sp>
+        <p:nvSpPr>
+          <p:cNvPr id="41" name="자유형: 도형 40">
+            <a:extLst>
+              <a:ext uri="{FF2B5EF4-FFF2-40B4-BE49-F238E27FC236}">
+                <a16:creationId xmlns:a16="http://schemas.microsoft.com/office/drawing/2014/main" id="{7AB84865-42F2-40C3-91C3-C4DE0EDEE73E}"/>
+              </a:ext>
+            </a:extLst>
+          </p:cNvPr>
+          <p:cNvSpPr/>
+          <p:nvPr/>
+        </p:nvSpPr>
+        <p:spPr>
+          <a:xfrm>
+            <a:off x="9408059" y="858859"/>
+            <a:ext cx="1216193" cy="2075194"/>
+          </a:xfrm>
+          <a:custGeom>
+            <a:avLst/>
+            <a:gdLst/>
+            <a:ahLst/>
+            <a:cxnLst/>
+            <a:rect l="l" t="t" r="r" b="b"/>
+            <a:pathLst>
+              <a:path w="481222" h="821113">
+                <a:moveTo>
+                  <a:pt x="10451" y="0"/>
+                </a:moveTo>
+                <a:lnTo>
+                  <a:pt x="441908" y="0"/>
+                </a:lnTo>
+                <a:lnTo>
+                  <a:pt x="441908" y="128890"/>
+                </a:lnTo>
+                <a:lnTo>
+                  <a:pt x="192588" y="128890"/>
+                </a:lnTo>
+                <a:lnTo>
+                  <a:pt x="192588" y="265742"/>
+                </a:lnTo>
+                <a:cubicBezTo>
+                  <a:pt x="223774" y="228917"/>
+                  <a:pt x="263917" y="210504"/>
+                  <a:pt x="313018" y="210504"/>
+                </a:cubicBezTo>
+                <a:cubicBezTo>
+                  <a:pt x="368423" y="210504"/>
+                  <a:pt x="410308" y="226014"/>
+                  <a:pt x="438673" y="257034"/>
+                </a:cubicBezTo>
+                <a:cubicBezTo>
+                  <a:pt x="467039" y="288053"/>
+                  <a:pt x="481222" y="347688"/>
+                  <a:pt x="481222" y="435937"/>
+                </a:cubicBezTo>
+                <a:lnTo>
+                  <a:pt x="481222" y="550892"/>
+                </a:lnTo>
+                <a:cubicBezTo>
+                  <a:pt x="481222" y="607956"/>
+                  <a:pt x="478485" y="649841"/>
+                  <a:pt x="473011" y="676548"/>
+                </a:cubicBezTo>
+                <a:cubicBezTo>
+                  <a:pt x="467537" y="703254"/>
+                  <a:pt x="455842" y="727971"/>
+                  <a:pt x="437927" y="750697"/>
+                </a:cubicBezTo>
+                <a:cubicBezTo>
+                  <a:pt x="420012" y="773422"/>
+                  <a:pt x="395047" y="790840"/>
+                  <a:pt x="363031" y="802949"/>
+                </a:cubicBezTo>
+                <a:cubicBezTo>
+                  <a:pt x="331016" y="815058"/>
+                  <a:pt x="291951" y="821113"/>
+                  <a:pt x="245836" y="821113"/>
+                </a:cubicBezTo>
+                <a:cubicBezTo>
+                  <a:pt x="194081" y="821113"/>
+                  <a:pt x="148464" y="812073"/>
+                  <a:pt x="108984" y="793992"/>
+                </a:cubicBezTo>
+                <a:cubicBezTo>
+                  <a:pt x="69504" y="775910"/>
+                  <a:pt x="41470" y="748955"/>
+                  <a:pt x="24882" y="713124"/>
+                </a:cubicBezTo>
+                <a:cubicBezTo>
+                  <a:pt x="8294" y="677294"/>
+                  <a:pt x="0" y="621890"/>
+                  <a:pt x="0" y="546911"/>
+                </a:cubicBezTo>
+                <a:lnTo>
+                  <a:pt x="0" y="503119"/>
+                </a:lnTo>
+                <a:lnTo>
+                  <a:pt x="201048" y="503119"/>
+                </a:lnTo>
+                <a:lnTo>
+                  <a:pt x="201048" y="553381"/>
+                </a:lnTo>
+                <a:cubicBezTo>
+                  <a:pt x="201048" y="605467"/>
+                  <a:pt x="202873" y="642459"/>
+                  <a:pt x="206522" y="664355"/>
+                </a:cubicBezTo>
+                <a:cubicBezTo>
+                  <a:pt x="210172" y="686252"/>
+                  <a:pt x="222779" y="697200"/>
+                  <a:pt x="244343" y="697200"/>
+                </a:cubicBezTo>
+                <a:cubicBezTo>
+                  <a:pt x="254296" y="697200"/>
+                  <a:pt x="262341" y="694048"/>
+                  <a:pt x="268479" y="687745"/>
+                </a:cubicBezTo>
+                <a:cubicBezTo>
+                  <a:pt x="274617" y="681441"/>
+                  <a:pt x="277934" y="674640"/>
+                  <a:pt x="278432" y="667341"/>
+                </a:cubicBezTo>
+                <a:cubicBezTo>
+                  <a:pt x="278930" y="660042"/>
+                  <a:pt x="279510" y="628359"/>
+                  <a:pt x="280174" y="572291"/>
+                </a:cubicBezTo>
+                <a:lnTo>
+                  <a:pt x="280174" y="412547"/>
+                </a:lnTo>
+                <a:cubicBezTo>
+                  <a:pt x="280174" y="382357"/>
+                  <a:pt x="277022" y="361788"/>
+                  <a:pt x="270718" y="350839"/>
+                </a:cubicBezTo>
+                <a:cubicBezTo>
+                  <a:pt x="264415" y="339891"/>
+                  <a:pt x="253964" y="334417"/>
+                  <a:pt x="239367" y="334417"/>
+                </a:cubicBezTo>
+                <a:cubicBezTo>
+                  <a:pt x="230078" y="334417"/>
+                  <a:pt x="222281" y="337237"/>
+                  <a:pt x="215978" y="342877"/>
+                </a:cubicBezTo>
+                <a:cubicBezTo>
+                  <a:pt x="209674" y="348517"/>
+                  <a:pt x="205610" y="354572"/>
+                  <a:pt x="203785" y="361041"/>
+                </a:cubicBezTo>
+                <a:cubicBezTo>
+                  <a:pt x="201961" y="367511"/>
+                  <a:pt x="201048" y="382523"/>
+                  <a:pt x="201048" y="406078"/>
+                </a:cubicBezTo>
+                <a:lnTo>
+                  <a:pt x="1991" y="406078"/>
+                </a:lnTo>
+                <a:lnTo>
+                  <a:pt x="10451" y="0"/>
+                </a:lnTo>
+                <a:close/>
+              </a:path>
+            </a:pathLst>
+          </a:custGeom>
+          <a:noFill/>
+          <a:ln w="19050">
+            <a:solidFill>
+              <a:schemeClr val="bg1">
+                <a:lumMod val="85000"/>
+              </a:schemeClr>
+            </a:solidFill>
+          </a:ln>
+        </p:spPr>
+        <p:style>
+          <a:lnRef idx="2">
+            <a:schemeClr val="accent1">
+              <a:shade val="50000"/>
+            </a:schemeClr>
+          </a:lnRef>
+          <a:fillRef idx="1">
+            <a:schemeClr val="accent1"/>
+          </a:fillRef>
+          <a:effectRef idx="0">
+            <a:schemeClr val="accent1"/>
+          </a:effectRef>
+          <a:fontRef idx="minor">
+            <a:schemeClr val="lt1"/>
+          </a:fontRef>
+        </p:style>
+        <p:txBody>
+          <a:bodyPr wrap="square" rtlCol="0" anchor="ctr">
+            <a:noAutofit/>
+          </a:bodyPr>
+          <a:lstStyle/>
+          <a:p>
+            <a:pPr algn="ctr"/>
+            <a:endParaRPr lang="ko-KR" altLang="en-US"/>
+          </a:p>
+        </p:txBody>
+      </p:sp>
+      <p:sp>
+        <p:nvSpPr>
+          <p:cNvPr id="42" name="자유형: 도형 41">
+            <a:extLst>
+              <a:ext uri="{FF2B5EF4-FFF2-40B4-BE49-F238E27FC236}">
+                <a16:creationId xmlns:a16="http://schemas.microsoft.com/office/drawing/2014/main" id="{939C7673-861B-4AA3-A64E-62D0111E4CF2}"/>
+              </a:ext>
+            </a:extLst>
+          </p:cNvPr>
+          <p:cNvSpPr/>
+          <p:nvPr/>
+        </p:nvSpPr>
+        <p:spPr>
+          <a:xfrm>
+            <a:off x="9271501" y="750848"/>
+            <a:ext cx="1216193" cy="2075194"/>
+          </a:xfrm>
+          <a:custGeom>
+            <a:avLst/>
+            <a:gdLst/>
+            <a:ahLst/>
+            <a:cxnLst/>
+            <a:rect l="l" t="t" r="r" b="b"/>
+            <a:pathLst>
+              <a:path w="481222" h="821113">
+                <a:moveTo>
+                  <a:pt x="10451" y="0"/>
+                </a:moveTo>
+                <a:lnTo>
+                  <a:pt x="441908" y="0"/>
+                </a:lnTo>
+                <a:lnTo>
+                  <a:pt x="441908" y="128890"/>
+                </a:lnTo>
+                <a:lnTo>
+                  <a:pt x="192588" y="128890"/>
+                </a:lnTo>
+                <a:lnTo>
+                  <a:pt x="192588" y="265742"/>
+                </a:lnTo>
+                <a:cubicBezTo>
+                  <a:pt x="223774" y="228917"/>
+                  <a:pt x="263917" y="210504"/>
+                  <a:pt x="313018" y="210504"/>
+                </a:cubicBezTo>
+                <a:cubicBezTo>
+                  <a:pt x="368423" y="210504"/>
+                  <a:pt x="410308" y="226014"/>
+                  <a:pt x="438673" y="257034"/>
+                </a:cubicBezTo>
+                <a:cubicBezTo>
+                  <a:pt x="467039" y="288053"/>
+                  <a:pt x="481222" y="347688"/>
+                  <a:pt x="481222" y="435937"/>
+                </a:cubicBezTo>
+                <a:lnTo>
+                  <a:pt x="481222" y="550892"/>
+                </a:lnTo>
+                <a:cubicBezTo>
+                  <a:pt x="481222" y="607956"/>
+                  <a:pt x="478485" y="649841"/>
+                  <a:pt x="473011" y="676548"/>
+                </a:cubicBezTo>
+                <a:cubicBezTo>
+                  <a:pt x="467537" y="703254"/>
+                  <a:pt x="455842" y="727971"/>
+                  <a:pt x="437927" y="750697"/>
+                </a:cubicBezTo>
+                <a:cubicBezTo>
+                  <a:pt x="420012" y="773422"/>
+                  <a:pt x="395047" y="790840"/>
+                  <a:pt x="363031" y="802949"/>
+                </a:cubicBezTo>
+                <a:cubicBezTo>
+                  <a:pt x="331016" y="815058"/>
+                  <a:pt x="291951" y="821113"/>
+                  <a:pt x="245836" y="821113"/>
+                </a:cubicBezTo>
+                <a:cubicBezTo>
+                  <a:pt x="194081" y="821113"/>
+                  <a:pt x="148464" y="812073"/>
+                  <a:pt x="108984" y="793992"/>
+                </a:cubicBezTo>
+                <a:cubicBezTo>
+                  <a:pt x="69504" y="775910"/>
+                  <a:pt x="41470" y="748955"/>
+                  <a:pt x="24882" y="713124"/>
+                </a:cubicBezTo>
+                <a:cubicBezTo>
+                  <a:pt x="8294" y="677294"/>
+                  <a:pt x="0" y="621890"/>
+                  <a:pt x="0" y="546911"/>
+                </a:cubicBezTo>
+                <a:lnTo>
+                  <a:pt x="0" y="503119"/>
+                </a:lnTo>
+                <a:lnTo>
+                  <a:pt x="201048" y="503119"/>
+                </a:lnTo>
+                <a:lnTo>
+                  <a:pt x="201048" y="553381"/>
+                </a:lnTo>
+                <a:cubicBezTo>
+                  <a:pt x="201048" y="605467"/>
+                  <a:pt x="202873" y="642459"/>
+                  <a:pt x="206522" y="664355"/>
+                </a:cubicBezTo>
+                <a:cubicBezTo>
+                  <a:pt x="210172" y="686252"/>
+                  <a:pt x="222779" y="697200"/>
+                  <a:pt x="244343" y="697200"/>
+                </a:cubicBezTo>
+                <a:cubicBezTo>
+                  <a:pt x="254296" y="697200"/>
+                  <a:pt x="262341" y="694048"/>
+                  <a:pt x="268479" y="687745"/>
+                </a:cubicBezTo>
+                <a:cubicBezTo>
+                  <a:pt x="274617" y="681441"/>
+                  <a:pt x="277934" y="674640"/>
+                  <a:pt x="278432" y="667341"/>
+                </a:cubicBezTo>
+                <a:cubicBezTo>
+                  <a:pt x="278930" y="660042"/>
+                  <a:pt x="279510" y="628359"/>
+                  <a:pt x="280174" y="572291"/>
+                </a:cubicBezTo>
+                <a:lnTo>
+                  <a:pt x="280174" y="412547"/>
+                </a:lnTo>
+                <a:cubicBezTo>
+                  <a:pt x="280174" y="382357"/>
+                  <a:pt x="277022" y="361788"/>
+                  <a:pt x="270718" y="350839"/>
+                </a:cubicBezTo>
+                <a:cubicBezTo>
+                  <a:pt x="264415" y="339891"/>
+                  <a:pt x="253964" y="334417"/>
+                  <a:pt x="239367" y="334417"/>
+                </a:cubicBezTo>
+                <a:cubicBezTo>
+                  <a:pt x="230078" y="334417"/>
+                  <a:pt x="222281" y="337237"/>
+                  <a:pt x="215978" y="342877"/>
+                </a:cubicBezTo>
+                <a:cubicBezTo>
+                  <a:pt x="209674" y="348517"/>
+                  <a:pt x="205610" y="354572"/>
+                  <a:pt x="203785" y="361041"/>
+                </a:cubicBezTo>
+                <a:cubicBezTo>
+                  <a:pt x="201961" y="367511"/>
+                  <a:pt x="201048" y="382523"/>
+                  <a:pt x="201048" y="406078"/>
+                </a:cubicBezTo>
+                <a:lnTo>
+                  <a:pt x="1991" y="406078"/>
+                </a:lnTo>
+                <a:lnTo>
+                  <a:pt x="10451" y="0"/>
+                </a:lnTo>
+                <a:close/>
+              </a:path>
+            </a:pathLst>
+          </a:custGeom>
+          <a:solidFill>
+            <a:schemeClr val="bg1"/>
+          </a:solidFill>
+          <a:ln w="19050">
+            <a:solidFill>
+              <a:schemeClr val="tx1"/>
+            </a:solidFill>
+          </a:ln>
+        </p:spPr>
+        <p:style>
+          <a:lnRef idx="2">
+            <a:schemeClr val="accent1">
+              <a:shade val="50000"/>
+            </a:schemeClr>
+          </a:lnRef>
+          <a:fillRef idx="1">
+            <a:schemeClr val="accent1"/>
+          </a:fillRef>
+          <a:effectRef idx="0">
+            <a:schemeClr val="accent1"/>
+          </a:effectRef>
+          <a:fontRef idx="minor">
+            <a:schemeClr val="lt1"/>
+          </a:fontRef>
+        </p:style>
+        <p:txBody>
+          <a:bodyPr wrap="square" rtlCol="0" anchor="ctr">
+            <a:noAutofit/>
+          </a:bodyPr>
+          <a:lstStyle/>
+          <a:p>
+            <a:pPr algn="ctr"/>
+            <a:endParaRPr lang="ko-KR" altLang="en-US"/>
+          </a:p>
+        </p:txBody>
+      </p:sp>
+      <p:sp>
+        <p:nvSpPr>
+          <p:cNvPr id="43" name="자유형: 도형 42">
+            <a:extLst>
+              <a:ext uri="{FF2B5EF4-FFF2-40B4-BE49-F238E27FC236}">
+                <a16:creationId xmlns:a16="http://schemas.microsoft.com/office/drawing/2014/main" id="{0B830A93-A6F6-4014-9A38-DE726A4C4337}"/>
+              </a:ext>
+            </a:extLst>
+          </p:cNvPr>
+          <p:cNvSpPr/>
+          <p:nvPr/>
+        </p:nvSpPr>
+        <p:spPr>
+          <a:xfrm>
+            <a:off x="7650366" y="3360574"/>
+            <a:ext cx="1216193" cy="2075194"/>
+          </a:xfrm>
+          <a:custGeom>
+            <a:avLst/>
+            <a:gdLst/>
+            <a:ahLst/>
+            <a:cxnLst/>
+            <a:rect l="l" t="t" r="r" b="b"/>
+            <a:pathLst>
+              <a:path w="481222" h="821113">
+                <a:moveTo>
+                  <a:pt x="10451" y="0"/>
+                </a:moveTo>
+                <a:lnTo>
+                  <a:pt x="441908" y="0"/>
+                </a:lnTo>
+                <a:lnTo>
+                  <a:pt x="441908" y="128890"/>
+                </a:lnTo>
+                <a:lnTo>
+                  <a:pt x="192588" y="128890"/>
+                </a:lnTo>
+                <a:lnTo>
+                  <a:pt x="192588" y="265742"/>
+                </a:lnTo>
+                <a:cubicBezTo>
+                  <a:pt x="223774" y="228917"/>
+                  <a:pt x="263917" y="210504"/>
+                  <a:pt x="313018" y="210504"/>
+                </a:cubicBezTo>
+                <a:cubicBezTo>
+                  <a:pt x="368423" y="210504"/>
+                  <a:pt x="410308" y="226014"/>
+                  <a:pt x="438673" y="257034"/>
+                </a:cubicBezTo>
+                <a:cubicBezTo>
+                  <a:pt x="467039" y="288053"/>
+                  <a:pt x="481222" y="347688"/>
+                  <a:pt x="481222" y="435937"/>
+                </a:cubicBezTo>
+                <a:lnTo>
+                  <a:pt x="481222" y="550892"/>
+                </a:lnTo>
+                <a:cubicBezTo>
+                  <a:pt x="481222" y="607956"/>
+                  <a:pt x="478485" y="649841"/>
+                  <a:pt x="473011" y="676548"/>
+                </a:cubicBezTo>
+                <a:cubicBezTo>
+                  <a:pt x="467537" y="703254"/>
+                  <a:pt x="455842" y="727971"/>
+                  <a:pt x="437927" y="750697"/>
+                </a:cubicBezTo>
+                <a:cubicBezTo>
+                  <a:pt x="420012" y="773422"/>
+                  <a:pt x="395047" y="790840"/>
+                  <a:pt x="363031" y="802949"/>
+                </a:cubicBezTo>
+                <a:cubicBezTo>
+                  <a:pt x="331016" y="815058"/>
+                  <a:pt x="291951" y="821113"/>
+                  <a:pt x="245836" y="821113"/>
+                </a:cubicBezTo>
+                <a:cubicBezTo>
+                  <a:pt x="194081" y="821113"/>
+                  <a:pt x="148464" y="812073"/>
+                  <a:pt x="108984" y="793992"/>
+                </a:cubicBezTo>
+                <a:cubicBezTo>
+                  <a:pt x="69504" y="775910"/>
+                  <a:pt x="41470" y="748955"/>
+                  <a:pt x="24882" y="713124"/>
+                </a:cubicBezTo>
+                <a:cubicBezTo>
+                  <a:pt x="8294" y="677294"/>
+                  <a:pt x="0" y="621890"/>
+                  <a:pt x="0" y="546911"/>
+                </a:cubicBezTo>
+                <a:lnTo>
+                  <a:pt x="0" y="503119"/>
+                </a:lnTo>
+                <a:lnTo>
+                  <a:pt x="201048" y="503119"/>
+                </a:lnTo>
+                <a:lnTo>
+                  <a:pt x="201048" y="553381"/>
+                </a:lnTo>
+                <a:cubicBezTo>
+                  <a:pt x="201048" y="605467"/>
+                  <a:pt x="202873" y="642459"/>
+                  <a:pt x="206522" y="664355"/>
+                </a:cubicBezTo>
+                <a:cubicBezTo>
+                  <a:pt x="210172" y="686252"/>
+                  <a:pt x="222779" y="697200"/>
+                  <a:pt x="244343" y="697200"/>
+                </a:cubicBezTo>
+                <a:cubicBezTo>
+                  <a:pt x="254296" y="697200"/>
+                  <a:pt x="262341" y="694048"/>
+                  <a:pt x="268479" y="687745"/>
+                </a:cubicBezTo>
+                <a:cubicBezTo>
+                  <a:pt x="274617" y="681441"/>
+                  <a:pt x="277934" y="674640"/>
+                  <a:pt x="278432" y="667341"/>
+                </a:cubicBezTo>
+                <a:cubicBezTo>
+                  <a:pt x="278930" y="660042"/>
+                  <a:pt x="279510" y="628359"/>
+                  <a:pt x="280174" y="572291"/>
+                </a:cubicBezTo>
+                <a:lnTo>
+                  <a:pt x="280174" y="412547"/>
+                </a:lnTo>
+                <a:cubicBezTo>
+                  <a:pt x="280174" y="382357"/>
+                  <a:pt x="277022" y="361788"/>
+                  <a:pt x="270718" y="350839"/>
+                </a:cubicBezTo>
+                <a:cubicBezTo>
+                  <a:pt x="264415" y="339891"/>
+                  <a:pt x="253964" y="334417"/>
+                  <a:pt x="239367" y="334417"/>
+                </a:cubicBezTo>
+                <a:cubicBezTo>
+                  <a:pt x="230078" y="334417"/>
+                  <a:pt x="222281" y="337237"/>
+                  <a:pt x="215978" y="342877"/>
+                </a:cubicBezTo>
+                <a:cubicBezTo>
+                  <a:pt x="209674" y="348517"/>
+                  <a:pt x="205610" y="354572"/>
+                  <a:pt x="203785" y="361041"/>
+                </a:cubicBezTo>
+                <a:cubicBezTo>
+                  <a:pt x="201961" y="367511"/>
+                  <a:pt x="201048" y="382523"/>
+                  <a:pt x="201048" y="406078"/>
+                </a:cubicBezTo>
+                <a:lnTo>
+                  <a:pt x="1991" y="406078"/>
+                </a:lnTo>
+                <a:lnTo>
+                  <a:pt x="10451" y="0"/>
+                </a:lnTo>
+                <a:close/>
+              </a:path>
+            </a:pathLst>
+          </a:custGeom>
+          <a:noFill/>
+          <a:ln w="19050">
+            <a:solidFill>
+              <a:schemeClr val="bg1">
+                <a:lumMod val="85000"/>
+              </a:schemeClr>
+            </a:solidFill>
+          </a:ln>
+        </p:spPr>
+        <p:style>
+          <a:lnRef idx="2">
+            <a:schemeClr val="accent1">
+              <a:shade val="50000"/>
+            </a:schemeClr>
+          </a:lnRef>
+          <a:fillRef idx="1">
+            <a:schemeClr val="accent1"/>
+          </a:fillRef>
+          <a:effectRef idx="0">
+            <a:schemeClr val="accent1"/>
+          </a:effectRef>
+          <a:fontRef idx="minor">
+            <a:schemeClr val="lt1"/>
+          </a:fontRef>
+        </p:style>
+        <p:txBody>
+          <a:bodyPr wrap="square" rtlCol="0" anchor="ctr">
+            <a:noAutofit/>
+          </a:bodyPr>
+          <a:lstStyle/>
+          <a:p>
+            <a:pPr algn="ctr"/>
+            <a:endParaRPr lang="ko-KR" altLang="en-US"/>
+          </a:p>
+        </p:txBody>
+      </p:sp>
+      <p:sp>
+        <p:nvSpPr>
+          <p:cNvPr id="45" name="자유형: 도형 44">
+            <a:extLst>
+              <a:ext uri="{FF2B5EF4-FFF2-40B4-BE49-F238E27FC236}">
+                <a16:creationId xmlns:a16="http://schemas.microsoft.com/office/drawing/2014/main" id="{EC9488CC-0E5E-4BB3-9C79-1FECC676D636}"/>
+              </a:ext>
+            </a:extLst>
+          </p:cNvPr>
+          <p:cNvSpPr/>
+          <p:nvPr/>
+        </p:nvSpPr>
+        <p:spPr>
+          <a:xfrm>
+            <a:off x="9408059" y="3363303"/>
+            <a:ext cx="1216193" cy="2075194"/>
+          </a:xfrm>
+          <a:custGeom>
+            <a:avLst/>
+            <a:gdLst/>
+            <a:ahLst/>
+            <a:cxnLst/>
+            <a:rect l="l" t="t" r="r" b="b"/>
+            <a:pathLst>
+              <a:path w="481222" h="821113">
+                <a:moveTo>
+                  <a:pt x="10451" y="0"/>
+                </a:moveTo>
+                <a:lnTo>
+                  <a:pt x="441908" y="0"/>
+                </a:lnTo>
+                <a:lnTo>
+                  <a:pt x="441908" y="128890"/>
+                </a:lnTo>
+                <a:lnTo>
+                  <a:pt x="192588" y="128890"/>
+                </a:lnTo>
+                <a:lnTo>
+                  <a:pt x="192588" y="265742"/>
+                </a:lnTo>
+                <a:cubicBezTo>
+                  <a:pt x="223774" y="228917"/>
+                  <a:pt x="263917" y="210504"/>
+                  <a:pt x="313018" y="210504"/>
+                </a:cubicBezTo>
+                <a:cubicBezTo>
+                  <a:pt x="368423" y="210504"/>
+                  <a:pt x="410308" y="226014"/>
+                  <a:pt x="438673" y="257034"/>
+                </a:cubicBezTo>
+                <a:cubicBezTo>
+                  <a:pt x="467039" y="288053"/>
+                  <a:pt x="481222" y="347688"/>
+                  <a:pt x="481222" y="435937"/>
+                </a:cubicBezTo>
+                <a:lnTo>
+                  <a:pt x="481222" y="550892"/>
+                </a:lnTo>
+                <a:cubicBezTo>
+                  <a:pt x="481222" y="607956"/>
+                  <a:pt x="478485" y="649841"/>
+                  <a:pt x="473011" y="676548"/>
+                </a:cubicBezTo>
+                <a:cubicBezTo>
+                  <a:pt x="467537" y="703254"/>
+                  <a:pt x="455842" y="727971"/>
+                  <a:pt x="437927" y="750697"/>
+                </a:cubicBezTo>
+                <a:cubicBezTo>
+                  <a:pt x="420012" y="773422"/>
+                  <a:pt x="395047" y="790840"/>
+                  <a:pt x="363031" y="802949"/>
+                </a:cubicBezTo>
+                <a:cubicBezTo>
+                  <a:pt x="331016" y="815058"/>
+                  <a:pt x="291951" y="821113"/>
+                  <a:pt x="245836" y="821113"/>
+                </a:cubicBezTo>
+                <a:cubicBezTo>
+                  <a:pt x="194081" y="821113"/>
+                  <a:pt x="148464" y="812073"/>
+                  <a:pt x="108984" y="793992"/>
+                </a:cubicBezTo>
+                <a:cubicBezTo>
+                  <a:pt x="69504" y="775910"/>
+                  <a:pt x="41470" y="748955"/>
+                  <a:pt x="24882" y="713124"/>
+                </a:cubicBezTo>
+                <a:cubicBezTo>
+                  <a:pt x="8294" y="677294"/>
+                  <a:pt x="0" y="621890"/>
+                  <a:pt x="0" y="546911"/>
+                </a:cubicBezTo>
+                <a:lnTo>
+                  <a:pt x="0" y="503119"/>
+                </a:lnTo>
+                <a:lnTo>
+                  <a:pt x="201048" y="503119"/>
+                </a:lnTo>
+                <a:lnTo>
+                  <a:pt x="201048" y="553381"/>
+                </a:lnTo>
+                <a:cubicBezTo>
+                  <a:pt x="201048" y="605467"/>
+                  <a:pt x="202873" y="642459"/>
+                  <a:pt x="206522" y="664355"/>
+                </a:cubicBezTo>
+                <a:cubicBezTo>
+                  <a:pt x="210172" y="686252"/>
+                  <a:pt x="222779" y="697200"/>
+                  <a:pt x="244343" y="697200"/>
+                </a:cubicBezTo>
+                <a:cubicBezTo>
+                  <a:pt x="254296" y="697200"/>
+                  <a:pt x="262341" y="694048"/>
+                  <a:pt x="268479" y="687745"/>
+                </a:cubicBezTo>
+                <a:cubicBezTo>
+                  <a:pt x="274617" y="681441"/>
+                  <a:pt x="277934" y="674640"/>
+                  <a:pt x="278432" y="667341"/>
+                </a:cubicBezTo>
+                <a:cubicBezTo>
+                  <a:pt x="278930" y="660042"/>
+                  <a:pt x="279510" y="628359"/>
+                  <a:pt x="280174" y="572291"/>
+                </a:cubicBezTo>
+                <a:lnTo>
+                  <a:pt x="280174" y="412547"/>
+                </a:lnTo>
+                <a:cubicBezTo>
+                  <a:pt x="280174" y="382357"/>
+                  <a:pt x="277022" y="361788"/>
+                  <a:pt x="270718" y="350839"/>
+                </a:cubicBezTo>
+                <a:cubicBezTo>
+                  <a:pt x="264415" y="339891"/>
+                  <a:pt x="253964" y="334417"/>
+                  <a:pt x="239367" y="334417"/>
+                </a:cubicBezTo>
+                <a:cubicBezTo>
+                  <a:pt x="230078" y="334417"/>
+                  <a:pt x="222281" y="337237"/>
+                  <a:pt x="215978" y="342877"/>
+                </a:cubicBezTo>
+                <a:cubicBezTo>
+                  <a:pt x="209674" y="348517"/>
+                  <a:pt x="205610" y="354572"/>
+                  <a:pt x="203785" y="361041"/>
+                </a:cubicBezTo>
+                <a:cubicBezTo>
+                  <a:pt x="201961" y="367511"/>
+                  <a:pt x="201048" y="382523"/>
+                  <a:pt x="201048" y="406078"/>
+                </a:cubicBezTo>
+                <a:lnTo>
+                  <a:pt x="1991" y="406078"/>
+                </a:lnTo>
+                <a:lnTo>
+                  <a:pt x="10451" y="0"/>
+                </a:lnTo>
+                <a:close/>
+              </a:path>
+            </a:pathLst>
+          </a:custGeom>
+          <a:noFill/>
+          <a:ln w="19050">
+            <a:solidFill>
+              <a:schemeClr val="bg1">
+                <a:lumMod val="85000"/>
+              </a:schemeClr>
+            </a:solidFill>
+          </a:ln>
+        </p:spPr>
+        <p:style>
+          <a:lnRef idx="2">
+            <a:schemeClr val="accent1">
+              <a:shade val="50000"/>
+            </a:schemeClr>
+          </a:lnRef>
+          <a:fillRef idx="1">
+            <a:schemeClr val="accent1"/>
+          </a:fillRef>
+          <a:effectRef idx="0">
+            <a:schemeClr val="accent1"/>
+          </a:effectRef>
+          <a:fontRef idx="minor">
+            <a:schemeClr val="lt1"/>
+          </a:fontRef>
+        </p:style>
+        <p:txBody>
+          <a:bodyPr wrap="square" rtlCol="0" anchor="ctr">
+            <a:noAutofit/>
+          </a:bodyPr>
+          <a:lstStyle/>
+          <a:p>
+            <a:pPr algn="ctr"/>
+            <a:endParaRPr lang="ko-KR" altLang="en-US"/>
+          </a:p>
+        </p:txBody>
+      </p:sp>
+      <p:sp>
+        <p:nvSpPr>
+          <p:cNvPr id="47" name="자유형: 도형 46">
+            <a:extLst>
+              <a:ext uri="{FF2B5EF4-FFF2-40B4-BE49-F238E27FC236}">
+                <a16:creationId xmlns:a16="http://schemas.microsoft.com/office/drawing/2014/main" id="{A9C15FDA-1192-412F-BAA7-3ECE5C642739}"/>
+              </a:ext>
+            </a:extLst>
+          </p:cNvPr>
+          <p:cNvSpPr/>
+          <p:nvPr/>
+        </p:nvSpPr>
+        <p:spPr>
+          <a:xfrm>
+            <a:off x="9382125" y="862013"/>
+            <a:ext cx="852488" cy="800100"/>
+          </a:xfrm>
+          <a:custGeom>
+            <a:avLst/>
+            <a:gdLst>
+              <a:gd name="connsiteX0" fmla="*/ 19050 w 852488"/>
+              <a:gd name="connsiteY0" fmla="*/ 4762 h 800100"/>
+              <a:gd name="connsiteX1" fmla="*/ 0 w 852488"/>
+              <a:gd name="connsiteY1" fmla="*/ 800100 h 800100"/>
+              <a:gd name="connsiteX2" fmla="*/ 276225 w 852488"/>
+              <a:gd name="connsiteY2" fmla="*/ 800100 h 800100"/>
+              <a:gd name="connsiteX3" fmla="*/ 280988 w 852488"/>
+              <a:gd name="connsiteY3" fmla="*/ 133350 h 800100"/>
+              <a:gd name="connsiteX4" fmla="*/ 847725 w 852488"/>
+              <a:gd name="connsiteY4" fmla="*/ 128587 h 800100"/>
+              <a:gd name="connsiteX5" fmla="*/ 852488 w 852488"/>
+              <a:gd name="connsiteY5" fmla="*/ 0 h 800100"/>
+              <a:gd name="connsiteX6" fmla="*/ 19050 w 852488"/>
+              <a:gd name="connsiteY6" fmla="*/ 4762 h 800100"/>
+            </a:gdLst>
+            <a:ahLst/>
+            <a:cxnLst>
+              <a:cxn ang="0">
+                <a:pos x="connsiteX0" y="connsiteY0"/>
+              </a:cxn>
+              <a:cxn ang="0">
+                <a:pos x="connsiteX1" y="connsiteY1"/>
+              </a:cxn>
+              <a:cxn ang="0">
+                <a:pos x="connsiteX2" y="connsiteY2"/>
+              </a:cxn>
+              <a:cxn ang="0">
+                <a:pos x="connsiteX3" y="connsiteY3"/>
+              </a:cxn>
+              <a:cxn ang="0">
+                <a:pos x="connsiteX4" y="connsiteY4"/>
+              </a:cxn>
+              <a:cxn ang="0">
+                <a:pos x="connsiteX5" y="connsiteY5"/>
+              </a:cxn>
+              <a:cxn ang="0">
+                <a:pos x="connsiteX6" y="connsiteY6"/>
+              </a:cxn>
+            </a:cxnLst>
+            <a:rect l="l" t="t" r="r" b="b"/>
+            <a:pathLst>
+              <a:path w="852488" h="800100">
+                <a:moveTo>
+                  <a:pt x="19050" y="4762"/>
+                </a:moveTo>
+                <a:lnTo>
+                  <a:pt x="0" y="800100"/>
+                </a:lnTo>
+                <a:lnTo>
+                  <a:pt x="276225" y="800100"/>
+                </a:lnTo>
+                <a:cubicBezTo>
+                  <a:pt x="277813" y="577850"/>
+                  <a:pt x="279400" y="355600"/>
+                  <a:pt x="280988" y="133350"/>
+                </a:cubicBezTo>
+                <a:lnTo>
+                  <a:pt x="847725" y="128587"/>
+                </a:lnTo>
+                <a:lnTo>
+                  <a:pt x="852488" y="0"/>
+                </a:lnTo>
+                <a:lnTo>
+                  <a:pt x="19050" y="4762"/>
+                </a:lnTo>
+                <a:close/>
+              </a:path>
+            </a:pathLst>
+          </a:custGeom>
+          <a:solidFill>
+            <a:schemeClr val="bg1">
+              <a:lumMod val="85000"/>
+            </a:schemeClr>
+          </a:solidFill>
+          <a:ln>
+            <a:noFill/>
+          </a:ln>
+        </p:spPr>
+        <p:style>
+          <a:lnRef idx="2">
+            <a:schemeClr val="accent1">
+              <a:shade val="50000"/>
+            </a:schemeClr>
+          </a:lnRef>
+          <a:fillRef idx="1">
+            <a:schemeClr val="accent1"/>
+          </a:fillRef>
+          <a:effectRef idx="0">
+            <a:schemeClr val="accent1"/>
+          </a:effectRef>
+          <a:fontRef idx="minor">
+            <a:schemeClr val="lt1"/>
+          </a:fontRef>
+        </p:style>
+        <p:txBody>
+          <a:bodyPr rtlCol="0" anchor="ctr"/>
+          <a:lstStyle/>
+          <a:p>
+            <a:pPr algn="ctr"/>
+            <a:endParaRPr lang="ko-KR" altLang="en-US"/>
+          </a:p>
+        </p:txBody>
+      </p:sp>
+      <p:sp>
+        <p:nvSpPr>
+          <p:cNvPr id="48" name="자유형: 도형 47">
+            <a:extLst>
+              <a:ext uri="{FF2B5EF4-FFF2-40B4-BE49-F238E27FC236}">
+                <a16:creationId xmlns:a16="http://schemas.microsoft.com/office/drawing/2014/main" id="{DF525486-72DE-4BBB-8415-72FEC4221FC1}"/>
+              </a:ext>
+            </a:extLst>
+          </p:cNvPr>
+          <p:cNvSpPr/>
+          <p:nvPr/>
+        </p:nvSpPr>
+        <p:spPr>
+          <a:xfrm>
+            <a:off x="9372600" y="1771650"/>
+            <a:ext cx="1014232" cy="960622"/>
+          </a:xfrm>
+          <a:custGeom>
+            <a:avLst/>
+            <a:gdLst>
+              <a:gd name="connsiteX0" fmla="*/ 0 w 1014232"/>
+              <a:gd name="connsiteY0" fmla="*/ 376238 h 960622"/>
+              <a:gd name="connsiteX1" fmla="*/ 23813 w 1014232"/>
+              <a:gd name="connsiteY1" fmla="*/ 628650 h 960622"/>
+              <a:gd name="connsiteX2" fmla="*/ 138113 w 1014232"/>
+              <a:gd name="connsiteY2" fmla="*/ 833438 h 960622"/>
+              <a:gd name="connsiteX3" fmla="*/ 390525 w 1014232"/>
+              <a:gd name="connsiteY3" fmla="*/ 952500 h 960622"/>
+              <a:gd name="connsiteX4" fmla="*/ 781050 w 1014232"/>
+              <a:gd name="connsiteY4" fmla="*/ 923925 h 960622"/>
+              <a:gd name="connsiteX5" fmla="*/ 962025 w 1014232"/>
+              <a:gd name="connsiteY5" fmla="*/ 714375 h 960622"/>
+              <a:gd name="connsiteX6" fmla="*/ 1009650 w 1014232"/>
+              <a:gd name="connsiteY6" fmla="*/ 242888 h 960622"/>
+              <a:gd name="connsiteX7" fmla="*/ 1009650 w 1014232"/>
+              <a:gd name="connsiteY7" fmla="*/ 0 h 960622"/>
+              <a:gd name="connsiteX8" fmla="*/ 723900 w 1014232"/>
+              <a:gd name="connsiteY8" fmla="*/ 0 h 960622"/>
+              <a:gd name="connsiteX9" fmla="*/ 723900 w 1014232"/>
+              <a:gd name="connsiteY9" fmla="*/ 538163 h 960622"/>
+              <a:gd name="connsiteX10" fmla="*/ 685800 w 1014232"/>
+              <a:gd name="connsiteY10" fmla="*/ 766763 h 960622"/>
+              <a:gd name="connsiteX11" fmla="*/ 571500 w 1014232"/>
+              <a:gd name="connsiteY11" fmla="*/ 828675 h 960622"/>
+              <a:gd name="connsiteX12" fmla="*/ 371475 w 1014232"/>
+              <a:gd name="connsiteY12" fmla="*/ 800100 h 960622"/>
+              <a:gd name="connsiteX13" fmla="*/ 309563 w 1014232"/>
+              <a:gd name="connsiteY13" fmla="*/ 666750 h 960622"/>
+              <a:gd name="connsiteX14" fmla="*/ 314325 w 1014232"/>
+              <a:gd name="connsiteY14" fmla="*/ 390525 h 960622"/>
+              <a:gd name="connsiteX15" fmla="*/ 0 w 1014232"/>
+              <a:gd name="connsiteY15" fmla="*/ 376238 h 960622"/>
+            </a:gdLst>
+            <a:ahLst/>
+            <a:cxnLst>
+              <a:cxn ang="0">
+                <a:pos x="connsiteX0" y="connsiteY0"/>
+              </a:cxn>
+              <a:cxn ang="0">
+                <a:pos x="connsiteX1" y="connsiteY1"/>
+              </a:cxn>
+              <a:cxn ang="0">
+                <a:pos x="connsiteX2" y="connsiteY2"/>
+              </a:cxn>
+              <a:cxn ang="0">
+                <a:pos x="connsiteX3" y="connsiteY3"/>
+              </a:cxn>
+              <a:cxn ang="0">
+                <a:pos x="connsiteX4" y="connsiteY4"/>
+              </a:cxn>
+              <a:cxn ang="0">
+                <a:pos x="connsiteX5" y="connsiteY5"/>
+              </a:cxn>
+              <a:cxn ang="0">
+                <a:pos x="connsiteX6" y="connsiteY6"/>
+              </a:cxn>
+              <a:cxn ang="0">
+                <a:pos x="connsiteX7" y="connsiteY7"/>
+              </a:cxn>
+              <a:cxn ang="0">
+                <a:pos x="connsiteX8" y="connsiteY8"/>
+              </a:cxn>
+              <a:cxn ang="0">
+                <a:pos x="connsiteX9" y="connsiteY9"/>
+              </a:cxn>
+              <a:cxn ang="0">
+                <a:pos x="connsiteX10" y="connsiteY10"/>
+              </a:cxn>
+              <a:cxn ang="0">
+                <a:pos x="connsiteX11" y="connsiteY11"/>
+              </a:cxn>
+              <a:cxn ang="0">
+                <a:pos x="connsiteX12" y="connsiteY12"/>
+              </a:cxn>
+              <a:cxn ang="0">
+                <a:pos x="connsiteX13" y="connsiteY13"/>
+              </a:cxn>
+              <a:cxn ang="0">
+                <a:pos x="connsiteX14" y="connsiteY14"/>
+              </a:cxn>
+              <a:cxn ang="0">
+                <a:pos x="connsiteX15" y="connsiteY15"/>
+              </a:cxn>
+            </a:cxnLst>
+            <a:rect l="l" t="t" r="r" b="b"/>
+            <a:pathLst>
+              <a:path w="1014232" h="960622">
+                <a:moveTo>
+                  <a:pt x="0" y="376238"/>
+                </a:moveTo>
+                <a:cubicBezTo>
+                  <a:pt x="397" y="464344"/>
+                  <a:pt x="794" y="552450"/>
+                  <a:pt x="23813" y="628650"/>
+                </a:cubicBezTo>
+                <a:cubicBezTo>
+                  <a:pt x="46832" y="704850"/>
+                  <a:pt x="76995" y="779463"/>
+                  <a:pt x="138113" y="833438"/>
+                </a:cubicBezTo>
+                <a:cubicBezTo>
+                  <a:pt x="199231" y="887413"/>
+                  <a:pt x="283369" y="937419"/>
+                  <a:pt x="390525" y="952500"/>
+                </a:cubicBezTo>
+                <a:cubicBezTo>
+                  <a:pt x="497681" y="967581"/>
+                  <a:pt x="685800" y="963612"/>
+                  <a:pt x="781050" y="923925"/>
+                </a:cubicBezTo>
+                <a:cubicBezTo>
+                  <a:pt x="876300" y="884238"/>
+                  <a:pt x="923925" y="827881"/>
+                  <a:pt x="962025" y="714375"/>
+                </a:cubicBezTo>
+                <a:cubicBezTo>
+                  <a:pt x="1000125" y="600869"/>
+                  <a:pt x="1001713" y="361950"/>
+                  <a:pt x="1009650" y="242888"/>
+                </a:cubicBezTo>
+                <a:cubicBezTo>
+                  <a:pt x="1017587" y="123826"/>
+                  <a:pt x="1013618" y="61913"/>
+                  <a:pt x="1009650" y="0"/>
+                </a:cubicBezTo>
+                <a:lnTo>
+                  <a:pt x="723900" y="0"/>
+                </a:lnTo>
+                <a:cubicBezTo>
+                  <a:pt x="723900" y="179388"/>
+                  <a:pt x="730250" y="410369"/>
+                  <a:pt x="723900" y="538163"/>
+                </a:cubicBezTo>
+                <a:cubicBezTo>
+                  <a:pt x="717550" y="665957"/>
+                  <a:pt x="711200" y="718344"/>
+                  <a:pt x="685800" y="766763"/>
+                </a:cubicBezTo>
+                <a:cubicBezTo>
+                  <a:pt x="660400" y="815182"/>
+                  <a:pt x="623888" y="823119"/>
+                  <a:pt x="571500" y="828675"/>
+                </a:cubicBezTo>
+                <a:cubicBezTo>
+                  <a:pt x="519112" y="834231"/>
+                  <a:pt x="415131" y="827088"/>
+                  <a:pt x="371475" y="800100"/>
+                </a:cubicBezTo>
+                <a:cubicBezTo>
+                  <a:pt x="327819" y="773112"/>
+                  <a:pt x="319088" y="735012"/>
+                  <a:pt x="309563" y="666750"/>
+                </a:cubicBezTo>
+                <a:cubicBezTo>
+                  <a:pt x="300038" y="598488"/>
+                  <a:pt x="307181" y="494506"/>
+                  <a:pt x="314325" y="390525"/>
+                </a:cubicBezTo>
+                <a:lnTo>
+                  <a:pt x="0" y="376238"/>
+                </a:lnTo>
+                <a:close/>
+              </a:path>
+            </a:pathLst>
+          </a:custGeom>
+          <a:solidFill>
+            <a:schemeClr val="bg1">
+              <a:lumMod val="85000"/>
+            </a:schemeClr>
+          </a:solidFill>
+          <a:ln>
+            <a:noFill/>
+          </a:ln>
+        </p:spPr>
+        <p:style>
+          <a:lnRef idx="2">
+            <a:schemeClr val="accent1">
+              <a:shade val="50000"/>
+            </a:schemeClr>
+          </a:lnRef>
+          <a:fillRef idx="1">
+            <a:schemeClr val="accent1"/>
+          </a:fillRef>
+          <a:effectRef idx="0">
+            <a:schemeClr val="accent1"/>
+          </a:effectRef>
+          <a:fontRef idx="minor">
+            <a:schemeClr val="lt1"/>
+          </a:fontRef>
+        </p:style>
+        <p:txBody>
+          <a:bodyPr rtlCol="0" anchor="ctr"/>
+          <a:lstStyle/>
+          <a:p>
+            <a:pPr algn="ctr"/>
+            <a:endParaRPr lang="ko-KR" altLang="en-US"/>
+          </a:p>
+        </p:txBody>
+      </p:sp>
+      <p:sp>
+        <p:nvSpPr>
+          <p:cNvPr id="63" name="자유형: 도형 62">
+            <a:extLst>
+              <a:ext uri="{FF2B5EF4-FFF2-40B4-BE49-F238E27FC236}">
+                <a16:creationId xmlns:a16="http://schemas.microsoft.com/office/drawing/2014/main" id="{ABD15D19-9A48-428C-8AD0-7448FD1E1630}"/>
+              </a:ext>
+            </a:extLst>
+          </p:cNvPr>
+          <p:cNvSpPr/>
+          <p:nvPr/>
+        </p:nvSpPr>
+        <p:spPr>
+          <a:xfrm>
+            <a:off x="7513807" y="3252563"/>
+            <a:ext cx="1216193" cy="2075194"/>
+          </a:xfrm>
+          <a:custGeom>
+            <a:avLst/>
+            <a:gdLst>
+              <a:gd name="connsiteX0" fmla="*/ 791091 w 1216193"/>
+              <a:gd name="connsiteY0" fmla="*/ 532006 h 2075194"/>
+              <a:gd name="connsiteX1" fmla="*/ 1048487 w 1216193"/>
+              <a:gd name="connsiteY1" fmla="*/ 598153 h 2075194"/>
+              <a:gd name="connsiteX2" fmla="*/ 1084930 w 1216193"/>
+              <a:gd name="connsiteY2" fmla="*/ 629312 h 2075194"/>
+              <a:gd name="connsiteX3" fmla="*/ 774950 w 1216193"/>
+              <a:gd name="connsiteY3" fmla="*/ 939293 h 2075194"/>
+              <a:gd name="connsiteX4" fmla="*/ 946293 w 1216193"/>
+              <a:gd name="connsiteY4" fmla="*/ 1110636 h 2075194"/>
+              <a:gd name="connsiteX5" fmla="*/ 1195655 w 1216193"/>
+              <a:gd name="connsiteY5" fmla="*/ 861274 h 2075194"/>
+              <a:gd name="connsiteX6" fmla="*/ 1209472 w 1216193"/>
+              <a:gd name="connsiteY6" fmla="*/ 948027 h 2075194"/>
+              <a:gd name="connsiteX7" fmla="*/ 1216193 w 1216193"/>
+              <a:gd name="connsiteY7" fmla="*/ 1101741 h 2075194"/>
+              <a:gd name="connsiteX8" fmla="*/ 1216193 w 1216193"/>
+              <a:gd name="connsiteY8" fmla="*/ 1187426 h 2075194"/>
+              <a:gd name="connsiteX9" fmla="*/ 839051 w 1216193"/>
+              <a:gd name="connsiteY9" fmla="*/ 1564567 h 2075194"/>
+              <a:gd name="connsiteX10" fmla="*/ 1010394 w 1216193"/>
+              <a:gd name="connsiteY10" fmla="*/ 1735911 h 2075194"/>
+              <a:gd name="connsiteX11" fmla="*/ 1213100 w 1216193"/>
+              <a:gd name="connsiteY11" fmla="*/ 1533205 h 2075194"/>
+              <a:gd name="connsiteX12" fmla="*/ 1211005 w 1216193"/>
+              <a:gd name="connsiteY12" fmla="*/ 1579821 h 2075194"/>
+              <a:gd name="connsiteX13" fmla="*/ 1195441 w 1216193"/>
+              <a:gd name="connsiteY13" fmla="*/ 1709836 h 2075194"/>
+              <a:gd name="connsiteX14" fmla="*/ 1106774 w 1216193"/>
+              <a:gd name="connsiteY14" fmla="*/ 1897232 h 2075194"/>
+              <a:gd name="connsiteX15" fmla="*/ 917489 w 1216193"/>
+              <a:gd name="connsiteY15" fmla="*/ 2029288 h 2075194"/>
+              <a:gd name="connsiteX16" fmla="*/ 621302 w 1216193"/>
+              <a:gd name="connsiteY16" fmla="*/ 2075194 h 2075194"/>
+              <a:gd name="connsiteX17" fmla="*/ 275436 w 1216193"/>
+              <a:gd name="connsiteY17" fmla="*/ 2006651 h 2075194"/>
+              <a:gd name="connsiteX18" fmla="*/ 206026 w 1216193"/>
+              <a:gd name="connsiteY18" fmla="*/ 1968173 h 2075194"/>
+              <a:gd name="connsiteX19" fmla="*/ 167303 w 1216193"/>
+              <a:gd name="connsiteY19" fmla="*/ 1937168 h 2075194"/>
+              <a:gd name="connsiteX20" fmla="*/ 328526 w 1216193"/>
+              <a:gd name="connsiteY20" fmla="*/ 1775945 h 2075194"/>
+              <a:gd name="connsiteX21" fmla="*/ 414198 w 1216193"/>
+              <a:gd name="connsiteY21" fmla="*/ 1861616 h 2075194"/>
+              <a:gd name="connsiteX22" fmla="*/ 414198 w 1216193"/>
+              <a:gd name="connsiteY22" fmla="*/ 1518930 h 2075194"/>
+              <a:gd name="connsiteX23" fmla="*/ 71511 w 1216193"/>
+              <a:gd name="connsiteY23" fmla="*/ 1518930 h 2075194"/>
+              <a:gd name="connsiteX24" fmla="*/ 157183 w 1216193"/>
+              <a:gd name="connsiteY24" fmla="*/ 1604601 h 2075194"/>
+              <a:gd name="connsiteX25" fmla="*/ 35722 w 1216193"/>
+              <a:gd name="connsiteY25" fmla="*/ 1726063 h 2075194"/>
+              <a:gd name="connsiteX26" fmla="*/ 35373 w 1216193"/>
+              <a:gd name="connsiteY26" fmla="*/ 1725084 h 2075194"/>
+              <a:gd name="connsiteX27" fmla="*/ 0 w 1216193"/>
+              <a:gd name="connsiteY27" fmla="*/ 1382205 h 2075194"/>
+              <a:gd name="connsiteX28" fmla="*/ 0 w 1216193"/>
+              <a:gd name="connsiteY28" fmla="*/ 1271530 h 2075194"/>
+              <a:gd name="connsiteX29" fmla="*/ 508109 w 1216193"/>
+              <a:gd name="connsiteY29" fmla="*/ 1271530 h 2075194"/>
+              <a:gd name="connsiteX30" fmla="*/ 508109 w 1216193"/>
+              <a:gd name="connsiteY30" fmla="*/ 1398557 h 2075194"/>
+              <a:gd name="connsiteX31" fmla="*/ 521944 w 1216193"/>
+              <a:gd name="connsiteY31" fmla="*/ 1679021 h 2075194"/>
+              <a:gd name="connsiteX32" fmla="*/ 617529 w 1216193"/>
+              <a:gd name="connsiteY32" fmla="*/ 1762030 h 2075194"/>
+              <a:gd name="connsiteX33" fmla="*/ 678528 w 1216193"/>
+              <a:gd name="connsiteY33" fmla="*/ 1738134 h 2075194"/>
+              <a:gd name="connsiteX34" fmla="*/ 703682 w 1216193"/>
+              <a:gd name="connsiteY34" fmla="*/ 1686567 h 2075194"/>
+              <a:gd name="connsiteX35" fmla="*/ 708084 w 1216193"/>
+              <a:gd name="connsiteY35" fmla="*/ 1446348 h 2075194"/>
+              <a:gd name="connsiteX36" fmla="*/ 708084 w 1216193"/>
+              <a:gd name="connsiteY36" fmla="*/ 1042628 h 2075194"/>
+              <a:gd name="connsiteX37" fmla="*/ 684186 w 1216193"/>
+              <a:gd name="connsiteY37" fmla="*/ 886673 h 2075194"/>
+              <a:gd name="connsiteX38" fmla="*/ 604953 w 1216193"/>
+              <a:gd name="connsiteY38" fmla="*/ 845170 h 2075194"/>
+              <a:gd name="connsiteX39" fmla="*/ 545842 w 1216193"/>
+              <a:gd name="connsiteY39" fmla="*/ 866551 h 2075194"/>
+              <a:gd name="connsiteX40" fmla="*/ 515026 w 1216193"/>
+              <a:gd name="connsiteY40" fmla="*/ 912457 h 2075194"/>
+              <a:gd name="connsiteX41" fmla="*/ 508109 w 1216193"/>
+              <a:gd name="connsiteY41" fmla="*/ 1026279 h 2075194"/>
+              <a:gd name="connsiteX42" fmla="*/ 181011 w 1216193"/>
+              <a:gd name="connsiteY42" fmla="*/ 1026279 h 2075194"/>
+              <a:gd name="connsiteX43" fmla="*/ 511964 w 1216193"/>
+              <a:gd name="connsiteY43" fmla="*/ 695326 h 2075194"/>
+              <a:gd name="connsiteX44" fmla="*/ 597636 w 1216193"/>
+              <a:gd name="connsiteY44" fmla="*/ 780997 h 2075194"/>
+              <a:gd name="connsiteX45" fmla="*/ 597636 w 1216193"/>
+              <a:gd name="connsiteY45" fmla="*/ 581659 h 2075194"/>
+              <a:gd name="connsiteX46" fmla="*/ 621931 w 1216193"/>
+              <a:gd name="connsiteY46" fmla="*/ 566907 h 2075194"/>
+              <a:gd name="connsiteX47" fmla="*/ 791091 w 1216193"/>
+              <a:gd name="connsiteY47" fmla="*/ 532006 h 2075194"/>
+              <a:gd name="connsiteX48" fmla="*/ 26413 w 1216193"/>
+              <a:gd name="connsiteY48" fmla="*/ 0 h 2075194"/>
+              <a:gd name="connsiteX49" fmla="*/ 334284 w 1216193"/>
+              <a:gd name="connsiteY49" fmla="*/ 0 h 2075194"/>
+              <a:gd name="connsiteX50" fmla="*/ 138245 w 1216193"/>
+              <a:gd name="connsiteY50" fmla="*/ 196040 h 2075194"/>
+              <a:gd name="connsiteX51" fmla="*/ 309588 w 1216193"/>
+              <a:gd name="connsiteY51" fmla="*/ 367383 h 2075194"/>
+              <a:gd name="connsiteX52" fmla="*/ 676971 w 1216193"/>
+              <a:gd name="connsiteY52" fmla="*/ 0 h 2075194"/>
+              <a:gd name="connsiteX53" fmla="*/ 1116835 w 1216193"/>
+              <a:gd name="connsiteY53" fmla="*/ 0 h 2075194"/>
+              <a:gd name="connsiteX54" fmla="*/ 1116835 w 1216193"/>
+              <a:gd name="connsiteY54" fmla="*/ 325743 h 2075194"/>
+              <a:gd name="connsiteX55" fmla="*/ 486728 w 1216193"/>
+              <a:gd name="connsiteY55" fmla="*/ 325743 h 2075194"/>
+              <a:gd name="connsiteX56" fmla="*/ 486728 w 1216193"/>
+              <a:gd name="connsiteY56" fmla="*/ 438311 h 2075194"/>
+              <a:gd name="connsiteX57" fmla="*/ 254949 w 1216193"/>
+              <a:gd name="connsiteY57" fmla="*/ 438311 h 2075194"/>
+              <a:gd name="connsiteX58" fmla="*/ 340621 w 1216193"/>
+              <a:gd name="connsiteY58" fmla="*/ 523982 h 2075194"/>
+              <a:gd name="connsiteX59" fmla="*/ 8579 w 1216193"/>
+              <a:gd name="connsiteY59" fmla="*/ 856024 h 2075194"/>
+            </a:gdLst>
+            <a:ahLst/>
+            <a:cxnLst>
+              <a:cxn ang="0">
+                <a:pos x="connsiteX0" y="connsiteY0"/>
+              </a:cxn>
+              <a:cxn ang="0">
+                <a:pos x="connsiteX1" y="connsiteY1"/>
+              </a:cxn>
+              <a:cxn ang="0">
+                <a:pos x="connsiteX2" y="connsiteY2"/>
+              </a:cxn>
+              <a:cxn ang="0">
+                <a:pos x="connsiteX3" y="connsiteY3"/>
+              </a:cxn>
+              <a:cxn ang="0">
+                <a:pos x="connsiteX4" y="connsiteY4"/>
+              </a:cxn>
+              <a:cxn ang="0">
+                <a:pos x="connsiteX5" y="connsiteY5"/>
+              </a:cxn>
+              <a:cxn ang="0">
+                <a:pos x="connsiteX6" y="connsiteY6"/>
+              </a:cxn>
+              <a:cxn ang="0">
+                <a:pos x="connsiteX7" y="connsiteY7"/>
+              </a:cxn>
+              <a:cxn ang="0">
+                <a:pos x="connsiteX8" y="connsiteY8"/>
+              </a:cxn>
+              <a:cxn ang="0">
+                <a:pos x="connsiteX9" y="connsiteY9"/>
+              </a:cxn>
+              <a:cxn ang="0">
+                <a:pos x="connsiteX10" y="connsiteY10"/>
+              </a:cxn>
+              <a:cxn ang="0">
+                <a:pos x="connsiteX11" y="connsiteY11"/>
+              </a:cxn>
+              <a:cxn ang="0">
+                <a:pos x="connsiteX12" y="connsiteY12"/>
+              </a:cxn>
+              <a:cxn ang="0">
+                <a:pos x="connsiteX13" y="connsiteY13"/>
+              </a:cxn>
+              <a:cxn ang="0">
+                <a:pos x="connsiteX14" y="connsiteY14"/>
+              </a:cxn>
+              <a:cxn ang="0">
+                <a:pos x="connsiteX15" y="connsiteY15"/>
+              </a:cxn>
+              <a:cxn ang="0">
+                <a:pos x="connsiteX16" y="connsiteY16"/>
+              </a:cxn>
+              <a:cxn ang="0">
+                <a:pos x="connsiteX17" y="connsiteY17"/>
+              </a:cxn>
+              <a:cxn ang="0">
+                <a:pos x="connsiteX18" y="connsiteY18"/>
+              </a:cxn>
+              <a:cxn ang="0">
+                <a:pos x="connsiteX19" y="connsiteY19"/>
+              </a:cxn>
+              <a:cxn ang="0">
+                <a:pos x="connsiteX20" y="connsiteY20"/>
+              </a:cxn>
+              <a:cxn ang="0">
+                <a:pos x="connsiteX21" y="connsiteY21"/>
+              </a:cxn>
+              <a:cxn ang="0">
+                <a:pos x="connsiteX22" y="connsiteY22"/>
+              </a:cxn>
+              <a:cxn ang="0">
+                <a:pos x="connsiteX23" y="connsiteY23"/>
+              </a:cxn>
+              <a:cxn ang="0">
+                <a:pos x="connsiteX24" y="connsiteY24"/>
+              </a:cxn>
+              <a:cxn ang="0">
+                <a:pos x="connsiteX25" y="connsiteY25"/>
+              </a:cxn>
+              <a:cxn ang="0">
+                <a:pos x="connsiteX26" y="connsiteY26"/>
+              </a:cxn>
+              <a:cxn ang="0">
+                <a:pos x="connsiteX27" y="connsiteY27"/>
+              </a:cxn>
+              <a:cxn ang="0">
+                <a:pos x="connsiteX28" y="connsiteY28"/>
+              </a:cxn>
+              <a:cxn ang="0">
+                <a:pos x="connsiteX29" y="connsiteY29"/>
+              </a:cxn>
+              <a:cxn ang="0">
+                <a:pos x="connsiteX30" y="connsiteY30"/>
+              </a:cxn>
+              <a:cxn ang="0">
+                <a:pos x="connsiteX31" y="connsiteY31"/>
+              </a:cxn>
+              <a:cxn ang="0">
+                <a:pos x="connsiteX32" y="connsiteY32"/>
+              </a:cxn>
+              <a:cxn ang="0">
+                <a:pos x="connsiteX33" y="connsiteY33"/>
+              </a:cxn>
+              <a:cxn ang="0">
+                <a:pos x="connsiteX34" y="connsiteY34"/>
+              </a:cxn>
+              <a:cxn ang="0">
+                <a:pos x="connsiteX35" y="connsiteY35"/>
+              </a:cxn>
+              <a:cxn ang="0">
+                <a:pos x="connsiteX36" y="connsiteY36"/>
+              </a:cxn>
+              <a:cxn ang="0">
+                <a:pos x="connsiteX37" y="connsiteY37"/>
+              </a:cxn>
+              <a:cxn ang="0">
+                <a:pos x="connsiteX38" y="connsiteY38"/>
+              </a:cxn>
+              <a:cxn ang="0">
+                <a:pos x="connsiteX39" y="connsiteY39"/>
+              </a:cxn>
+              <a:cxn ang="0">
+                <a:pos x="connsiteX40" y="connsiteY40"/>
+              </a:cxn>
+              <a:cxn ang="0">
+                <a:pos x="connsiteX41" y="connsiteY41"/>
+              </a:cxn>
+              <a:cxn ang="0">
+                <a:pos x="connsiteX42" y="connsiteY42"/>
+              </a:cxn>
+              <a:cxn ang="0">
+                <a:pos x="connsiteX43" y="connsiteY43"/>
+              </a:cxn>
+              <a:cxn ang="0">
+                <a:pos x="connsiteX44" y="connsiteY44"/>
+              </a:cxn>
+              <a:cxn ang="0">
+                <a:pos x="connsiteX45" y="connsiteY45"/>
+              </a:cxn>
+              <a:cxn ang="0">
+                <a:pos x="connsiteX46" y="connsiteY46"/>
+              </a:cxn>
+              <a:cxn ang="0">
+                <a:pos x="connsiteX47" y="connsiteY47"/>
+              </a:cxn>
+              <a:cxn ang="0">
+                <a:pos x="connsiteX48" y="connsiteY48"/>
+              </a:cxn>
+              <a:cxn ang="0">
+                <a:pos x="connsiteX49" y="connsiteY49"/>
+              </a:cxn>
+              <a:cxn ang="0">
+                <a:pos x="connsiteX50" y="connsiteY50"/>
+              </a:cxn>
+              <a:cxn ang="0">
+                <a:pos x="connsiteX51" y="connsiteY51"/>
+              </a:cxn>
+              <a:cxn ang="0">
+                <a:pos x="connsiteX52" y="connsiteY52"/>
+              </a:cxn>
+              <a:cxn ang="0">
+                <a:pos x="connsiteX53" y="connsiteY53"/>
+              </a:cxn>
+              <a:cxn ang="0">
+                <a:pos x="connsiteX54" y="connsiteY54"/>
+              </a:cxn>
+              <a:cxn ang="0">
+                <a:pos x="connsiteX55" y="connsiteY55"/>
+              </a:cxn>
+              <a:cxn ang="0">
+                <a:pos x="connsiteX56" y="connsiteY56"/>
+              </a:cxn>
+              <a:cxn ang="0">
+                <a:pos x="connsiteX57" y="connsiteY57"/>
+              </a:cxn>
+              <a:cxn ang="0">
+                <a:pos x="connsiteX58" y="connsiteY58"/>
+              </a:cxn>
+              <a:cxn ang="0">
+                <a:pos x="connsiteX59" y="connsiteY59"/>
+              </a:cxn>
+            </a:cxnLst>
+            <a:rect l="l" t="t" r="r" b="b"/>
+            <a:pathLst>
+              <a:path w="1216193" h="2075194">
+                <a:moveTo>
+                  <a:pt x="791091" y="532006"/>
+                </a:moveTo>
+                <a:cubicBezTo>
+                  <a:pt x="896110" y="532006"/>
+                  <a:pt x="981908" y="554055"/>
+                  <a:pt x="1048487" y="598153"/>
+                </a:cubicBezTo>
+                <a:lnTo>
+                  <a:pt x="1084930" y="629312"/>
+                </a:lnTo>
+                <a:lnTo>
+                  <a:pt x="774950" y="939293"/>
+                </a:lnTo>
+                <a:lnTo>
+                  <a:pt x="946293" y="1110636"/>
+                </a:lnTo>
+                <a:lnTo>
+                  <a:pt x="1195655" y="861274"/>
+                </a:lnTo>
+                <a:lnTo>
+                  <a:pt x="1209472" y="948027"/>
+                </a:lnTo>
+                <a:cubicBezTo>
+                  <a:pt x="1213953" y="994745"/>
+                  <a:pt x="1216193" y="1045983"/>
+                  <a:pt x="1216193" y="1101741"/>
+                </a:cubicBezTo>
+                <a:lnTo>
+                  <a:pt x="1216193" y="1187426"/>
+                </a:lnTo>
+                <a:lnTo>
+                  <a:pt x="839051" y="1564567"/>
+                </a:lnTo>
+                <a:lnTo>
+                  <a:pt x="1010394" y="1735911"/>
+                </a:lnTo>
+                <a:lnTo>
+                  <a:pt x="1213100" y="1533205"/>
+                </a:lnTo>
+                <a:lnTo>
+                  <a:pt x="1211005" y="1579821"/>
+                </a:lnTo>
+                <a:cubicBezTo>
+                  <a:pt x="1207547" y="1632750"/>
+                  <a:pt x="1202359" y="1676088"/>
+                  <a:pt x="1195441" y="1709836"/>
+                </a:cubicBezTo>
+                <a:cubicBezTo>
+                  <a:pt x="1181607" y="1777330"/>
+                  <a:pt x="1152050" y="1839797"/>
+                  <a:pt x="1106774" y="1897232"/>
+                </a:cubicBezTo>
+                <a:cubicBezTo>
+                  <a:pt x="1061497" y="1954665"/>
+                  <a:pt x="998403" y="1998685"/>
+                  <a:pt x="917489" y="2029288"/>
+                </a:cubicBezTo>
+                <a:cubicBezTo>
+                  <a:pt x="836577" y="2059891"/>
+                  <a:pt x="737848" y="2075194"/>
+                  <a:pt x="621302" y="2075194"/>
+                </a:cubicBezTo>
+                <a:cubicBezTo>
+                  <a:pt x="490501" y="2075194"/>
+                  <a:pt x="375213" y="2052347"/>
+                  <a:pt x="275436" y="2006651"/>
+                </a:cubicBezTo>
+                <a:cubicBezTo>
+                  <a:pt x="250491" y="1995227"/>
+                  <a:pt x="227355" y="1982401"/>
+                  <a:pt x="206026" y="1968173"/>
+                </a:cubicBezTo>
+                <a:lnTo>
+                  <a:pt x="167303" y="1937168"/>
+                </a:lnTo>
+                <a:lnTo>
+                  <a:pt x="328526" y="1775945"/>
+                </a:lnTo>
+                <a:lnTo>
+                  <a:pt x="414198" y="1861616"/>
+                </a:lnTo>
+                <a:lnTo>
+                  <a:pt x="414198" y="1518930"/>
+                </a:lnTo>
+                <a:lnTo>
+                  <a:pt x="71511" y="1518930"/>
+                </a:lnTo>
+                <a:lnTo>
+                  <a:pt x="157183" y="1604601"/>
+                </a:lnTo>
+                <a:lnTo>
+                  <a:pt x="35722" y="1726063"/>
+                </a:lnTo>
+                <a:lnTo>
+                  <a:pt x="35373" y="1725084"/>
+                </a:lnTo>
+                <a:cubicBezTo>
+                  <a:pt x="11791" y="1638618"/>
+                  <a:pt x="0" y="1524326"/>
+                  <a:pt x="0" y="1382205"/>
+                </a:cubicBezTo>
+                <a:lnTo>
+                  <a:pt x="0" y="1271530"/>
+                </a:lnTo>
+                <a:lnTo>
+                  <a:pt x="508109" y="1271530"/>
+                </a:lnTo>
+                <a:lnTo>
+                  <a:pt x="508109" y="1398557"/>
+                </a:lnTo>
+                <a:cubicBezTo>
+                  <a:pt x="508109" y="1530193"/>
+                  <a:pt x="512721" y="1623683"/>
+                  <a:pt x="521944" y="1679021"/>
+                </a:cubicBezTo>
+                <a:cubicBezTo>
+                  <a:pt x="531168" y="1734361"/>
+                  <a:pt x="563030" y="1762030"/>
+                  <a:pt x="617529" y="1762030"/>
+                </a:cubicBezTo>
+                <a:cubicBezTo>
+                  <a:pt x="642683" y="1762030"/>
+                  <a:pt x="663015" y="1754064"/>
+                  <a:pt x="678528" y="1738134"/>
+                </a:cubicBezTo>
+                <a:cubicBezTo>
+                  <a:pt x="694040" y="1722202"/>
+                  <a:pt x="702423" y="1705014"/>
+                  <a:pt x="703682" y="1686567"/>
+                </a:cubicBezTo>
+                <a:cubicBezTo>
+                  <a:pt x="704940" y="1668120"/>
+                  <a:pt x="706406" y="1588048"/>
+                  <a:pt x="708084" y="1446348"/>
+                </a:cubicBezTo>
+                <a:lnTo>
+                  <a:pt x="708084" y="1042628"/>
+                </a:lnTo>
+                <a:cubicBezTo>
+                  <a:pt x="708084" y="966329"/>
+                  <a:pt x="700118" y="914345"/>
+                  <a:pt x="684186" y="886673"/>
+                </a:cubicBezTo>
+                <a:cubicBezTo>
+                  <a:pt x="668257" y="859005"/>
+                  <a:pt x="641844" y="845170"/>
+                  <a:pt x="604953" y="845170"/>
+                </a:cubicBezTo>
+                <a:cubicBezTo>
+                  <a:pt x="581477" y="845170"/>
+                  <a:pt x="561771" y="852297"/>
+                  <a:pt x="545842" y="866551"/>
+                </a:cubicBezTo>
+                <a:cubicBezTo>
+                  <a:pt x="529910" y="880805"/>
+                  <a:pt x="519639" y="896108"/>
+                  <a:pt x="515026" y="912457"/>
+                </a:cubicBezTo>
+                <a:cubicBezTo>
+                  <a:pt x="510417" y="928809"/>
+                  <a:pt x="508109" y="966748"/>
+                  <a:pt x="508109" y="1026279"/>
+                </a:cubicBezTo>
+                <a:lnTo>
+                  <a:pt x="181011" y="1026279"/>
+                </a:lnTo>
+                <a:lnTo>
+                  <a:pt x="511964" y="695326"/>
+                </a:lnTo>
+                <a:lnTo>
+                  <a:pt x="597636" y="780997"/>
+                </a:lnTo>
+                <a:lnTo>
+                  <a:pt x="597636" y="581659"/>
+                </a:lnTo>
+                <a:lnTo>
+                  <a:pt x="621931" y="566907"/>
+                </a:lnTo>
+                <a:cubicBezTo>
+                  <a:pt x="672658" y="543639"/>
+                  <a:pt x="729045" y="532006"/>
+                  <a:pt x="791091" y="532006"/>
+                </a:cubicBezTo>
+                <a:close/>
+                <a:moveTo>
+                  <a:pt x="26413" y="0"/>
+                </a:moveTo>
+                <a:lnTo>
+                  <a:pt x="334284" y="0"/>
+                </a:lnTo>
+                <a:lnTo>
+                  <a:pt x="138245" y="196040"/>
+                </a:lnTo>
+                <a:lnTo>
+                  <a:pt x="309588" y="367383"/>
+                </a:lnTo>
+                <a:lnTo>
+                  <a:pt x="676971" y="0"/>
+                </a:lnTo>
+                <a:lnTo>
+                  <a:pt x="1116835" y="0"/>
+                </a:lnTo>
+                <a:lnTo>
+                  <a:pt x="1116835" y="325743"/>
+                </a:lnTo>
+                <a:lnTo>
+                  <a:pt x="486728" y="325743"/>
+                </a:lnTo>
+                <a:lnTo>
+                  <a:pt x="486728" y="438311"/>
+                </a:lnTo>
+                <a:lnTo>
+                  <a:pt x="254949" y="438311"/>
+                </a:lnTo>
+                <a:lnTo>
+                  <a:pt x="340621" y="523982"/>
+                </a:lnTo>
+                <a:lnTo>
+                  <a:pt x="8579" y="856024"/>
+                </a:lnTo>
+                <a:close/>
+              </a:path>
+            </a:pathLst>
+          </a:custGeom>
+          <a:solidFill>
+            <a:srgbClr val="D9D9D9"/>
+          </a:solidFill>
+          <a:ln w="19050">
+            <a:noFill/>
+          </a:ln>
+        </p:spPr>
+        <p:style>
+          <a:lnRef idx="2">
+            <a:schemeClr val="accent1">
+              <a:shade val="50000"/>
+            </a:schemeClr>
+          </a:lnRef>
+          <a:fillRef idx="1">
+            <a:schemeClr val="accent1"/>
+          </a:fillRef>
+          <a:effectRef idx="0">
+            <a:schemeClr val="accent1"/>
+          </a:effectRef>
+          <a:fontRef idx="minor">
+            <a:schemeClr val="lt1"/>
+          </a:fontRef>
+        </p:style>
+        <p:txBody>
+          <a:bodyPr wrap="square" rtlCol="0" anchor="ctr">
+            <a:noAutofit/>
+          </a:bodyPr>
+          <a:lstStyle/>
+          <a:p>
+            <a:pPr algn="ctr"/>
+            <a:endParaRPr lang="ko-KR" altLang="en-US"/>
+          </a:p>
+        </p:txBody>
+      </p:sp>
+      <p:sp>
+        <p:nvSpPr>
+          <p:cNvPr id="44" name="자유형: 도형 43">
+            <a:extLst>
+              <a:ext uri="{FF2B5EF4-FFF2-40B4-BE49-F238E27FC236}">
+                <a16:creationId xmlns:a16="http://schemas.microsoft.com/office/drawing/2014/main" id="{B81A5BAE-8DC8-475E-97B8-A3F176CAE296}"/>
+              </a:ext>
+            </a:extLst>
+          </p:cNvPr>
+          <p:cNvSpPr/>
+          <p:nvPr/>
+        </p:nvSpPr>
+        <p:spPr>
+          <a:xfrm>
+            <a:off x="7513808" y="3252563"/>
+            <a:ext cx="1216193" cy="2075194"/>
+          </a:xfrm>
+          <a:custGeom>
+            <a:avLst/>
+            <a:gdLst/>
+            <a:ahLst/>
+            <a:cxnLst/>
+            <a:rect l="l" t="t" r="r" b="b"/>
+            <a:pathLst>
+              <a:path w="481222" h="821113">
+                <a:moveTo>
+                  <a:pt x="10451" y="0"/>
+                </a:moveTo>
+                <a:lnTo>
+                  <a:pt x="441908" y="0"/>
+                </a:lnTo>
+                <a:lnTo>
+                  <a:pt x="441908" y="128890"/>
+                </a:lnTo>
+                <a:lnTo>
+                  <a:pt x="192588" y="128890"/>
+                </a:lnTo>
+                <a:lnTo>
+                  <a:pt x="192588" y="265742"/>
+                </a:lnTo>
+                <a:cubicBezTo>
+                  <a:pt x="223774" y="228917"/>
+                  <a:pt x="263917" y="210504"/>
+                  <a:pt x="313018" y="210504"/>
+                </a:cubicBezTo>
+                <a:cubicBezTo>
+                  <a:pt x="368423" y="210504"/>
+                  <a:pt x="410308" y="226014"/>
+                  <a:pt x="438673" y="257034"/>
+                </a:cubicBezTo>
+                <a:cubicBezTo>
+                  <a:pt x="467039" y="288053"/>
+                  <a:pt x="481222" y="347688"/>
+                  <a:pt x="481222" y="435937"/>
+                </a:cubicBezTo>
+                <a:lnTo>
+                  <a:pt x="481222" y="550892"/>
+                </a:lnTo>
+                <a:cubicBezTo>
+                  <a:pt x="481222" y="607956"/>
+                  <a:pt x="478485" y="649841"/>
+                  <a:pt x="473011" y="676548"/>
+                </a:cubicBezTo>
+                <a:cubicBezTo>
+                  <a:pt x="467537" y="703254"/>
+                  <a:pt x="455842" y="727971"/>
+                  <a:pt x="437927" y="750697"/>
+                </a:cubicBezTo>
+                <a:cubicBezTo>
+                  <a:pt x="420012" y="773422"/>
+                  <a:pt x="395047" y="790840"/>
+                  <a:pt x="363031" y="802949"/>
+                </a:cubicBezTo>
+                <a:cubicBezTo>
+                  <a:pt x="331016" y="815058"/>
+                  <a:pt x="291951" y="821113"/>
+                  <a:pt x="245836" y="821113"/>
+                </a:cubicBezTo>
+                <a:cubicBezTo>
+                  <a:pt x="194081" y="821113"/>
+                  <a:pt x="148464" y="812073"/>
+                  <a:pt x="108984" y="793992"/>
+                </a:cubicBezTo>
+                <a:cubicBezTo>
+                  <a:pt x="69504" y="775910"/>
+                  <a:pt x="41470" y="748955"/>
+                  <a:pt x="24882" y="713124"/>
+                </a:cubicBezTo>
+                <a:cubicBezTo>
+                  <a:pt x="8294" y="677294"/>
+                  <a:pt x="0" y="621890"/>
+                  <a:pt x="0" y="546911"/>
+                </a:cubicBezTo>
+                <a:lnTo>
+                  <a:pt x="0" y="503119"/>
+                </a:lnTo>
+                <a:lnTo>
+                  <a:pt x="201048" y="503119"/>
+                </a:lnTo>
+                <a:lnTo>
+                  <a:pt x="201048" y="553381"/>
+                </a:lnTo>
+                <a:cubicBezTo>
+                  <a:pt x="201048" y="605467"/>
+                  <a:pt x="202873" y="642459"/>
+                  <a:pt x="206522" y="664355"/>
+                </a:cubicBezTo>
+                <a:cubicBezTo>
+                  <a:pt x="210172" y="686252"/>
+                  <a:pt x="222779" y="697200"/>
+                  <a:pt x="244343" y="697200"/>
+                </a:cubicBezTo>
+                <a:cubicBezTo>
+                  <a:pt x="254296" y="697200"/>
+                  <a:pt x="262341" y="694048"/>
+                  <a:pt x="268479" y="687745"/>
+                </a:cubicBezTo>
+                <a:cubicBezTo>
+                  <a:pt x="274617" y="681441"/>
+                  <a:pt x="277934" y="674640"/>
+                  <a:pt x="278432" y="667341"/>
+                </a:cubicBezTo>
+                <a:cubicBezTo>
+                  <a:pt x="278930" y="660042"/>
+                  <a:pt x="279510" y="628359"/>
+                  <a:pt x="280174" y="572291"/>
+                </a:cubicBezTo>
+                <a:lnTo>
+                  <a:pt x="280174" y="412547"/>
+                </a:lnTo>
+                <a:cubicBezTo>
+                  <a:pt x="280174" y="382357"/>
+                  <a:pt x="277022" y="361788"/>
+                  <a:pt x="270718" y="350839"/>
+                </a:cubicBezTo>
+                <a:cubicBezTo>
+                  <a:pt x="264415" y="339891"/>
+                  <a:pt x="253964" y="334417"/>
+                  <a:pt x="239367" y="334417"/>
+                </a:cubicBezTo>
+                <a:cubicBezTo>
+                  <a:pt x="230078" y="334417"/>
+                  <a:pt x="222281" y="337237"/>
+                  <a:pt x="215978" y="342877"/>
+                </a:cubicBezTo>
+                <a:cubicBezTo>
+                  <a:pt x="209674" y="348517"/>
+                  <a:pt x="205610" y="354572"/>
+                  <a:pt x="203785" y="361041"/>
+                </a:cubicBezTo>
+                <a:cubicBezTo>
+                  <a:pt x="201961" y="367511"/>
+                  <a:pt x="201048" y="382523"/>
+                  <a:pt x="201048" y="406078"/>
+                </a:cubicBezTo>
+                <a:lnTo>
+                  <a:pt x="1991" y="406078"/>
+                </a:lnTo>
+                <a:lnTo>
+                  <a:pt x="10451" y="0"/>
+                </a:lnTo>
+                <a:close/>
+              </a:path>
+            </a:pathLst>
+          </a:custGeom>
+          <a:noFill/>
+          <a:ln w="19050">
+            <a:solidFill>
+              <a:schemeClr val="tx1"/>
+            </a:solidFill>
+          </a:ln>
+        </p:spPr>
+        <p:style>
+          <a:lnRef idx="2">
+            <a:schemeClr val="accent1">
+              <a:shade val="50000"/>
+            </a:schemeClr>
+          </a:lnRef>
+          <a:fillRef idx="1">
+            <a:schemeClr val="accent1"/>
+          </a:fillRef>
+          <a:effectRef idx="0">
+            <a:schemeClr val="accent1"/>
+          </a:effectRef>
+          <a:fontRef idx="minor">
+            <a:schemeClr val="lt1"/>
+          </a:fontRef>
+        </p:style>
+        <p:txBody>
+          <a:bodyPr wrap="square" rtlCol="0" anchor="ctr">
+            <a:noAutofit/>
+          </a:bodyPr>
+          <a:lstStyle/>
+          <a:p>
+            <a:pPr algn="ctr"/>
+            <a:endParaRPr lang="ko-KR" altLang="en-US"/>
+          </a:p>
+        </p:txBody>
+      </p:sp>
+      <p:sp>
+        <p:nvSpPr>
+          <p:cNvPr id="125" name="자유형: 도형 124">
+            <a:extLst>
+              <a:ext uri="{FF2B5EF4-FFF2-40B4-BE49-F238E27FC236}">
+                <a16:creationId xmlns:a16="http://schemas.microsoft.com/office/drawing/2014/main" id="{6EECA61C-19EC-434B-A2E5-FC11E4530D49}"/>
+              </a:ext>
+            </a:extLst>
+          </p:cNvPr>
+          <p:cNvSpPr/>
+          <p:nvPr/>
+        </p:nvSpPr>
+        <p:spPr>
+          <a:xfrm>
+            <a:off x="9412557" y="4108976"/>
+            <a:ext cx="1075137" cy="1210960"/>
+          </a:xfrm>
+          <a:custGeom>
+            <a:avLst/>
+            <a:gdLst>
+              <a:gd name="connsiteX0" fmla="*/ 967015 w 1075137"/>
+              <a:gd name="connsiteY0" fmla="*/ 1035616 h 1210960"/>
+              <a:gd name="connsiteX1" fmla="*/ 965717 w 1075137"/>
+              <a:gd name="connsiteY1" fmla="*/ 1037696 h 1210960"/>
+              <a:gd name="connsiteX2" fmla="*/ 953470 w 1075137"/>
+              <a:gd name="connsiteY2" fmla="*/ 1049162 h 1210960"/>
+              <a:gd name="connsiteX3" fmla="*/ 410821 w 1075137"/>
+              <a:gd name="connsiteY3" fmla="*/ 880579 h 1210960"/>
+              <a:gd name="connsiteX4" fmla="*/ 411702 w 1075137"/>
+              <a:gd name="connsiteY4" fmla="*/ 881742 h 1210960"/>
+              <a:gd name="connsiteX5" fmla="*/ 439843 w 1075137"/>
+              <a:gd name="connsiteY5" fmla="*/ 897306 h 1210960"/>
+              <a:gd name="connsiteX6" fmla="*/ 456405 w 1075137"/>
+              <a:gd name="connsiteY6" fmla="*/ 899652 h 1210960"/>
+              <a:gd name="connsiteX7" fmla="*/ 188186 w 1075137"/>
+              <a:gd name="connsiteY7" fmla="*/ 1167871 h 1210960"/>
+              <a:gd name="connsiteX8" fmla="*/ 141528 w 1075137"/>
+              <a:gd name="connsiteY8" fmla="*/ 1149873 h 1210960"/>
+              <a:gd name="connsiteX9" fmla="*/ 1071110 w 1075137"/>
+              <a:gd name="connsiteY9" fmla="*/ 694444 h 1210960"/>
+              <a:gd name="connsiteX10" fmla="*/ 1069949 w 1075137"/>
+              <a:gd name="connsiteY10" fmla="*/ 720286 h 1210960"/>
+              <a:gd name="connsiteX11" fmla="*/ 1066004 w 1075137"/>
+              <a:gd name="connsiteY11" fmla="*/ 764206 h 1210960"/>
+              <a:gd name="connsiteX12" fmla="*/ 624830 w 1075137"/>
+              <a:gd name="connsiteY12" fmla="*/ 1205381 h 1210960"/>
+              <a:gd name="connsiteX13" fmla="*/ 555225 w 1075137"/>
+              <a:gd name="connsiteY13" fmla="*/ 1210329 h 1210960"/>
+              <a:gd name="connsiteX14" fmla="*/ 369730 w 1075137"/>
+              <a:gd name="connsiteY14" fmla="*/ 684592 h 1210960"/>
+              <a:gd name="connsiteX15" fmla="*/ 370512 w 1075137"/>
+              <a:gd name="connsiteY15" fmla="*/ 707865 h 1210960"/>
+              <a:gd name="connsiteX16" fmla="*/ 373120 w 1075137"/>
+              <a:gd name="connsiteY16" fmla="*/ 745858 h 1210960"/>
+              <a:gd name="connsiteX17" fmla="*/ 34632 w 1075137"/>
+              <a:gd name="connsiteY17" fmla="*/ 1084346 h 1210960"/>
+              <a:gd name="connsiteX18" fmla="*/ 6408 w 1075137"/>
+              <a:gd name="connsiteY18" fmla="*/ 1061748 h 1210960"/>
+              <a:gd name="connsiteX19" fmla="*/ 0 w 1075137"/>
+              <a:gd name="connsiteY19" fmla="*/ 1054322 h 1210960"/>
+              <a:gd name="connsiteX20" fmla="*/ 1075137 w 1075137"/>
+              <a:gd name="connsiteY20" fmla="*/ 453341 h 1210960"/>
+              <a:gd name="connsiteX21" fmla="*/ 1075137 w 1075137"/>
+              <a:gd name="connsiteY21" fmla="*/ 517997 h 1210960"/>
+              <a:gd name="connsiteX22" fmla="*/ 382174 w 1075137"/>
+              <a:gd name="connsiteY22" fmla="*/ 1210960 h 1210960"/>
+              <a:gd name="connsiteX23" fmla="*/ 325646 w 1075137"/>
+              <a:gd name="connsiteY23" fmla="*/ 1202832 h 1210960"/>
+              <a:gd name="connsiteX24" fmla="*/ 1074050 w 1075137"/>
+              <a:gd name="connsiteY24" fmla="*/ 217350 h 1210960"/>
+              <a:gd name="connsiteX25" fmla="*/ 1075137 w 1075137"/>
+              <a:gd name="connsiteY25" fmla="*/ 242205 h 1210960"/>
+              <a:gd name="connsiteX26" fmla="*/ 1075137 w 1075137"/>
+              <a:gd name="connsiteY26" fmla="*/ 280919 h 1210960"/>
+              <a:gd name="connsiteX27" fmla="*/ 563814 w 1075137"/>
+              <a:gd name="connsiteY27" fmla="*/ 792242 h 1210960"/>
+              <a:gd name="connsiteX28" fmla="*/ 564670 w 1075137"/>
+              <a:gd name="connsiteY28" fmla="*/ 753142 h 1210960"/>
+              <a:gd name="connsiteX29" fmla="*/ 565097 w 1075137"/>
+              <a:gd name="connsiteY29" fmla="*/ 726304 h 1210960"/>
+              <a:gd name="connsiteX30" fmla="*/ 1054322 w 1075137"/>
+              <a:gd name="connsiteY30" fmla="*/ 0 h 1210960"/>
+              <a:gd name="connsiteX31" fmla="*/ 1063205 w 1075137"/>
+              <a:gd name="connsiteY31" fmla="*/ 55773 h 1210960"/>
+              <a:gd name="connsiteX32" fmla="*/ 567028 w 1075137"/>
+              <a:gd name="connsiteY32" fmla="*/ 551950 h 1210960"/>
+              <a:gd name="connsiteX33" fmla="*/ 567028 w 1075137"/>
+              <a:gd name="connsiteY33" fmla="*/ 487294 h 1210960"/>
+            </a:gdLst>
+            <a:ahLst/>
+            <a:cxnLst>
+              <a:cxn ang="0">
+                <a:pos x="connsiteX0" y="connsiteY0"/>
+              </a:cxn>
+              <a:cxn ang="0">
+                <a:pos x="connsiteX1" y="connsiteY1"/>
+              </a:cxn>
+              <a:cxn ang="0">
+                <a:pos x="connsiteX2" y="connsiteY2"/>
+              </a:cxn>
+              <a:cxn ang="0">
+                <a:pos x="connsiteX3" y="connsiteY3"/>
+              </a:cxn>
+              <a:cxn ang="0">
+                <a:pos x="connsiteX4" y="connsiteY4"/>
+              </a:cxn>
+              <a:cxn ang="0">
+                <a:pos x="connsiteX5" y="connsiteY5"/>
+              </a:cxn>
+              <a:cxn ang="0">
+                <a:pos x="connsiteX6" y="connsiteY6"/>
+              </a:cxn>
+              <a:cxn ang="0">
+                <a:pos x="connsiteX7" y="connsiteY7"/>
+              </a:cxn>
+              <a:cxn ang="0">
+                <a:pos x="connsiteX8" y="connsiteY8"/>
+              </a:cxn>
+              <a:cxn ang="0">
+                <a:pos x="connsiteX9" y="connsiteY9"/>
+              </a:cxn>
+              <a:cxn ang="0">
+                <a:pos x="connsiteX10" y="connsiteY10"/>
+              </a:cxn>
+              <a:cxn ang="0">
+                <a:pos x="connsiteX11" y="connsiteY11"/>
+              </a:cxn>
+              <a:cxn ang="0">
+                <a:pos x="connsiteX12" y="connsiteY12"/>
+              </a:cxn>
+              <a:cxn ang="0">
+                <a:pos x="connsiteX13" y="connsiteY13"/>
+              </a:cxn>
+              <a:cxn ang="0">
+                <a:pos x="connsiteX14" y="connsiteY14"/>
+              </a:cxn>
+              <a:cxn ang="0">
+                <a:pos x="connsiteX15" y="connsiteY15"/>
+              </a:cxn>
+              <a:cxn ang="0">
+                <a:pos x="connsiteX16" y="connsiteY16"/>
+              </a:cxn>
+              <a:cxn ang="0">
+                <a:pos x="connsiteX17" y="connsiteY17"/>
+              </a:cxn>
+              <a:cxn ang="0">
+                <a:pos x="connsiteX18" y="connsiteY18"/>
+              </a:cxn>
+              <a:cxn ang="0">
+                <a:pos x="connsiteX19" y="connsiteY19"/>
+              </a:cxn>
+              <a:cxn ang="0">
+                <a:pos x="connsiteX20" y="connsiteY20"/>
+              </a:cxn>
+              <a:cxn ang="0">
+                <a:pos x="connsiteX21" y="connsiteY21"/>
+              </a:cxn>
+              <a:cxn ang="0">
+                <a:pos x="connsiteX22" y="connsiteY22"/>
+              </a:cxn>
+              <a:cxn ang="0">
+                <a:pos x="connsiteX23" y="connsiteY23"/>
+              </a:cxn>
+              <a:cxn ang="0">
+                <a:pos x="connsiteX24" y="connsiteY24"/>
+              </a:cxn>
+              <a:cxn ang="0">
+                <a:pos x="connsiteX25" y="connsiteY25"/>
+              </a:cxn>
+              <a:cxn ang="0">
+                <a:pos x="connsiteX26" y="connsiteY26"/>
+              </a:cxn>
+              <a:cxn ang="0">
+                <a:pos x="connsiteX27" y="connsiteY27"/>
+              </a:cxn>
+              <a:cxn ang="0">
+                <a:pos x="connsiteX28" y="connsiteY28"/>
+              </a:cxn>
+              <a:cxn ang="0">
+                <a:pos x="connsiteX29" y="connsiteY29"/>
+              </a:cxn>
+              <a:cxn ang="0">
+                <a:pos x="connsiteX30" y="connsiteY30"/>
+              </a:cxn>
+              <a:cxn ang="0">
+                <a:pos x="connsiteX31" y="connsiteY31"/>
+              </a:cxn>
+              <a:cxn ang="0">
+                <a:pos x="connsiteX32" y="connsiteY32"/>
+              </a:cxn>
+              <a:cxn ang="0">
+                <a:pos x="connsiteX33" y="connsiteY33"/>
+              </a:cxn>
+            </a:cxnLst>
+            <a:rect l="l" t="t" r="r" b="b"/>
+            <a:pathLst>
+              <a:path w="1075137" h="1210960">
+                <a:moveTo>
+                  <a:pt x="967015" y="1035616"/>
+                </a:moveTo>
+                <a:lnTo>
+                  <a:pt x="965717" y="1037696"/>
+                </a:lnTo>
+                <a:lnTo>
+                  <a:pt x="953470" y="1049162"/>
+                </a:lnTo>
+                <a:close/>
+                <a:moveTo>
+                  <a:pt x="410821" y="880579"/>
+                </a:moveTo>
+                <a:lnTo>
+                  <a:pt x="411702" y="881742"/>
+                </a:lnTo>
+                <a:cubicBezTo>
+                  <a:pt x="419668" y="888659"/>
+                  <a:pt x="429048" y="893847"/>
+                  <a:pt x="439843" y="897306"/>
+                </a:cubicBezTo>
+                <a:lnTo>
+                  <a:pt x="456405" y="899652"/>
+                </a:lnTo>
+                <a:lnTo>
+                  <a:pt x="188186" y="1167871"/>
+                </a:lnTo>
+                <a:lnTo>
+                  <a:pt x="141528" y="1149873"/>
+                </a:lnTo>
+                <a:close/>
+                <a:moveTo>
+                  <a:pt x="1071110" y="694444"/>
+                </a:moveTo>
+                <a:lnTo>
+                  <a:pt x="1069949" y="720286"/>
+                </a:lnTo>
+                <a:lnTo>
+                  <a:pt x="1066004" y="764206"/>
+                </a:lnTo>
+                <a:lnTo>
+                  <a:pt x="624830" y="1205381"/>
+                </a:lnTo>
+                <a:lnTo>
+                  <a:pt x="555225" y="1210329"/>
+                </a:lnTo>
+                <a:close/>
+                <a:moveTo>
+                  <a:pt x="369730" y="684592"/>
+                </a:moveTo>
+                <a:lnTo>
+                  <a:pt x="370512" y="707865"/>
+                </a:lnTo>
+                <a:lnTo>
+                  <a:pt x="373120" y="745858"/>
+                </a:lnTo>
+                <a:lnTo>
+                  <a:pt x="34632" y="1084346"/>
+                </a:lnTo>
+                <a:lnTo>
+                  <a:pt x="6408" y="1061748"/>
+                </a:lnTo>
+                <a:lnTo>
+                  <a:pt x="0" y="1054322"/>
+                </a:lnTo>
+                <a:close/>
+                <a:moveTo>
+                  <a:pt x="1075137" y="453341"/>
+                </a:moveTo>
+                <a:lnTo>
+                  <a:pt x="1075137" y="517997"/>
+                </a:lnTo>
+                <a:lnTo>
+                  <a:pt x="382174" y="1210960"/>
+                </a:lnTo>
+                <a:lnTo>
+                  <a:pt x="325646" y="1202832"/>
+                </a:lnTo>
+                <a:close/>
+                <a:moveTo>
+                  <a:pt x="1074050" y="217350"/>
+                </a:moveTo>
+                <a:lnTo>
+                  <a:pt x="1075137" y="242205"/>
+                </a:lnTo>
+                <a:lnTo>
+                  <a:pt x="1075137" y="280919"/>
+                </a:lnTo>
+                <a:lnTo>
+                  <a:pt x="563814" y="792242"/>
+                </a:lnTo>
+                <a:lnTo>
+                  <a:pt x="564670" y="753142"/>
+                </a:lnTo>
+                <a:lnTo>
+                  <a:pt x="565097" y="726304"/>
+                </a:lnTo>
+                <a:close/>
+                <a:moveTo>
+                  <a:pt x="1054322" y="0"/>
+                </a:moveTo>
+                <a:lnTo>
+                  <a:pt x="1063205" y="55773"/>
+                </a:lnTo>
+                <a:lnTo>
+                  <a:pt x="567028" y="551950"/>
+                </a:lnTo>
+                <a:lnTo>
+                  <a:pt x="567028" y="487294"/>
+                </a:lnTo>
+                <a:close/>
+              </a:path>
+            </a:pathLst>
+          </a:custGeom>
+          <a:solidFill>
+            <a:schemeClr val="bg1">
+              <a:lumMod val="75000"/>
+            </a:schemeClr>
+          </a:solidFill>
+          <a:ln w="19050">
+            <a:noFill/>
+          </a:ln>
+        </p:spPr>
+        <p:style>
+          <a:lnRef idx="2">
+            <a:schemeClr val="accent1">
+              <a:shade val="50000"/>
+            </a:schemeClr>
+          </a:lnRef>
+          <a:fillRef idx="1">
+            <a:schemeClr val="accent1"/>
+          </a:fillRef>
+          <a:effectRef idx="0">
+            <a:schemeClr val="accent1"/>
+          </a:effectRef>
+          <a:fontRef idx="minor">
+            <a:schemeClr val="lt1"/>
+          </a:fontRef>
+        </p:style>
+        <p:txBody>
+          <a:bodyPr wrap="square" rtlCol="0" anchor="ctr">
+            <a:noAutofit/>
+          </a:bodyPr>
+          <a:lstStyle/>
+          <a:p>
+            <a:pPr algn="ctr"/>
+            <a:endParaRPr lang="ko-KR" altLang="en-US"/>
+          </a:p>
+        </p:txBody>
+      </p:sp>
+      <p:sp>
+        <p:nvSpPr>
+          <p:cNvPr id="46" name="자유형: 도형 45">
+            <a:extLst>
+              <a:ext uri="{FF2B5EF4-FFF2-40B4-BE49-F238E27FC236}">
+                <a16:creationId xmlns:a16="http://schemas.microsoft.com/office/drawing/2014/main" id="{38CD530D-66AE-418F-8A49-6CE40EB66AEE}"/>
+              </a:ext>
+            </a:extLst>
+          </p:cNvPr>
+          <p:cNvSpPr/>
+          <p:nvPr/>
+        </p:nvSpPr>
+        <p:spPr>
+          <a:xfrm>
+            <a:off x="9271501" y="3255292"/>
+            <a:ext cx="1216193" cy="2075194"/>
+          </a:xfrm>
+          <a:custGeom>
+            <a:avLst/>
+            <a:gdLst/>
+            <a:ahLst/>
+            <a:cxnLst/>
+            <a:rect l="l" t="t" r="r" b="b"/>
+            <a:pathLst>
+              <a:path w="481222" h="821113">
+                <a:moveTo>
+                  <a:pt x="10451" y="0"/>
+                </a:moveTo>
+                <a:lnTo>
+                  <a:pt x="441908" y="0"/>
+                </a:lnTo>
+                <a:lnTo>
+                  <a:pt x="441908" y="128890"/>
+                </a:lnTo>
+                <a:lnTo>
+                  <a:pt x="192588" y="128890"/>
+                </a:lnTo>
+                <a:lnTo>
+                  <a:pt x="192588" y="265742"/>
+                </a:lnTo>
+                <a:cubicBezTo>
+                  <a:pt x="223774" y="228917"/>
+                  <a:pt x="263917" y="210504"/>
+                  <a:pt x="313018" y="210504"/>
+                </a:cubicBezTo>
+                <a:cubicBezTo>
+                  <a:pt x="368423" y="210504"/>
+                  <a:pt x="410308" y="226014"/>
+                  <a:pt x="438673" y="257034"/>
+                </a:cubicBezTo>
+                <a:cubicBezTo>
+                  <a:pt x="467039" y="288053"/>
+                  <a:pt x="481222" y="347688"/>
+                  <a:pt x="481222" y="435937"/>
+                </a:cubicBezTo>
+                <a:lnTo>
+                  <a:pt x="481222" y="550892"/>
+                </a:lnTo>
+                <a:cubicBezTo>
+                  <a:pt x="481222" y="607956"/>
+                  <a:pt x="478485" y="649841"/>
+                  <a:pt x="473011" y="676548"/>
+                </a:cubicBezTo>
+                <a:cubicBezTo>
+                  <a:pt x="467537" y="703254"/>
+                  <a:pt x="455842" y="727971"/>
+                  <a:pt x="437927" y="750697"/>
+                </a:cubicBezTo>
+                <a:cubicBezTo>
+                  <a:pt x="420012" y="773422"/>
+                  <a:pt x="395047" y="790840"/>
+                  <a:pt x="363031" y="802949"/>
+                </a:cubicBezTo>
+                <a:cubicBezTo>
+                  <a:pt x="331016" y="815058"/>
+                  <a:pt x="291951" y="821113"/>
+                  <a:pt x="245836" y="821113"/>
+                </a:cubicBezTo>
+                <a:cubicBezTo>
+                  <a:pt x="194081" y="821113"/>
+                  <a:pt x="148464" y="812073"/>
+                  <a:pt x="108984" y="793992"/>
+                </a:cubicBezTo>
+                <a:cubicBezTo>
+                  <a:pt x="69504" y="775910"/>
+                  <a:pt x="41470" y="748955"/>
+                  <a:pt x="24882" y="713124"/>
+                </a:cubicBezTo>
+                <a:cubicBezTo>
+                  <a:pt x="8294" y="677294"/>
+                  <a:pt x="0" y="621890"/>
+                  <a:pt x="0" y="546911"/>
+                </a:cubicBezTo>
+                <a:lnTo>
+                  <a:pt x="0" y="503119"/>
+                </a:lnTo>
+                <a:lnTo>
+                  <a:pt x="201048" y="503119"/>
+                </a:lnTo>
+                <a:lnTo>
+                  <a:pt x="201048" y="553381"/>
+                </a:lnTo>
+                <a:cubicBezTo>
+                  <a:pt x="201048" y="605467"/>
+                  <a:pt x="202873" y="642459"/>
+                  <a:pt x="206522" y="664355"/>
+                </a:cubicBezTo>
+                <a:cubicBezTo>
+                  <a:pt x="210172" y="686252"/>
+                  <a:pt x="222779" y="697200"/>
+                  <a:pt x="244343" y="697200"/>
+                </a:cubicBezTo>
+                <a:cubicBezTo>
+                  <a:pt x="254296" y="697200"/>
+                  <a:pt x="262341" y="694048"/>
+                  <a:pt x="268479" y="687745"/>
+                </a:cubicBezTo>
+                <a:cubicBezTo>
+                  <a:pt x="274617" y="681441"/>
+                  <a:pt x="277934" y="674640"/>
+                  <a:pt x="278432" y="667341"/>
+                </a:cubicBezTo>
+                <a:cubicBezTo>
+                  <a:pt x="278930" y="660042"/>
+                  <a:pt x="279510" y="628359"/>
+                  <a:pt x="280174" y="572291"/>
+                </a:cubicBezTo>
+                <a:lnTo>
+                  <a:pt x="280174" y="412547"/>
+                </a:lnTo>
+                <a:cubicBezTo>
+                  <a:pt x="280174" y="382357"/>
+                  <a:pt x="277022" y="361788"/>
+                  <a:pt x="270718" y="350839"/>
+                </a:cubicBezTo>
+                <a:cubicBezTo>
+                  <a:pt x="264415" y="339891"/>
+                  <a:pt x="253964" y="334417"/>
+                  <a:pt x="239367" y="334417"/>
+                </a:cubicBezTo>
+                <a:cubicBezTo>
+                  <a:pt x="230078" y="334417"/>
+                  <a:pt x="222281" y="337237"/>
+                  <a:pt x="215978" y="342877"/>
+                </a:cubicBezTo>
+                <a:cubicBezTo>
+                  <a:pt x="209674" y="348517"/>
+                  <a:pt x="205610" y="354572"/>
+                  <a:pt x="203785" y="361041"/>
+                </a:cubicBezTo>
+                <a:cubicBezTo>
+                  <a:pt x="201961" y="367511"/>
+                  <a:pt x="201048" y="382523"/>
+                  <a:pt x="201048" y="406078"/>
+                </a:cubicBezTo>
+                <a:lnTo>
+                  <a:pt x="1991" y="406078"/>
+                </a:lnTo>
+                <a:lnTo>
+                  <a:pt x="10451" y="0"/>
+                </a:lnTo>
+                <a:close/>
+              </a:path>
+            </a:pathLst>
+          </a:custGeom>
+          <a:noFill/>
+          <a:ln w="19050">
+            <a:solidFill>
+              <a:schemeClr val="tx1"/>
+            </a:solidFill>
+          </a:ln>
+        </p:spPr>
+        <p:style>
+          <a:lnRef idx="2">
+            <a:schemeClr val="accent1">
+              <a:shade val="50000"/>
+            </a:schemeClr>
+          </a:lnRef>
+          <a:fillRef idx="1">
+            <a:schemeClr val="accent1"/>
+          </a:fillRef>
+          <a:effectRef idx="0">
+            <a:schemeClr val="accent1"/>
+          </a:effectRef>
+          <a:fontRef idx="minor">
+            <a:schemeClr val="lt1"/>
+          </a:fontRef>
+        </p:style>
+        <p:txBody>
+          <a:bodyPr wrap="square" rtlCol="0" anchor="ctr">
+            <a:noAutofit/>
+          </a:bodyPr>
+          <a:lstStyle/>
+          <a:p>
+            <a:pPr algn="ctr"/>
+            <a:endParaRPr lang="ko-KR" altLang="en-US"/>
+          </a:p>
+        </p:txBody>
+      </p:sp>
+    </p:spTree>
+    <p:extLst>
+      <p:ext uri="{BB962C8B-B14F-4D97-AF65-F5344CB8AC3E}">
+        <p14:creationId xmlns:p14="http://schemas.microsoft.com/office/powerpoint/2010/main" val="1443029857"/>
+      </p:ext>
+    </p:extLst>
+  </p:cSld>
+  <p:clrMapOvr>
+    <a:masterClrMapping/>
+  </p:clrMapOvr>
+</p:sld>
+</file>
+
+<file path=ppt/slides/slide8.xml><?xml version="1.0" encoding="utf-8"?>
+<p:sld xmlns:a="http://schemas.openxmlformats.org/drawingml/2006/main" xmlns:r="http://schemas.openxmlformats.org/officeDocument/2006/relationships" xmlns:p="http://schemas.openxmlformats.org/presentationml/2006/main">
+  <p:cSld>
+    <p:spTree>
+      <p:nvGrpSpPr>
+        <p:cNvPr id="1" name=""/>
+        <p:cNvGrpSpPr/>
+        <p:nvPr/>
+      </p:nvGrpSpPr>
+      <p:grpSpPr>
+        <a:xfrm>
+          <a:off x="0" y="0"/>
+          <a:ext cx="0" cy="0"/>
+          <a:chOff x="0" y="0"/>
+          <a:chExt cx="0" cy="0"/>
+        </a:xfrm>
+      </p:grpSpPr>
+      <p:sp>
+        <p:nvSpPr>
+          <p:cNvPr id="2" name="직사각형 1">
+            <a:extLst>
+              <a:ext uri="{FF2B5EF4-FFF2-40B4-BE49-F238E27FC236}">
+                <a16:creationId xmlns:a16="http://schemas.microsoft.com/office/drawing/2014/main" id="{9DC8154C-DACF-401A-9842-48784EFC8F7E}"/>
+              </a:ext>
+            </a:extLst>
+          </p:cNvPr>
+          <p:cNvSpPr/>
+          <p:nvPr/>
+        </p:nvSpPr>
+        <p:spPr>
+          <a:xfrm rot="2700000">
+            <a:off x="3805703" y="1176813"/>
+            <a:ext cx="45719" cy="2676526"/>
+          </a:xfrm>
+          <a:prstGeom prst="rect">
+            <a:avLst/>
+          </a:prstGeom>
+          <a:solidFill>
+            <a:schemeClr val="bg1">
+              <a:lumMod val="65000"/>
+            </a:schemeClr>
+          </a:solidFill>
+          <a:ln>
+            <a:noFill/>
+          </a:ln>
+        </p:spPr>
+        <p:style>
+          <a:lnRef idx="2">
+            <a:schemeClr val="accent1">
+              <a:shade val="50000"/>
+            </a:schemeClr>
+          </a:lnRef>
+          <a:fillRef idx="1">
+            <a:schemeClr val="accent1"/>
+          </a:fillRef>
+          <a:effectRef idx="0">
+            <a:schemeClr val="accent1"/>
+          </a:effectRef>
+          <a:fontRef idx="minor">
+            <a:schemeClr val="lt1"/>
+          </a:fontRef>
+        </p:style>
+        <p:txBody>
+          <a:bodyPr rtlCol="0" anchor="ctr"/>
+          <a:lstStyle/>
+          <a:p>
+            <a:pPr algn="ctr"/>
+            <a:endParaRPr lang="ko-KR" altLang="en-US"/>
+          </a:p>
+        </p:txBody>
+      </p:sp>
+      <p:sp>
+        <p:nvSpPr>
+          <p:cNvPr id="3" name="직사각형 2">
+            <a:extLst>
+              <a:ext uri="{FF2B5EF4-FFF2-40B4-BE49-F238E27FC236}">
+                <a16:creationId xmlns:a16="http://schemas.microsoft.com/office/drawing/2014/main" id="{58B0019A-B95F-4FFA-99CF-AD1D49443C89}"/>
+              </a:ext>
+            </a:extLst>
+          </p:cNvPr>
+          <p:cNvSpPr/>
+          <p:nvPr/>
+        </p:nvSpPr>
+        <p:spPr>
+          <a:xfrm rot="2700000">
+            <a:off x="3924242" y="1295352"/>
+            <a:ext cx="45719" cy="2676526"/>
+          </a:xfrm>
+          <a:prstGeom prst="rect">
+            <a:avLst/>
+          </a:prstGeom>
+          <a:solidFill>
+            <a:schemeClr val="bg1">
+              <a:lumMod val="65000"/>
+            </a:schemeClr>
+          </a:solidFill>
+          <a:ln>
+            <a:noFill/>
+          </a:ln>
+        </p:spPr>
+        <p:style>
+          <a:lnRef idx="2">
+            <a:schemeClr val="accent1">
+              <a:shade val="50000"/>
+            </a:schemeClr>
+          </a:lnRef>
+          <a:fillRef idx="1">
+            <a:schemeClr val="accent1"/>
+          </a:fillRef>
+          <a:effectRef idx="0">
+            <a:schemeClr val="accent1"/>
+          </a:effectRef>
+          <a:fontRef idx="minor">
+            <a:schemeClr val="lt1"/>
+          </a:fontRef>
+        </p:style>
+        <p:txBody>
+          <a:bodyPr rtlCol="0" anchor="ctr"/>
+          <a:lstStyle/>
+          <a:p>
+            <a:pPr algn="ctr"/>
+            <a:endParaRPr lang="ko-KR" altLang="en-US"/>
+          </a:p>
+        </p:txBody>
+      </p:sp>
+      <p:sp>
+        <p:nvSpPr>
+          <p:cNvPr id="4" name="직사각형 3">
+            <a:extLst>
+              <a:ext uri="{FF2B5EF4-FFF2-40B4-BE49-F238E27FC236}">
+                <a16:creationId xmlns:a16="http://schemas.microsoft.com/office/drawing/2014/main" id="{9B9C7832-8E13-4E63-835E-C822B603AD75}"/>
+              </a:ext>
+            </a:extLst>
+          </p:cNvPr>
+          <p:cNvSpPr/>
+          <p:nvPr/>
+        </p:nvSpPr>
+        <p:spPr>
+          <a:xfrm rot="2700000">
+            <a:off x="4042781" y="1413891"/>
+            <a:ext cx="45719" cy="2676526"/>
+          </a:xfrm>
+          <a:prstGeom prst="rect">
+            <a:avLst/>
+          </a:prstGeom>
+          <a:solidFill>
+            <a:schemeClr val="bg1">
+              <a:lumMod val="65000"/>
+            </a:schemeClr>
+          </a:solidFill>
+          <a:ln>
+            <a:noFill/>
+          </a:ln>
+        </p:spPr>
+        <p:style>
+          <a:lnRef idx="2">
+            <a:schemeClr val="accent1">
+              <a:shade val="50000"/>
+            </a:schemeClr>
+          </a:lnRef>
+          <a:fillRef idx="1">
+            <a:schemeClr val="accent1"/>
+          </a:fillRef>
+          <a:effectRef idx="0">
+            <a:schemeClr val="accent1"/>
+          </a:effectRef>
+          <a:fontRef idx="minor">
+            <a:schemeClr val="lt1"/>
+          </a:fontRef>
+        </p:style>
+        <p:txBody>
+          <a:bodyPr rtlCol="0" anchor="ctr"/>
+          <a:lstStyle/>
+          <a:p>
+            <a:pPr algn="ctr"/>
+            <a:endParaRPr lang="ko-KR" altLang="en-US"/>
+          </a:p>
+        </p:txBody>
+      </p:sp>
+      <p:sp>
+        <p:nvSpPr>
+          <p:cNvPr id="5" name="직사각형 4">
+            <a:extLst>
+              <a:ext uri="{FF2B5EF4-FFF2-40B4-BE49-F238E27FC236}">
+                <a16:creationId xmlns:a16="http://schemas.microsoft.com/office/drawing/2014/main" id="{7E8C2DE6-FACB-4C77-8249-2DF3004FA4A4}"/>
+              </a:ext>
+            </a:extLst>
+          </p:cNvPr>
+          <p:cNvSpPr/>
+          <p:nvPr/>
+        </p:nvSpPr>
+        <p:spPr>
+          <a:xfrm rot="2700000">
+            <a:off x="4161319" y="1532429"/>
+            <a:ext cx="45719" cy="2676526"/>
+          </a:xfrm>
+          <a:prstGeom prst="rect">
+            <a:avLst/>
+          </a:prstGeom>
+          <a:solidFill>
+            <a:schemeClr val="bg1">
+              <a:lumMod val="65000"/>
+            </a:schemeClr>
+          </a:solidFill>
+          <a:ln>
+            <a:noFill/>
+          </a:ln>
+        </p:spPr>
+        <p:style>
+          <a:lnRef idx="2">
+            <a:schemeClr val="accent1">
+              <a:shade val="50000"/>
+            </a:schemeClr>
+          </a:lnRef>
+          <a:fillRef idx="1">
+            <a:schemeClr val="accent1"/>
+          </a:fillRef>
+          <a:effectRef idx="0">
+            <a:schemeClr val="accent1"/>
+          </a:effectRef>
+          <a:fontRef idx="minor">
+            <a:schemeClr val="lt1"/>
+          </a:fontRef>
+        </p:style>
+        <p:txBody>
+          <a:bodyPr rtlCol="0" anchor="ctr"/>
+          <a:lstStyle/>
+          <a:p>
+            <a:pPr algn="ctr"/>
+            <a:endParaRPr lang="ko-KR" altLang="en-US"/>
+          </a:p>
+        </p:txBody>
+      </p:sp>
+      <p:sp>
+        <p:nvSpPr>
+          <p:cNvPr id="6" name="직사각형 5">
+            <a:extLst>
+              <a:ext uri="{FF2B5EF4-FFF2-40B4-BE49-F238E27FC236}">
+                <a16:creationId xmlns:a16="http://schemas.microsoft.com/office/drawing/2014/main" id="{0B9077C3-33C2-4321-A9DC-2AB467768B5D}"/>
+              </a:ext>
+            </a:extLst>
+          </p:cNvPr>
+          <p:cNvSpPr/>
+          <p:nvPr/>
+        </p:nvSpPr>
+        <p:spPr>
+          <a:xfrm rot="2700000">
+            <a:off x="4279858" y="1650968"/>
+            <a:ext cx="45719" cy="2676526"/>
+          </a:xfrm>
+          <a:prstGeom prst="rect">
+            <a:avLst/>
+          </a:prstGeom>
+          <a:solidFill>
+            <a:schemeClr val="bg1">
+              <a:lumMod val="65000"/>
+            </a:schemeClr>
+          </a:solidFill>
+          <a:ln>
+            <a:noFill/>
+          </a:ln>
+        </p:spPr>
+        <p:style>
+          <a:lnRef idx="2">
+            <a:schemeClr val="accent1">
+              <a:shade val="50000"/>
+            </a:schemeClr>
+          </a:lnRef>
+          <a:fillRef idx="1">
+            <a:schemeClr val="accent1"/>
+          </a:fillRef>
+          <a:effectRef idx="0">
+            <a:schemeClr val="accent1"/>
+          </a:effectRef>
+          <a:fontRef idx="minor">
+            <a:schemeClr val="lt1"/>
+          </a:fontRef>
+        </p:style>
+        <p:txBody>
+          <a:bodyPr rtlCol="0" anchor="ctr"/>
+          <a:lstStyle/>
+          <a:p>
+            <a:pPr algn="ctr"/>
+            <a:endParaRPr lang="ko-KR" altLang="en-US"/>
+          </a:p>
+        </p:txBody>
+      </p:sp>
+      <p:sp>
+        <p:nvSpPr>
+          <p:cNvPr id="7" name="직사각형 6">
+            <a:extLst>
+              <a:ext uri="{FF2B5EF4-FFF2-40B4-BE49-F238E27FC236}">
+                <a16:creationId xmlns:a16="http://schemas.microsoft.com/office/drawing/2014/main" id="{A4CB45D1-A7B3-4FDD-9F62-E45A52BC0337}"/>
+              </a:ext>
+            </a:extLst>
+          </p:cNvPr>
+          <p:cNvSpPr/>
+          <p:nvPr/>
+        </p:nvSpPr>
+        <p:spPr>
+          <a:xfrm rot="2700000">
+            <a:off x="4398397" y="1769507"/>
+            <a:ext cx="45719" cy="2676526"/>
+          </a:xfrm>
+          <a:prstGeom prst="rect">
+            <a:avLst/>
+          </a:prstGeom>
+          <a:solidFill>
+            <a:schemeClr val="bg1">
+              <a:lumMod val="65000"/>
+            </a:schemeClr>
+          </a:solidFill>
+          <a:ln>
+            <a:noFill/>
+          </a:ln>
+        </p:spPr>
+        <p:style>
+          <a:lnRef idx="2">
+            <a:schemeClr val="accent1">
+              <a:shade val="50000"/>
+            </a:schemeClr>
+          </a:lnRef>
+          <a:fillRef idx="1">
+            <a:schemeClr val="accent1"/>
+          </a:fillRef>
+          <a:effectRef idx="0">
+            <a:schemeClr val="accent1"/>
+          </a:effectRef>
+          <a:fontRef idx="minor">
+            <a:schemeClr val="lt1"/>
+          </a:fontRef>
+        </p:style>
+        <p:txBody>
+          <a:bodyPr rtlCol="0" anchor="ctr"/>
+          <a:lstStyle/>
+          <a:p>
+            <a:pPr algn="ctr"/>
+            <a:endParaRPr lang="ko-KR" altLang="en-US"/>
+          </a:p>
+        </p:txBody>
+      </p:sp>
+      <p:sp>
+        <p:nvSpPr>
+          <p:cNvPr id="8" name="직사각형 7">
+            <a:extLst>
+              <a:ext uri="{FF2B5EF4-FFF2-40B4-BE49-F238E27FC236}">
+                <a16:creationId xmlns:a16="http://schemas.microsoft.com/office/drawing/2014/main" id="{FA06B371-EE43-42D6-8A4B-6B88504D0C4C}"/>
+              </a:ext>
+            </a:extLst>
+          </p:cNvPr>
+          <p:cNvSpPr/>
+          <p:nvPr/>
+        </p:nvSpPr>
+        <p:spPr>
+          <a:xfrm rot="2700000">
+            <a:off x="4516935" y="1888045"/>
+            <a:ext cx="45719" cy="2676526"/>
+          </a:xfrm>
+          <a:prstGeom prst="rect">
+            <a:avLst/>
+          </a:prstGeom>
+          <a:solidFill>
+            <a:schemeClr val="bg1">
+              <a:lumMod val="65000"/>
+            </a:schemeClr>
+          </a:solidFill>
+          <a:ln>
+            <a:noFill/>
+          </a:ln>
+        </p:spPr>
+        <p:style>
+          <a:lnRef idx="2">
+            <a:schemeClr val="accent1">
+              <a:shade val="50000"/>
+            </a:schemeClr>
+          </a:lnRef>
+          <a:fillRef idx="1">
+            <a:schemeClr val="accent1"/>
+          </a:fillRef>
+          <a:effectRef idx="0">
+            <a:schemeClr val="accent1"/>
+          </a:effectRef>
+          <a:fontRef idx="minor">
+            <a:schemeClr val="lt1"/>
+          </a:fontRef>
+        </p:style>
+        <p:txBody>
+          <a:bodyPr rtlCol="0" anchor="ctr"/>
+          <a:lstStyle/>
+          <a:p>
+            <a:pPr algn="ctr"/>
+            <a:endParaRPr lang="ko-KR" altLang="en-US"/>
+          </a:p>
+        </p:txBody>
+      </p:sp>
+      <p:sp>
+        <p:nvSpPr>
+          <p:cNvPr id="9" name="직사각형 8">
+            <a:extLst>
+              <a:ext uri="{FF2B5EF4-FFF2-40B4-BE49-F238E27FC236}">
+                <a16:creationId xmlns:a16="http://schemas.microsoft.com/office/drawing/2014/main" id="{C42E2409-8B58-4AC0-A4D1-5469B247E046}"/>
+              </a:ext>
+            </a:extLst>
+          </p:cNvPr>
+          <p:cNvSpPr/>
+          <p:nvPr/>
+        </p:nvSpPr>
+        <p:spPr>
+          <a:xfrm rot="2700000">
+            <a:off x="4635474" y="2006584"/>
+            <a:ext cx="45719" cy="2676526"/>
+          </a:xfrm>
+          <a:prstGeom prst="rect">
+            <a:avLst/>
+          </a:prstGeom>
+          <a:solidFill>
+            <a:schemeClr val="bg1">
+              <a:lumMod val="65000"/>
+            </a:schemeClr>
+          </a:solidFill>
+          <a:ln>
+            <a:noFill/>
+          </a:ln>
+        </p:spPr>
+        <p:style>
+          <a:lnRef idx="2">
+            <a:schemeClr val="accent1">
+              <a:shade val="50000"/>
+            </a:schemeClr>
+          </a:lnRef>
+          <a:fillRef idx="1">
+            <a:schemeClr val="accent1"/>
+          </a:fillRef>
+          <a:effectRef idx="0">
+            <a:schemeClr val="accent1"/>
+          </a:effectRef>
+          <a:fontRef idx="minor">
+            <a:schemeClr val="lt1"/>
+          </a:fontRef>
+        </p:style>
+        <p:txBody>
+          <a:bodyPr rtlCol="0" anchor="ctr"/>
+          <a:lstStyle/>
+          <a:p>
+            <a:pPr algn="ctr"/>
+            <a:endParaRPr lang="ko-KR" altLang="en-US"/>
+          </a:p>
+        </p:txBody>
+      </p:sp>
+      <p:sp>
+        <p:nvSpPr>
+          <p:cNvPr id="10" name="직사각형 9">
+            <a:extLst>
+              <a:ext uri="{FF2B5EF4-FFF2-40B4-BE49-F238E27FC236}">
+                <a16:creationId xmlns:a16="http://schemas.microsoft.com/office/drawing/2014/main" id="{88B8A634-C54A-407D-8DDD-407D4D652861}"/>
+              </a:ext>
+            </a:extLst>
+          </p:cNvPr>
+          <p:cNvSpPr/>
+          <p:nvPr/>
+        </p:nvSpPr>
+        <p:spPr>
+          <a:xfrm rot="2700000">
+            <a:off x="4754013" y="2125123"/>
+            <a:ext cx="45719" cy="2676526"/>
+          </a:xfrm>
+          <a:prstGeom prst="rect">
+            <a:avLst/>
+          </a:prstGeom>
+          <a:solidFill>
+            <a:schemeClr val="bg1">
+              <a:lumMod val="65000"/>
+            </a:schemeClr>
+          </a:solidFill>
+          <a:ln>
+            <a:noFill/>
+          </a:ln>
+        </p:spPr>
+        <p:style>
+          <a:lnRef idx="2">
+            <a:schemeClr val="accent1">
+              <a:shade val="50000"/>
+            </a:schemeClr>
+          </a:lnRef>
+          <a:fillRef idx="1">
+            <a:schemeClr val="accent1"/>
+          </a:fillRef>
+          <a:effectRef idx="0">
+            <a:schemeClr val="accent1"/>
+          </a:effectRef>
+          <a:fontRef idx="minor">
+            <a:schemeClr val="lt1"/>
+          </a:fontRef>
+        </p:style>
+        <p:txBody>
+          <a:bodyPr rtlCol="0" anchor="ctr"/>
+          <a:lstStyle/>
+          <a:p>
+            <a:pPr algn="ctr"/>
+            <a:endParaRPr lang="ko-KR" altLang="en-US"/>
+          </a:p>
+        </p:txBody>
+      </p:sp>
+      <p:sp>
+        <p:nvSpPr>
+          <p:cNvPr id="11" name="직사각형 10">
+            <a:extLst>
+              <a:ext uri="{FF2B5EF4-FFF2-40B4-BE49-F238E27FC236}">
+                <a16:creationId xmlns:a16="http://schemas.microsoft.com/office/drawing/2014/main" id="{EB958DC5-F956-43CB-A03C-38F3C5482A9D}"/>
+              </a:ext>
+            </a:extLst>
+          </p:cNvPr>
+          <p:cNvSpPr/>
+          <p:nvPr/>
+        </p:nvSpPr>
+        <p:spPr>
+          <a:xfrm rot="2700000">
+            <a:off x="4872551" y="2243661"/>
+            <a:ext cx="45719" cy="2676526"/>
+          </a:xfrm>
+          <a:prstGeom prst="rect">
+            <a:avLst/>
+          </a:prstGeom>
+          <a:solidFill>
+            <a:schemeClr val="bg1">
+              <a:lumMod val="65000"/>
+            </a:schemeClr>
+          </a:solidFill>
+          <a:ln>
+            <a:noFill/>
+          </a:ln>
+        </p:spPr>
+        <p:style>
+          <a:lnRef idx="2">
+            <a:schemeClr val="accent1">
+              <a:shade val="50000"/>
+            </a:schemeClr>
+          </a:lnRef>
+          <a:fillRef idx="1">
+            <a:schemeClr val="accent1"/>
+          </a:fillRef>
+          <a:effectRef idx="0">
+            <a:schemeClr val="accent1"/>
+          </a:effectRef>
+          <a:fontRef idx="minor">
+            <a:schemeClr val="lt1"/>
+          </a:fontRef>
+        </p:style>
+        <p:txBody>
+          <a:bodyPr rtlCol="0" anchor="ctr"/>
+          <a:lstStyle/>
+          <a:p>
+            <a:pPr algn="ctr"/>
+            <a:endParaRPr lang="ko-KR" altLang="en-US"/>
+          </a:p>
+        </p:txBody>
+      </p:sp>
+      <p:sp>
+        <p:nvSpPr>
+          <p:cNvPr id="12" name="직사각형 11">
+            <a:extLst>
+              <a:ext uri="{FF2B5EF4-FFF2-40B4-BE49-F238E27FC236}">
+                <a16:creationId xmlns:a16="http://schemas.microsoft.com/office/drawing/2014/main" id="{90579579-C543-4199-B8A5-AAAB3C571570}"/>
+              </a:ext>
+            </a:extLst>
+          </p:cNvPr>
+          <p:cNvSpPr/>
+          <p:nvPr/>
+        </p:nvSpPr>
+        <p:spPr>
+          <a:xfrm rot="2700000">
+            <a:off x="4991090" y="2362200"/>
+            <a:ext cx="45719" cy="2676526"/>
+          </a:xfrm>
+          <a:prstGeom prst="rect">
+            <a:avLst/>
+          </a:prstGeom>
+          <a:solidFill>
+            <a:schemeClr val="bg1">
+              <a:lumMod val="65000"/>
+            </a:schemeClr>
+          </a:solidFill>
+          <a:ln>
+            <a:noFill/>
+          </a:ln>
+        </p:spPr>
+        <p:style>
+          <a:lnRef idx="2">
+            <a:schemeClr val="accent1">
+              <a:shade val="50000"/>
+            </a:schemeClr>
+          </a:lnRef>
+          <a:fillRef idx="1">
+            <a:schemeClr val="accent1"/>
+          </a:fillRef>
+          <a:effectRef idx="0">
+            <a:schemeClr val="accent1"/>
+          </a:effectRef>
+          <a:fontRef idx="minor">
+            <a:schemeClr val="lt1"/>
+          </a:fontRef>
+        </p:style>
+        <p:txBody>
+          <a:bodyPr rtlCol="0" anchor="ctr"/>
+          <a:lstStyle/>
+          <a:p>
+            <a:pPr algn="ctr"/>
+            <a:endParaRPr lang="ko-KR" altLang="en-US"/>
+          </a:p>
+        </p:txBody>
+      </p:sp>
+      <p:sp>
+        <p:nvSpPr>
+          <p:cNvPr id="13" name="직사각형 12">
+            <a:extLst>
+              <a:ext uri="{FF2B5EF4-FFF2-40B4-BE49-F238E27FC236}">
+                <a16:creationId xmlns:a16="http://schemas.microsoft.com/office/drawing/2014/main" id="{2E313CC8-8DF6-4128-A3A5-F1EDFCA6F0AE}"/>
+              </a:ext>
+            </a:extLst>
+          </p:cNvPr>
+          <p:cNvSpPr/>
+          <p:nvPr/>
+        </p:nvSpPr>
+        <p:spPr>
+          <a:xfrm rot="2700000">
+            <a:off x="5109629" y="2480739"/>
+            <a:ext cx="45719" cy="2676526"/>
+          </a:xfrm>
+          <a:prstGeom prst="rect">
+            <a:avLst/>
+          </a:prstGeom>
+          <a:solidFill>
+            <a:schemeClr val="bg1">
+              <a:lumMod val="65000"/>
+            </a:schemeClr>
+          </a:solidFill>
+          <a:ln>
+            <a:noFill/>
+          </a:ln>
+        </p:spPr>
+        <p:style>
+          <a:lnRef idx="2">
+            <a:schemeClr val="accent1">
+              <a:shade val="50000"/>
+            </a:schemeClr>
+          </a:lnRef>
+          <a:fillRef idx="1">
+            <a:schemeClr val="accent1"/>
+          </a:fillRef>
+          <a:effectRef idx="0">
+            <a:schemeClr val="accent1"/>
+          </a:effectRef>
+          <a:fontRef idx="minor">
+            <a:schemeClr val="lt1"/>
+          </a:fontRef>
+        </p:style>
+        <p:txBody>
+          <a:bodyPr rtlCol="0" anchor="ctr"/>
+          <a:lstStyle/>
+          <a:p>
+            <a:pPr algn="ctr"/>
+            <a:endParaRPr lang="ko-KR" altLang="en-US"/>
+          </a:p>
+        </p:txBody>
+      </p:sp>
+      <p:sp>
+        <p:nvSpPr>
+          <p:cNvPr id="14" name="직사각형 13">
+            <a:extLst>
+              <a:ext uri="{FF2B5EF4-FFF2-40B4-BE49-F238E27FC236}">
+                <a16:creationId xmlns:a16="http://schemas.microsoft.com/office/drawing/2014/main" id="{3F836734-CF16-4BAA-92F9-F80B2190EE2D}"/>
+              </a:ext>
+            </a:extLst>
+          </p:cNvPr>
+          <p:cNvSpPr/>
+          <p:nvPr/>
+        </p:nvSpPr>
+        <p:spPr>
+          <a:xfrm rot="2700000">
+            <a:off x="5228167" y="2599277"/>
+            <a:ext cx="45719" cy="2676526"/>
+          </a:xfrm>
+          <a:prstGeom prst="rect">
+            <a:avLst/>
+          </a:prstGeom>
+          <a:solidFill>
+            <a:schemeClr val="bg1">
+              <a:lumMod val="65000"/>
+            </a:schemeClr>
+          </a:solidFill>
+          <a:ln>
+            <a:noFill/>
+          </a:ln>
+        </p:spPr>
+        <p:style>
+          <a:lnRef idx="2">
+            <a:schemeClr val="accent1">
+              <a:shade val="50000"/>
+            </a:schemeClr>
+          </a:lnRef>
+          <a:fillRef idx="1">
+            <a:schemeClr val="accent1"/>
+          </a:fillRef>
+          <a:effectRef idx="0">
+            <a:schemeClr val="accent1"/>
+          </a:effectRef>
+          <a:fontRef idx="minor">
+            <a:schemeClr val="lt1"/>
+          </a:fontRef>
+        </p:style>
+        <p:txBody>
+          <a:bodyPr rtlCol="0" anchor="ctr"/>
+          <a:lstStyle/>
+          <a:p>
+            <a:pPr algn="ctr"/>
+            <a:endParaRPr lang="ko-KR" altLang="en-US"/>
+          </a:p>
+        </p:txBody>
+      </p:sp>
+      <p:sp>
+        <p:nvSpPr>
+          <p:cNvPr id="15" name="직사각형 14">
+            <a:extLst>
+              <a:ext uri="{FF2B5EF4-FFF2-40B4-BE49-F238E27FC236}">
+                <a16:creationId xmlns:a16="http://schemas.microsoft.com/office/drawing/2014/main" id="{6212D9AE-FC7A-4E43-8E67-DD473C286F0B}"/>
+              </a:ext>
+            </a:extLst>
+          </p:cNvPr>
+          <p:cNvSpPr/>
+          <p:nvPr/>
+        </p:nvSpPr>
+        <p:spPr>
+          <a:xfrm rot="2700000">
+            <a:off x="5346706" y="2717816"/>
+            <a:ext cx="45719" cy="2676526"/>
+          </a:xfrm>
+          <a:prstGeom prst="rect">
+            <a:avLst/>
+          </a:prstGeom>
+          <a:solidFill>
+            <a:schemeClr val="bg1">
+              <a:lumMod val="65000"/>
+            </a:schemeClr>
+          </a:solidFill>
+          <a:ln>
+            <a:noFill/>
+          </a:ln>
+        </p:spPr>
+        <p:style>
+          <a:lnRef idx="2">
+            <a:schemeClr val="accent1">
+              <a:shade val="50000"/>
+            </a:schemeClr>
+          </a:lnRef>
+          <a:fillRef idx="1">
+            <a:schemeClr val="accent1"/>
+          </a:fillRef>
+          <a:effectRef idx="0">
+            <a:schemeClr val="accent1"/>
+          </a:effectRef>
+          <a:fontRef idx="minor">
+            <a:schemeClr val="lt1"/>
+          </a:fontRef>
+        </p:style>
+        <p:txBody>
+          <a:bodyPr rtlCol="0" anchor="ctr"/>
+          <a:lstStyle/>
+          <a:p>
+            <a:pPr algn="ctr"/>
+            <a:endParaRPr lang="ko-KR" altLang="en-US"/>
+          </a:p>
+        </p:txBody>
+      </p:sp>
+      <p:sp>
+        <p:nvSpPr>
+          <p:cNvPr id="16" name="직사각형 15">
+            <a:extLst>
+              <a:ext uri="{FF2B5EF4-FFF2-40B4-BE49-F238E27FC236}">
+                <a16:creationId xmlns:a16="http://schemas.microsoft.com/office/drawing/2014/main" id="{5047D2F7-61AF-448C-87C1-C3E269A308EF}"/>
+              </a:ext>
+            </a:extLst>
+          </p:cNvPr>
+          <p:cNvSpPr/>
+          <p:nvPr/>
+        </p:nvSpPr>
+        <p:spPr>
+          <a:xfrm rot="2700000">
+            <a:off x="5465245" y="2836355"/>
+            <a:ext cx="45719" cy="2676526"/>
+          </a:xfrm>
+          <a:prstGeom prst="rect">
+            <a:avLst/>
+          </a:prstGeom>
+          <a:solidFill>
+            <a:schemeClr val="bg1">
+              <a:lumMod val="65000"/>
+            </a:schemeClr>
+          </a:solidFill>
+          <a:ln>
+            <a:noFill/>
+          </a:ln>
+        </p:spPr>
+        <p:style>
+          <a:lnRef idx="2">
+            <a:schemeClr val="accent1">
+              <a:shade val="50000"/>
+            </a:schemeClr>
+          </a:lnRef>
+          <a:fillRef idx="1">
+            <a:schemeClr val="accent1"/>
+          </a:fillRef>
+          <a:effectRef idx="0">
+            <a:schemeClr val="accent1"/>
+          </a:effectRef>
+          <a:fontRef idx="minor">
+            <a:schemeClr val="lt1"/>
+          </a:fontRef>
+        </p:style>
+        <p:txBody>
+          <a:bodyPr rtlCol="0" anchor="ctr"/>
+          <a:lstStyle/>
+          <a:p>
+            <a:pPr algn="ctr"/>
+            <a:endParaRPr lang="ko-KR" altLang="en-US"/>
+          </a:p>
+        </p:txBody>
+      </p:sp>
+      <p:sp>
+        <p:nvSpPr>
+          <p:cNvPr id="17" name="직사각형 16">
+            <a:extLst>
+              <a:ext uri="{FF2B5EF4-FFF2-40B4-BE49-F238E27FC236}">
+                <a16:creationId xmlns:a16="http://schemas.microsoft.com/office/drawing/2014/main" id="{D75FB9F7-277E-406E-B6A1-1DEEDBE18877}"/>
+              </a:ext>
+            </a:extLst>
+          </p:cNvPr>
+          <p:cNvSpPr/>
+          <p:nvPr/>
+        </p:nvSpPr>
+        <p:spPr>
+          <a:xfrm rot="2700000">
+            <a:off x="5583783" y="2954893"/>
+            <a:ext cx="45719" cy="2676526"/>
+          </a:xfrm>
+          <a:prstGeom prst="rect">
+            <a:avLst/>
+          </a:prstGeom>
+          <a:solidFill>
+            <a:schemeClr val="bg1">
+              <a:lumMod val="65000"/>
+            </a:schemeClr>
+          </a:solidFill>
+          <a:ln>
+            <a:noFill/>
+          </a:ln>
+        </p:spPr>
+        <p:style>
+          <a:lnRef idx="2">
+            <a:schemeClr val="accent1">
+              <a:shade val="50000"/>
+            </a:schemeClr>
+          </a:lnRef>
+          <a:fillRef idx="1">
+            <a:schemeClr val="accent1"/>
+          </a:fillRef>
+          <a:effectRef idx="0">
+            <a:schemeClr val="accent1"/>
+          </a:effectRef>
+          <a:fontRef idx="minor">
+            <a:schemeClr val="lt1"/>
+          </a:fontRef>
+        </p:style>
+        <p:txBody>
+          <a:bodyPr rtlCol="0" anchor="ctr"/>
+          <a:lstStyle/>
+          <a:p>
+            <a:pPr algn="ctr"/>
+            <a:endParaRPr lang="ko-KR" altLang="en-US"/>
+          </a:p>
+        </p:txBody>
+      </p:sp>
+      <p:sp>
+        <p:nvSpPr>
+          <p:cNvPr id="18" name="직사각형 17">
+            <a:extLst>
+              <a:ext uri="{FF2B5EF4-FFF2-40B4-BE49-F238E27FC236}">
+                <a16:creationId xmlns:a16="http://schemas.microsoft.com/office/drawing/2014/main" id="{CCA7C5E5-695A-4011-9C03-7CA25071200F}"/>
+              </a:ext>
+            </a:extLst>
+          </p:cNvPr>
+          <p:cNvSpPr/>
+          <p:nvPr/>
+        </p:nvSpPr>
+        <p:spPr>
+          <a:xfrm rot="2700000">
+            <a:off x="5702322" y="3073432"/>
+            <a:ext cx="45719" cy="2676526"/>
+          </a:xfrm>
+          <a:prstGeom prst="rect">
+            <a:avLst/>
+          </a:prstGeom>
+          <a:solidFill>
+            <a:schemeClr val="bg1">
+              <a:lumMod val="65000"/>
+            </a:schemeClr>
+          </a:solidFill>
+          <a:ln>
+            <a:noFill/>
+          </a:ln>
+        </p:spPr>
+        <p:style>
+          <a:lnRef idx="2">
+            <a:schemeClr val="accent1">
+              <a:shade val="50000"/>
+            </a:schemeClr>
+          </a:lnRef>
+          <a:fillRef idx="1">
+            <a:schemeClr val="accent1"/>
+          </a:fillRef>
+          <a:effectRef idx="0">
+            <a:schemeClr val="accent1"/>
+          </a:effectRef>
+          <a:fontRef idx="minor">
+            <a:schemeClr val="lt1"/>
+          </a:fontRef>
+        </p:style>
+        <p:txBody>
+          <a:bodyPr rtlCol="0" anchor="ctr"/>
+          <a:lstStyle/>
+          <a:p>
+            <a:pPr algn="ctr"/>
+            <a:endParaRPr lang="ko-KR" altLang="en-US"/>
+          </a:p>
+        </p:txBody>
+      </p:sp>
+      <p:sp>
+        <p:nvSpPr>
+          <p:cNvPr id="19" name="직사각형 18">
+            <a:extLst>
+              <a:ext uri="{FF2B5EF4-FFF2-40B4-BE49-F238E27FC236}">
+                <a16:creationId xmlns:a16="http://schemas.microsoft.com/office/drawing/2014/main" id="{48032BC3-1ACA-4338-A597-9374CC350D73}"/>
+              </a:ext>
+            </a:extLst>
+          </p:cNvPr>
+          <p:cNvSpPr/>
+          <p:nvPr/>
+        </p:nvSpPr>
+        <p:spPr>
+          <a:xfrm rot="2700000">
+            <a:off x="5820861" y="3191971"/>
+            <a:ext cx="45719" cy="2676526"/>
+          </a:xfrm>
+          <a:prstGeom prst="rect">
+            <a:avLst/>
+          </a:prstGeom>
+          <a:solidFill>
+            <a:schemeClr val="bg1">
+              <a:lumMod val="65000"/>
+            </a:schemeClr>
+          </a:solidFill>
+          <a:ln>
+            <a:noFill/>
+          </a:ln>
+        </p:spPr>
+        <p:style>
+          <a:lnRef idx="2">
+            <a:schemeClr val="accent1">
+              <a:shade val="50000"/>
+            </a:schemeClr>
+          </a:lnRef>
+          <a:fillRef idx="1">
+            <a:schemeClr val="accent1"/>
+          </a:fillRef>
+          <a:effectRef idx="0">
+            <a:schemeClr val="accent1"/>
+          </a:effectRef>
+          <a:fontRef idx="minor">
+            <a:schemeClr val="lt1"/>
+          </a:fontRef>
+        </p:style>
+        <p:txBody>
+          <a:bodyPr rtlCol="0" anchor="ctr"/>
+          <a:lstStyle/>
+          <a:p>
+            <a:pPr algn="ctr"/>
+            <a:endParaRPr lang="ko-KR" altLang="en-US"/>
+          </a:p>
+        </p:txBody>
+      </p:sp>
+      <p:sp>
+        <p:nvSpPr>
+          <p:cNvPr id="20" name="직사각형 19">
+            <a:extLst>
+              <a:ext uri="{FF2B5EF4-FFF2-40B4-BE49-F238E27FC236}">
+                <a16:creationId xmlns:a16="http://schemas.microsoft.com/office/drawing/2014/main" id="{3BC172A7-41A9-43C6-A8DE-29D627843DAB}"/>
+              </a:ext>
+            </a:extLst>
+          </p:cNvPr>
+          <p:cNvSpPr/>
+          <p:nvPr/>
+        </p:nvSpPr>
+        <p:spPr>
+          <a:xfrm rot="2700000">
+            <a:off x="5939399" y="3310509"/>
+            <a:ext cx="45719" cy="2676526"/>
+          </a:xfrm>
+          <a:prstGeom prst="rect">
+            <a:avLst/>
+          </a:prstGeom>
+          <a:solidFill>
+            <a:schemeClr val="bg1">
+              <a:lumMod val="65000"/>
+            </a:schemeClr>
+          </a:solidFill>
+          <a:ln>
+            <a:noFill/>
+          </a:ln>
+        </p:spPr>
+        <p:style>
+          <a:lnRef idx="2">
+            <a:schemeClr val="accent1">
+              <a:shade val="50000"/>
+            </a:schemeClr>
+          </a:lnRef>
+          <a:fillRef idx="1">
+            <a:schemeClr val="accent1"/>
+          </a:fillRef>
+          <a:effectRef idx="0">
+            <a:schemeClr val="accent1"/>
+          </a:effectRef>
+          <a:fontRef idx="minor">
+            <a:schemeClr val="lt1"/>
+          </a:fontRef>
+        </p:style>
+        <p:txBody>
+          <a:bodyPr rtlCol="0" anchor="ctr"/>
+          <a:lstStyle/>
+          <a:p>
+            <a:pPr algn="ctr"/>
+            <a:endParaRPr lang="ko-KR" altLang="en-US"/>
+          </a:p>
+        </p:txBody>
+      </p:sp>
+      <p:sp>
+        <p:nvSpPr>
+          <p:cNvPr id="21" name="직사각형 20">
+            <a:extLst>
+              <a:ext uri="{FF2B5EF4-FFF2-40B4-BE49-F238E27FC236}">
+                <a16:creationId xmlns:a16="http://schemas.microsoft.com/office/drawing/2014/main" id="{61CF7F0D-D5DB-4B3B-9320-168E2BF34858}"/>
+              </a:ext>
+            </a:extLst>
+          </p:cNvPr>
+          <p:cNvSpPr/>
+          <p:nvPr/>
+        </p:nvSpPr>
+        <p:spPr>
+          <a:xfrm rot="2700000">
+            <a:off x="6057938" y="3429048"/>
+            <a:ext cx="45719" cy="2676526"/>
+          </a:xfrm>
+          <a:prstGeom prst="rect">
+            <a:avLst/>
+          </a:prstGeom>
+          <a:solidFill>
+            <a:schemeClr val="bg1">
+              <a:lumMod val="65000"/>
+            </a:schemeClr>
+          </a:solidFill>
+          <a:ln>
+            <a:noFill/>
+          </a:ln>
+        </p:spPr>
+        <p:style>
+          <a:lnRef idx="2">
+            <a:schemeClr val="accent1">
+              <a:shade val="50000"/>
+            </a:schemeClr>
+          </a:lnRef>
+          <a:fillRef idx="1">
+            <a:schemeClr val="accent1"/>
+          </a:fillRef>
+          <a:effectRef idx="0">
+            <a:schemeClr val="accent1"/>
+          </a:effectRef>
+          <a:fontRef idx="minor">
+            <a:schemeClr val="lt1"/>
+          </a:fontRef>
+        </p:style>
+        <p:txBody>
+          <a:bodyPr rtlCol="0" anchor="ctr"/>
+          <a:lstStyle/>
+          <a:p>
+            <a:pPr algn="ctr"/>
+            <a:endParaRPr lang="ko-KR" altLang="en-US"/>
+          </a:p>
+        </p:txBody>
+      </p:sp>
+      <p:sp>
+        <p:nvSpPr>
+          <p:cNvPr id="22" name="직사각형 21">
+            <a:extLst>
+              <a:ext uri="{FF2B5EF4-FFF2-40B4-BE49-F238E27FC236}">
+                <a16:creationId xmlns:a16="http://schemas.microsoft.com/office/drawing/2014/main" id="{BDE5F446-610B-4AAD-B49B-13F4D3C00CE7}"/>
+              </a:ext>
+            </a:extLst>
+          </p:cNvPr>
+          <p:cNvSpPr/>
+          <p:nvPr/>
+        </p:nvSpPr>
+        <p:spPr>
+          <a:xfrm rot="2700000">
+            <a:off x="6176477" y="3547587"/>
+            <a:ext cx="45719" cy="2676526"/>
+          </a:xfrm>
+          <a:prstGeom prst="rect">
+            <a:avLst/>
+          </a:prstGeom>
+          <a:solidFill>
+            <a:schemeClr val="bg1">
+              <a:lumMod val="65000"/>
+            </a:schemeClr>
+          </a:solidFill>
+          <a:ln>
+            <a:noFill/>
+          </a:ln>
+        </p:spPr>
+        <p:style>
+          <a:lnRef idx="2">
+            <a:schemeClr val="accent1">
+              <a:shade val="50000"/>
+            </a:schemeClr>
+          </a:lnRef>
+          <a:fillRef idx="1">
+            <a:schemeClr val="accent1"/>
+          </a:fillRef>
+          <a:effectRef idx="0">
+            <a:schemeClr val="accent1"/>
+          </a:effectRef>
+          <a:fontRef idx="minor">
+            <a:schemeClr val="lt1"/>
+          </a:fontRef>
+        </p:style>
+        <p:txBody>
+          <a:bodyPr rtlCol="0" anchor="ctr"/>
+          <a:lstStyle/>
+          <a:p>
+            <a:pPr algn="ctr"/>
+            <a:endParaRPr lang="ko-KR" altLang="en-US"/>
+          </a:p>
+        </p:txBody>
+      </p:sp>
+    </p:spTree>
+    <p:extLst>
+      <p:ext uri="{BB962C8B-B14F-4D97-AF65-F5344CB8AC3E}">
+        <p14:creationId xmlns:p14="http://schemas.microsoft.com/office/powerpoint/2010/main" val="2072508632"/>
+      </p:ext>
+    </p:extLst>
+  </p:cSld>
+  <p:clrMapOvr>
+    <a:masterClrMapping/>
+  </p:clrMapOvr>
+</p:sld>
+</file>
+
 <file path=ppt/theme/theme1.xml><?xml version="1.0" encoding="utf-8"?>
 <a:theme xmlns:a="http://schemas.openxmlformats.org/drawingml/2006/main" name="Office 테마">
   <a:themeElements>
@@ -29280,4 +36755,299 @@
     </a:ext>
   </a:extLst>
 </a:theme>
+</file>
+
+<file path=ppt/theme/theme2.xml><?xml version="1.0" encoding="utf-8"?>
+<a:theme xmlns:a="http://schemas.openxmlformats.org/drawingml/2006/main" name="Office 테마">
+  <a:themeElements>
+    <a:clrScheme name="Office">
+      <a:dk1>
+        <a:sysClr val="windowText" lastClr="000000"/>
+      </a:dk1>
+      <a:lt1>
+        <a:sysClr val="window" lastClr="FFFFFF"/>
+      </a:lt1>
+      <a:dk2>
+        <a:srgbClr val="44546A"/>
+      </a:dk2>
+      <a:lt2>
+        <a:srgbClr val="E7E6E6"/>
+      </a:lt2>
+      <a:accent1>
+        <a:srgbClr val="4472C4"/>
+      </a:accent1>
+      <a:accent2>
+        <a:srgbClr val="ED7D31"/>
+      </a:accent2>
+      <a:accent3>
+        <a:srgbClr val="A5A5A5"/>
+      </a:accent3>
+      <a:accent4>
+        <a:srgbClr val="FFC000"/>
+      </a:accent4>
+      <a:accent5>
+        <a:srgbClr val="5B9BD5"/>
+      </a:accent5>
+      <a:accent6>
+        <a:srgbClr val="70AD47"/>
+      </a:accent6>
+      <a:hlink>
+        <a:srgbClr val="0563C1"/>
+      </a:hlink>
+      <a:folHlink>
+        <a:srgbClr val="954F72"/>
+      </a:folHlink>
+    </a:clrScheme>
+    <a:fontScheme name="Office">
+      <a:majorFont>
+        <a:latin typeface="맑은 고딕" panose="020F0302020204030204"/>
+        <a:ea typeface=""/>
+        <a:cs typeface=""/>
+        <a:font script="Jpan" typeface="游ゴシック Light"/>
+        <a:font script="Hang" typeface="맑은 고딕"/>
+        <a:font script="Hans" typeface="等线 Light"/>
+        <a:font script="Hant" typeface="新細明體"/>
+        <a:font script="Arab" typeface="Times New Roman"/>
+        <a:font script="Hebr" typeface="Times New Roman"/>
+        <a:font script="Thai" typeface="Angsana New"/>
+        <a:font script="Ethi" typeface="Nyala"/>
+        <a:font script="Beng" typeface="Vrinda"/>
+        <a:font script="Gujr" typeface="Shruti"/>
+        <a:font script="Khmr" typeface="MoolBoran"/>
+        <a:font script="Knda" typeface="Tunga"/>
+        <a:font script="Guru" typeface="Raavi"/>
+        <a:font script="Cans" typeface="Euphemia"/>
+        <a:font script="Cher" typeface="Plantagenet Cherokee"/>
+        <a:font script="Yiii" typeface="Microsoft Yi Baiti"/>
+        <a:font script="Tibt" typeface="Microsoft Himalaya"/>
+        <a:font script="Thaa" typeface="MV Boli"/>
+        <a:font script="Deva" typeface="Mangal"/>
+        <a:font script="Telu" typeface="Gautami"/>
+        <a:font script="Taml" typeface="Latha"/>
+        <a:font script="Syrc" typeface="Estrangelo Edessa"/>
+        <a:font script="Orya" typeface="Kalinga"/>
+        <a:font script="Mlym" typeface="Kartika"/>
+        <a:font script="Laoo" typeface="DokChampa"/>
+        <a:font script="Sinh" typeface="Iskoola Pota"/>
+        <a:font script="Mong" typeface="Mongolian Baiti"/>
+        <a:font script="Viet" typeface="Times New Roman"/>
+        <a:font script="Uigh" typeface="Microsoft Uighur"/>
+        <a:font script="Geor" typeface="Sylfaen"/>
+        <a:font script="Armn" typeface="Arial"/>
+        <a:font script="Bugi" typeface="Leelawadee UI"/>
+        <a:font script="Bopo" typeface="Microsoft JhengHei"/>
+        <a:font script="Java" typeface="Javanese Text"/>
+        <a:font script="Lisu" typeface="Segoe UI"/>
+        <a:font script="Mymr" typeface="Myanmar Text"/>
+        <a:font script="Nkoo" typeface="Ebrima"/>
+        <a:font script="Olck" typeface="Nirmala UI"/>
+        <a:font script="Osma" typeface="Ebrima"/>
+        <a:font script="Phag" typeface="Phagspa"/>
+        <a:font script="Syrn" typeface="Estrangelo Edessa"/>
+        <a:font script="Syrj" typeface="Estrangelo Edessa"/>
+        <a:font script="Syre" typeface="Estrangelo Edessa"/>
+        <a:font script="Sora" typeface="Nirmala UI"/>
+        <a:font script="Tale" typeface="Microsoft Tai Le"/>
+        <a:font script="Talu" typeface="Microsoft New Tai Lue"/>
+        <a:font script="Tfng" typeface="Ebrima"/>
+      </a:majorFont>
+      <a:minorFont>
+        <a:latin typeface="맑은 고딕" panose="020F0502020204030204"/>
+        <a:ea typeface=""/>
+        <a:cs typeface=""/>
+        <a:font script="Jpan" typeface="游ゴシック"/>
+        <a:font script="Hang" typeface="맑은 고딕"/>
+        <a:font script="Hans" typeface="等线"/>
+        <a:font script="Hant" typeface="新細明體"/>
+        <a:font script="Arab" typeface="Arial"/>
+        <a:font script="Hebr" typeface="Arial"/>
+        <a:font script="Thai" typeface="Cordia New"/>
+        <a:font script="Ethi" typeface="Nyala"/>
+        <a:font script="Beng" typeface="Vrinda"/>
+        <a:font script="Gujr" typeface="Shruti"/>
+        <a:font script="Khmr" typeface="DaunPenh"/>
+        <a:font script="Knda" typeface="Tunga"/>
+        <a:font script="Guru" typeface="Raavi"/>
+        <a:font script="Cans" typeface="Euphemia"/>
+        <a:font script="Cher" typeface="Plantagenet Cherokee"/>
+        <a:font script="Yiii" typeface="Microsoft Yi Baiti"/>
+        <a:font script="Tibt" typeface="Microsoft Himalaya"/>
+        <a:font script="Thaa" typeface="MV Boli"/>
+        <a:font script="Deva" typeface="Mangal"/>
+        <a:font script="Telu" typeface="Gautami"/>
+        <a:font script="Taml" typeface="Latha"/>
+        <a:font script="Syrc" typeface="Estrangelo Edessa"/>
+        <a:font script="Orya" typeface="Kalinga"/>
+        <a:font script="Mlym" typeface="Kartika"/>
+        <a:font script="Laoo" typeface="DokChampa"/>
+        <a:font script="Sinh" typeface="Iskoola Pota"/>
+        <a:font script="Mong" typeface="Mongolian Baiti"/>
+        <a:font script="Viet" typeface="Arial"/>
+        <a:font script="Uigh" typeface="Microsoft Uighur"/>
+        <a:font script="Geor" typeface="Sylfaen"/>
+        <a:font script="Armn" typeface="Arial"/>
+        <a:font script="Bugi" typeface="Leelawadee UI"/>
+        <a:font script="Bopo" typeface="Microsoft JhengHei"/>
+        <a:font script="Java" typeface="Javanese Text"/>
+        <a:font script="Lisu" typeface="Segoe UI"/>
+        <a:font script="Mymr" typeface="Myanmar Text"/>
+        <a:font script="Nkoo" typeface="Ebrima"/>
+        <a:font script="Olck" typeface="Nirmala UI"/>
+        <a:font script="Osma" typeface="Ebrima"/>
+        <a:font script="Phag" typeface="Phagspa"/>
+        <a:font script="Syrn" typeface="Estrangelo Edessa"/>
+        <a:font script="Syrj" typeface="Estrangelo Edessa"/>
+        <a:font script="Syre" typeface="Estrangelo Edessa"/>
+        <a:font script="Sora" typeface="Nirmala UI"/>
+        <a:font script="Tale" typeface="Microsoft Tai Le"/>
+        <a:font script="Talu" typeface="Microsoft New Tai Lue"/>
+        <a:font script="Tfng" typeface="Ebrima"/>
+      </a:minorFont>
+    </a:fontScheme>
+    <a:fmtScheme name="Office">
+      <a:fillStyleLst>
+        <a:solidFill>
+          <a:schemeClr val="phClr"/>
+        </a:solidFill>
+        <a:gradFill rotWithShape="1">
+          <a:gsLst>
+            <a:gs pos="0">
+              <a:schemeClr val="phClr">
+                <a:lumMod val="110000"/>
+                <a:satMod val="105000"/>
+                <a:tint val="67000"/>
+              </a:schemeClr>
+            </a:gs>
+            <a:gs pos="50000">
+              <a:schemeClr val="phClr">
+                <a:lumMod val="105000"/>
+                <a:satMod val="103000"/>
+                <a:tint val="73000"/>
+              </a:schemeClr>
+            </a:gs>
+            <a:gs pos="100000">
+              <a:schemeClr val="phClr">
+                <a:lumMod val="105000"/>
+                <a:satMod val="109000"/>
+                <a:tint val="81000"/>
+              </a:schemeClr>
+            </a:gs>
+          </a:gsLst>
+          <a:lin ang="5400000" scaled="0"/>
+        </a:gradFill>
+        <a:gradFill rotWithShape="1">
+          <a:gsLst>
+            <a:gs pos="0">
+              <a:schemeClr val="phClr">
+                <a:satMod val="103000"/>
+                <a:lumMod val="102000"/>
+                <a:tint val="94000"/>
+              </a:schemeClr>
+            </a:gs>
+            <a:gs pos="50000">
+              <a:schemeClr val="phClr">
+                <a:satMod val="110000"/>
+                <a:lumMod val="100000"/>
+                <a:shade val="100000"/>
+              </a:schemeClr>
+            </a:gs>
+            <a:gs pos="100000">
+              <a:schemeClr val="phClr">
+                <a:lumMod val="99000"/>
+                <a:satMod val="120000"/>
+                <a:shade val="78000"/>
+              </a:schemeClr>
+            </a:gs>
+          </a:gsLst>
+          <a:lin ang="5400000" scaled="0"/>
+        </a:gradFill>
+      </a:fillStyleLst>
+      <a:lnStyleLst>
+        <a:ln w="6350" cap="flat" cmpd="sng" algn="ctr">
+          <a:solidFill>
+            <a:schemeClr val="phClr"/>
+          </a:solidFill>
+          <a:prstDash val="solid"/>
+          <a:miter lim="800000"/>
+        </a:ln>
+        <a:ln w="12700" cap="flat" cmpd="sng" algn="ctr">
+          <a:solidFill>
+            <a:schemeClr val="phClr"/>
+          </a:solidFill>
+          <a:prstDash val="solid"/>
+          <a:miter lim="800000"/>
+        </a:ln>
+        <a:ln w="19050" cap="flat" cmpd="sng" algn="ctr">
+          <a:solidFill>
+            <a:schemeClr val="phClr"/>
+          </a:solidFill>
+          <a:prstDash val="solid"/>
+          <a:miter lim="800000"/>
+        </a:ln>
+      </a:lnStyleLst>
+      <a:effectStyleLst>
+        <a:effectStyle>
+          <a:effectLst/>
+        </a:effectStyle>
+        <a:effectStyle>
+          <a:effectLst/>
+        </a:effectStyle>
+        <a:effectStyle>
+          <a:effectLst>
+            <a:outerShdw blurRad="57150" dist="19050" dir="5400000" algn="ctr" rotWithShape="0">
+              <a:srgbClr val="000000">
+                <a:alpha val="63000"/>
+              </a:srgbClr>
+            </a:outerShdw>
+          </a:effectLst>
+        </a:effectStyle>
+      </a:effectStyleLst>
+      <a:bgFillStyleLst>
+        <a:solidFill>
+          <a:schemeClr val="phClr"/>
+        </a:solidFill>
+        <a:solidFill>
+          <a:schemeClr val="phClr">
+            <a:tint val="95000"/>
+            <a:satMod val="170000"/>
+          </a:schemeClr>
+        </a:solidFill>
+        <a:gradFill rotWithShape="1">
+          <a:gsLst>
+            <a:gs pos="0">
+              <a:schemeClr val="phClr">
+                <a:tint val="93000"/>
+                <a:satMod val="150000"/>
+                <a:shade val="98000"/>
+                <a:lumMod val="102000"/>
+              </a:schemeClr>
+            </a:gs>
+            <a:gs pos="50000">
+              <a:schemeClr val="phClr">
+                <a:tint val="98000"/>
+                <a:satMod val="130000"/>
+                <a:shade val="90000"/>
+                <a:lumMod val="103000"/>
+              </a:schemeClr>
+            </a:gs>
+            <a:gs pos="100000">
+              <a:schemeClr val="phClr">
+                <a:shade val="63000"/>
+                <a:satMod val="120000"/>
+              </a:schemeClr>
+            </a:gs>
+          </a:gsLst>
+          <a:lin ang="5400000" scaled="0"/>
+        </a:gradFill>
+      </a:bgFillStyleLst>
+    </a:fmtScheme>
+  </a:themeElements>
+  <a:objectDefaults/>
+  <a:extraClrSchemeLst/>
+  <a:extLst>
+    <a:ext uri="{05A4C25C-085E-4340-85A3-A5531E510DB2}">
+      <thm15:themeFamily xmlns:thm15="http://schemas.microsoft.com/office/thememl/2012/main" name="Office Theme" id="{62F939B6-93AF-4DB8-9C6B-D6C7DFDC589F}" vid="{4A3C46E8-61CC-4603-A589-7422A47A8E4A}"/>
+    </a:ext>
+  </a:extLst>
+</a:theme>
 </file>